--- a/Preza.pptx
+++ b/Preza.pptx
@@ -1,15 +1,16 @@
 
 <file path=ppt/presentation.xml><?xml version="1.0" encoding="utf-8"?>
-<p:presentation xmlns:a="http://schemas.openxmlformats.org/drawingml/2006/main" xmlns:r="http://schemas.openxmlformats.org/officeDocument/2006/relationships" xmlns:p="http://schemas.openxmlformats.org/presentationml/2006/main" xmlns:m="http://schemas.openxmlformats.org/officeDocument/2006/math" xmlns:w="http://schemas.openxmlformats.org/wordprocessingml/2006/main" saveSubsetFonts="1">
+<p:presentation xmlns:a="http://schemas.openxmlformats.org/drawingml/2006/main" xmlns:r="http://schemas.openxmlformats.org/officeDocument/2006/relationships" xmlns:p="http://schemas.openxmlformats.org/presentationml/2006/main">
   <p:sldMasterIdLst>
     <p:sldMasterId id="2147483648" r:id="rId1"/>
   </p:sldMasterIdLst>
   <p:notesMasterIdLst>
-    <p:notesMasterId r:id="rId6"/>
+    <p:notesMasterId r:id="rId4"/>
   </p:notesMasterIdLst>
   <p:sldIdLst>
-    <p:sldId id="256" r:id="rId4"/>
+    <p:sldId id="256" r:id="rId3"/>
     <p:sldId id="257" r:id="rId5"/>
+    <p:sldId id="259" r:id="rId6"/>
   </p:sldIdLst>
   <p:sldSz cx="12192000" cy="6858000"/>
   <p:notesSz cx="6858000" cy="9144000"/>
@@ -108,12 +109,28 @@
       </a:defRPr>
     </a:lvl9pPr>
   </p:defaultTextStyle>
+  <p:extLst>
+    <p:ext uri="{EFAFB233-063F-42B5-8137-9DF3F51BA10A}">
+      <p15:sldGuideLst xmlns:p15="http://schemas.microsoft.com/office/powerpoint/2012/main">
+        <p15:guide id="1" pos="3819" userDrawn="1">
+          <p15:clr>
+            <a:srgbClr val="A4A3A4"/>
+          </p15:clr>
+        </p15:guide>
+        <p15:guide id="2" orient="horz" pos="2159" userDrawn="1">
+          <p15:clr>
+            <a:srgbClr val="A4A3A4"/>
+          </p15:clr>
+        </p15:guide>
+      </p15:sldGuideLst>
+    </p:ext>
+  </p:extLst>
 </p:presentation>
 </file>
 
 <file path=ppt/notesMasters/notesMaster1.xml><?xml version="1.0" encoding="utf-8"?>
 <p:notesMaster xmlns:a="http://schemas.openxmlformats.org/drawingml/2006/main" xmlns:r="http://schemas.openxmlformats.org/officeDocument/2006/relationships" xmlns:p="http://schemas.openxmlformats.org/presentationml/2006/main">
-  <p:cSld name="">
+  <p:cSld>
     <p:bg>
       <p:bgRef idx="1001">
         <a:schemeClr val="bg1"/>
@@ -199,7 +216,6 @@
             </a:pPr>
             <a:fld id="{3632E96E-41F7-40C5-8419-297958CC00FA}" type="datetimeFigureOut">
               <a:rPr lang="ru-RU"/>
-              <a:t>10/30/2013</a:t>
             </a:fld>
             <a:endParaRPr lang="ru-RU"/>
           </a:p>
@@ -209,7 +225,7 @@
         <p:nvSpPr>
           <p:cNvPr id="4" name="Slide Image Placeholder 3"/>
           <p:cNvSpPr>
-            <a:spLocks noChangeAspect="1" noGrp="1" noRot="1"/>
+            <a:spLocks noGrp="1" noRot="1" noChangeAspect="1"/>
           </p:cNvSpPr>
           <p:nvPr>
             <p:ph type="sldImg" idx="2"/>
@@ -271,7 +287,7 @@
               <a:rPr lang="ru-RU"/>
               <a:t>Click to edit Master text styles</a:t>
             </a:r>
-            <a:endParaRPr/>
+            <a:endParaRPr lang="ru-RU"/>
           </a:p>
           <a:p>
             <a:pPr lvl="1">
@@ -281,7 +297,7 @@
               <a:rPr lang="ru-RU"/>
               <a:t>Second level</a:t>
             </a:r>
-            <a:endParaRPr/>
+            <a:endParaRPr lang="ru-RU"/>
           </a:p>
           <a:p>
             <a:pPr lvl="2">
@@ -291,7 +307,7 @@
               <a:rPr lang="ru-RU"/>
               <a:t>Third level</a:t>
             </a:r>
-            <a:endParaRPr/>
+            <a:endParaRPr lang="ru-RU"/>
           </a:p>
           <a:p>
             <a:pPr lvl="3">
@@ -301,7 +317,7 @@
               <a:rPr lang="ru-RU"/>
               <a:t>Fourth level</a:t>
             </a:r>
-            <a:endParaRPr/>
+            <a:endParaRPr lang="ru-RU"/>
           </a:p>
           <a:p>
             <a:pPr lvl="4">
@@ -381,7 +397,6 @@
             </a:pPr>
             <a:fld id="{2E6999B8-B6B4-4561-A3CD-BBCDAB9FC9D9}" type="slidenum">
               <a:rPr lang="ru-RU"/>
-              <a:t>‹#›</a:t>
             </a:fld>
             <a:endParaRPr lang="ru-RU"/>
           </a:p>
@@ -486,8 +501,8 @@
 </file>
 
 <file path=ppt/notesSlides/notesSlide1.xml><?xml version="1.0" encoding="utf-8"?>
-<p:notes xmlns:a="http://schemas.openxmlformats.org/drawingml/2006/main" xmlns:r="http://schemas.openxmlformats.org/officeDocument/2006/relationships" xmlns:p="http://schemas.openxmlformats.org/presentationml/2006/main" xmlns:m="http://schemas.openxmlformats.org/officeDocument/2006/math" xmlns:w="http://schemas.openxmlformats.org/wordprocessingml/2006/main">
-  <p:cSld name="">
+<p:notes xmlns:a="http://schemas.openxmlformats.org/drawingml/2006/main" xmlns:r="http://schemas.openxmlformats.org/officeDocument/2006/relationships" xmlns:p="http://schemas.openxmlformats.org/presentationml/2006/main">
+  <p:cSld>
     <p:spTree>
       <p:nvGrpSpPr>
         <p:cNvPr id="1" name=""/>
@@ -506,7 +521,7 @@
         <p:nvSpPr>
           <p:cNvPr id="2" name="Slide Image Placeholder 1"/>
           <p:cNvSpPr>
-            <a:spLocks noChangeAspect="1" noGrp="1" noRot="1"/>
+            <a:spLocks noGrp="1" noRot="1" noChangeAspect="1"/>
           </p:cNvSpPr>
           <p:nvPr>
             <p:ph type="sldImg"/>
@@ -538,8 +553,8 @@
               <a:defRPr/>
             </a:pPr>
             <a:endParaRPr lang="ru-RU">
-              <a:latin typeface="Arial"/>
-              <a:cs typeface="Arial"/>
+              <a:latin typeface="Arial" panose="020B0604020202020204"/>
+              <a:cs typeface="Arial" panose="020B0604020202020204"/>
             </a:endParaRPr>
           </a:p>
         </p:txBody>
@@ -564,7 +579,6 @@
             </a:pPr>
             <a:fld id="{2E6999B8-B6B4-4561-A3CD-BBCDAB9FC9D9}" type="slidenum">
               <a:rPr lang="ru-RU"/>
-              <a:t>1</a:t>
             </a:fld>
             <a:endParaRPr lang="ru-RU"/>
           </a:p>
@@ -572,12 +586,15 @@
       </p:sp>
     </p:spTree>
   </p:cSld>
+  <p:clrMapOvr>
+    <a:masterClrMapping/>
+  </p:clrMapOvr>
 </p:notes>
 </file>
 
 <file path=ppt/notesSlides/notesSlide2.xml><?xml version="1.0" encoding="utf-8"?>
-<p:notes xmlns:a="http://schemas.openxmlformats.org/drawingml/2006/main" xmlns:r="http://schemas.openxmlformats.org/officeDocument/2006/relationships" xmlns:p="http://schemas.openxmlformats.org/presentationml/2006/main" xmlns:m="http://schemas.openxmlformats.org/officeDocument/2006/math" xmlns:w="http://schemas.openxmlformats.org/wordprocessingml/2006/main">
-  <p:cSld name="">
+<p:notes xmlns:a="http://schemas.openxmlformats.org/drawingml/2006/main" xmlns:r="http://schemas.openxmlformats.org/officeDocument/2006/relationships" xmlns:p="http://schemas.openxmlformats.org/presentationml/2006/main">
+  <p:cSld>
     <p:spTree>
       <p:nvGrpSpPr>
         <p:cNvPr id="1" name=""/>
@@ -596,7 +613,7 @@
         <p:nvSpPr>
           <p:cNvPr id="309044352" name="Slide Image Placeholder 1"/>
           <p:cNvSpPr>
-            <a:spLocks noChangeAspect="1" noGrp="1" noRot="1"/>
+            <a:spLocks noGrp="1" noRot="1" noChangeAspect="1"/>
           </p:cNvSpPr>
           <p:nvPr>
             <p:ph type="sldImg"/>
@@ -628,8 +645,8 @@
               <a:defRPr/>
             </a:pPr>
             <a:endParaRPr lang="ru-RU">
-              <a:latin typeface="Arial"/>
-              <a:cs typeface="Arial"/>
+              <a:latin typeface="Arial" panose="020B0604020202020204"/>
+              <a:cs typeface="Arial" panose="020B0604020202020204"/>
             </a:endParaRPr>
           </a:p>
         </p:txBody>
@@ -654,7 +671,6 @@
             </a:pPr>
             <a:fld id="{3F7FFB97-62D1-014B-7648-87230457C168}" type="slidenum">
               <a:rPr lang="ru-RU"/>
-              <a:t/>
             </a:fld>
             <a:endParaRPr lang="ru-RU"/>
           </a:p>
@@ -662,11 +678,106 @@
       </p:sp>
     </p:spTree>
   </p:cSld>
+  <p:clrMapOvr>
+    <a:masterClrMapping/>
+  </p:clrMapOvr>
+</p:notes>
+</file>
+
+<file path=ppt/notesSlides/notesSlide3.xml><?xml version="1.0" encoding="utf-8"?>
+<p:notes xmlns:a="http://schemas.openxmlformats.org/drawingml/2006/main" xmlns:r="http://schemas.openxmlformats.org/officeDocument/2006/relationships" xmlns:p="http://schemas.openxmlformats.org/presentationml/2006/main">
+  <p:cSld>
+    <p:spTree>
+      <p:nvGrpSpPr>
+        <p:cNvPr id="1" name=""/>
+        <p:cNvGrpSpPr/>
+        <p:nvPr/>
+      </p:nvGrpSpPr>
+      <p:grpSpPr bwMode="auto">
+        <a:xfrm>
+          <a:off x="0" y="0"/>
+          <a:ext cx="0" cy="0"/>
+          <a:chOff x="0" y="0"/>
+          <a:chExt cx="0" cy="0"/>
+        </a:xfrm>
+      </p:grpSpPr>
+      <p:sp>
+        <p:nvSpPr>
+          <p:cNvPr id="309044352" name="Slide Image Placeholder 1"/>
+          <p:cNvSpPr>
+            <a:spLocks noGrp="1" noRot="1" noChangeAspect="1"/>
+          </p:cNvSpPr>
+          <p:nvPr>
+            <p:ph type="sldImg"/>
+          </p:nvPr>
+        </p:nvSpPr>
+        <p:spPr bwMode="auto">
+          <a:xfrm>
+            <a:off x="685800" y="1143000"/>
+            <a:ext cx="5486400" cy="3086100"/>
+          </a:xfrm>
+        </p:spPr>
+      </p:sp>
+      <p:sp>
+        <p:nvSpPr>
+          <p:cNvPr id="1108509807" name="Notes Placeholder 2"/>
+          <p:cNvSpPr>
+            <a:spLocks noGrp="1"/>
+          </p:cNvSpPr>
+          <p:nvPr>
+            <p:ph type="body" idx="1"/>
+          </p:nvPr>
+        </p:nvSpPr>
+        <p:spPr bwMode="auto"/>
+        <p:txBody>
+          <a:bodyPr/>
+          <a:lstStyle/>
+          <a:p>
+            <a:pPr>
+              <a:defRPr/>
+            </a:pPr>
+            <a:endParaRPr lang="ru-RU">
+              <a:latin typeface="Arial" panose="020B0604020202020204"/>
+              <a:cs typeface="Arial" panose="020B0604020202020204"/>
+            </a:endParaRPr>
+          </a:p>
+        </p:txBody>
+      </p:sp>
+      <p:sp>
+        <p:nvSpPr>
+          <p:cNvPr id="667135504" name="Slide Number Placeholder 3"/>
+          <p:cNvSpPr>
+            <a:spLocks noGrp="1"/>
+          </p:cNvSpPr>
+          <p:nvPr>
+            <p:ph type="sldNum" sz="quarter" idx="10"/>
+          </p:nvPr>
+        </p:nvSpPr>
+        <p:spPr bwMode="auto"/>
+        <p:txBody>
+          <a:bodyPr/>
+          <a:lstStyle/>
+          <a:p>
+            <a:pPr>
+              <a:defRPr/>
+            </a:pPr>
+            <a:fld id="{3F7FFB97-62D1-014B-7648-87230457C168}" type="slidenum">
+              <a:rPr lang="ru-RU"/>
+            </a:fld>
+            <a:endParaRPr lang="ru-RU"/>
+          </a:p>
+        </p:txBody>
+      </p:sp>
+    </p:spTree>
+  </p:cSld>
+  <p:clrMapOvr>
+    <a:masterClrMapping/>
+  </p:clrMapOvr>
 </p:notes>
 </file>
 
 <file path=ppt/slideLayouts/slideLayout1.xml><?xml version="1.0" encoding="utf-8"?>
-<p:sldLayout xmlns:a="http://schemas.openxmlformats.org/drawingml/2006/main" xmlns:r="http://schemas.openxmlformats.org/officeDocument/2006/relationships" xmlns:p="http://schemas.openxmlformats.org/presentationml/2006/main" xmlns:m="http://schemas.openxmlformats.org/officeDocument/2006/math" xmlns:w="http://schemas.openxmlformats.org/wordprocessingml/2006/main" matchingName="" preserve="1" showMasterPhAnim="0" type="title" userDrawn="1">
+<p:sldLayout xmlns:a="http://schemas.openxmlformats.org/drawingml/2006/main" xmlns:r="http://schemas.openxmlformats.org/officeDocument/2006/relationships" xmlns:p="http://schemas.openxmlformats.org/presentationml/2006/main" type="title" preserve="1" showMasterPhAnim="0" userDrawn="1">
   <p:cSld name="Титульный слайд">
     <p:spTree>
       <p:nvGrpSpPr>
@@ -805,7 +916,6 @@
             </a:pPr>
             <a:fld id="{BCC18F51-09EC-435C-A3BA-64A766E099C0}" type="datetimeFigureOut">
               <a:rPr lang="ru-RU"/>
-              <a:t>30.10.2013</a:t>
             </a:fld>
             <a:endParaRPr lang="ru-RU"/>
           </a:p>
@@ -853,7 +963,6 @@
             </a:pPr>
             <a:fld id="{08395586-F03A-48D1-94DF-16B239DF4FB5}" type="slidenum">
               <a:rPr lang="ru-RU"/>
-              <a:t>‹#›</a:t>
             </a:fld>
             <a:endParaRPr lang="ru-RU"/>
           </a:p>
@@ -868,7 +977,7 @@
 </file>
 
 <file path=ppt/slideLayouts/slideLayout10.xml><?xml version="1.0" encoding="utf-8"?>
-<p:sldLayout xmlns:a="http://schemas.openxmlformats.org/drawingml/2006/main" xmlns:r="http://schemas.openxmlformats.org/officeDocument/2006/relationships" xmlns:p="http://schemas.openxmlformats.org/presentationml/2006/main" xmlns:m="http://schemas.openxmlformats.org/officeDocument/2006/math" xmlns:w="http://schemas.openxmlformats.org/wordprocessingml/2006/main" matchingName="" preserve="1" showMasterPhAnim="0" type="vertTx" userDrawn="1">
+<p:sldLayout xmlns:a="http://schemas.openxmlformats.org/drawingml/2006/main" xmlns:r="http://schemas.openxmlformats.org/officeDocument/2006/relationships" xmlns:p="http://schemas.openxmlformats.org/presentationml/2006/main" type="vertTx" preserve="1" showMasterPhAnim="0" userDrawn="1">
   <p:cSld name="Заголовок и вертикальный текст">
     <p:spTree>
       <p:nvGrpSpPr>
@@ -932,7 +1041,7 @@
               <a:rPr lang="ru-RU"/>
               <a:t>Образец текста</a:t>
             </a:r>
-            <a:endParaRPr/>
+            <a:endParaRPr lang="ru-RU"/>
           </a:p>
           <a:p>
             <a:pPr lvl="1">
@@ -942,7 +1051,7 @@
               <a:rPr lang="ru-RU"/>
               <a:t>Второй уровень</a:t>
             </a:r>
-            <a:endParaRPr/>
+            <a:endParaRPr lang="ru-RU"/>
           </a:p>
           <a:p>
             <a:pPr lvl="2">
@@ -952,7 +1061,7 @@
               <a:rPr lang="ru-RU"/>
               <a:t>Третий уровень</a:t>
             </a:r>
-            <a:endParaRPr/>
+            <a:endParaRPr lang="ru-RU"/>
           </a:p>
           <a:p>
             <a:pPr lvl="3">
@@ -962,7 +1071,7 @@
               <a:rPr lang="ru-RU"/>
               <a:t>Четвертый уровень</a:t>
             </a:r>
-            <a:endParaRPr/>
+            <a:endParaRPr lang="ru-RU"/>
           </a:p>
           <a:p>
             <a:pPr lvl="4">
@@ -996,7 +1105,6 @@
             </a:pPr>
             <a:fld id="{BCC18F51-09EC-435C-A3BA-64A766E099C0}" type="datetimeFigureOut">
               <a:rPr lang="ru-RU"/>
-              <a:t>30.10.2013</a:t>
             </a:fld>
             <a:endParaRPr lang="ru-RU"/>
           </a:p>
@@ -1044,7 +1152,6 @@
             </a:pPr>
             <a:fld id="{08395586-F03A-48D1-94DF-16B239DF4FB5}" type="slidenum">
               <a:rPr lang="ru-RU"/>
-              <a:t>‹#›</a:t>
             </a:fld>
             <a:endParaRPr lang="ru-RU"/>
           </a:p>
@@ -1059,7 +1166,7 @@
 </file>
 
 <file path=ppt/slideLayouts/slideLayout11.xml><?xml version="1.0" encoding="utf-8"?>
-<p:sldLayout xmlns:a="http://schemas.openxmlformats.org/drawingml/2006/main" xmlns:r="http://schemas.openxmlformats.org/officeDocument/2006/relationships" xmlns:p="http://schemas.openxmlformats.org/presentationml/2006/main" xmlns:m="http://schemas.openxmlformats.org/officeDocument/2006/math" xmlns:w="http://schemas.openxmlformats.org/wordprocessingml/2006/main" matchingName="" preserve="1" showMasterPhAnim="0" type="vertTitleAndTx" userDrawn="1">
+<p:sldLayout xmlns:a="http://schemas.openxmlformats.org/drawingml/2006/main" xmlns:r="http://schemas.openxmlformats.org/officeDocument/2006/relationships" xmlns:p="http://schemas.openxmlformats.org/presentationml/2006/main" type="vertTitleAndTx" preserve="1" showMasterPhAnim="0" userDrawn="1">
   <p:cSld name="Вертикальный заголовок и текст">
     <p:spTree>
       <p:nvGrpSpPr>
@@ -1133,7 +1240,7 @@
               <a:rPr lang="ru-RU"/>
               <a:t>Образец текста</a:t>
             </a:r>
-            <a:endParaRPr/>
+            <a:endParaRPr lang="ru-RU"/>
           </a:p>
           <a:p>
             <a:pPr lvl="1">
@@ -1143,7 +1250,7 @@
               <a:rPr lang="ru-RU"/>
               <a:t>Второй уровень</a:t>
             </a:r>
-            <a:endParaRPr/>
+            <a:endParaRPr lang="ru-RU"/>
           </a:p>
           <a:p>
             <a:pPr lvl="2">
@@ -1153,7 +1260,7 @@
               <a:rPr lang="ru-RU"/>
               <a:t>Третий уровень</a:t>
             </a:r>
-            <a:endParaRPr/>
+            <a:endParaRPr lang="ru-RU"/>
           </a:p>
           <a:p>
             <a:pPr lvl="3">
@@ -1163,7 +1270,7 @@
               <a:rPr lang="ru-RU"/>
               <a:t>Четвертый уровень</a:t>
             </a:r>
-            <a:endParaRPr/>
+            <a:endParaRPr lang="ru-RU"/>
           </a:p>
           <a:p>
             <a:pPr lvl="4">
@@ -1197,7 +1304,6 @@
             </a:pPr>
             <a:fld id="{BCC18F51-09EC-435C-A3BA-64A766E099C0}" type="datetimeFigureOut">
               <a:rPr lang="ru-RU"/>
-              <a:t>30.10.2013</a:t>
             </a:fld>
             <a:endParaRPr lang="ru-RU"/>
           </a:p>
@@ -1245,7 +1351,6 @@
             </a:pPr>
             <a:fld id="{08395586-F03A-48D1-94DF-16B239DF4FB5}" type="slidenum">
               <a:rPr lang="ru-RU"/>
-              <a:t>‹#›</a:t>
             </a:fld>
             <a:endParaRPr lang="ru-RU"/>
           </a:p>
@@ -1260,7 +1365,7 @@
 </file>
 
 <file path=ppt/slideLayouts/slideLayout2.xml><?xml version="1.0" encoding="utf-8"?>
-<p:sldLayout xmlns:a="http://schemas.openxmlformats.org/drawingml/2006/main" xmlns:r="http://schemas.openxmlformats.org/officeDocument/2006/relationships" xmlns:p="http://schemas.openxmlformats.org/presentationml/2006/main" xmlns:m="http://schemas.openxmlformats.org/officeDocument/2006/math" xmlns:w="http://schemas.openxmlformats.org/wordprocessingml/2006/main" matchingName="" preserve="1" showMasterPhAnim="0" type="obj" userDrawn="1">
+<p:sldLayout xmlns:a="http://schemas.openxmlformats.org/drawingml/2006/main" xmlns:r="http://schemas.openxmlformats.org/officeDocument/2006/relationships" xmlns:p="http://schemas.openxmlformats.org/presentationml/2006/main" type="obj" preserve="1" showMasterPhAnim="0" userDrawn="1">
   <p:cSld name="Заголовок и объект">
     <p:spTree>
       <p:nvGrpSpPr>
@@ -1324,7 +1429,7 @@
               <a:rPr lang="ru-RU"/>
               <a:t>Образец текста</a:t>
             </a:r>
-            <a:endParaRPr/>
+            <a:endParaRPr lang="ru-RU"/>
           </a:p>
           <a:p>
             <a:pPr lvl="1">
@@ -1334,7 +1439,7 @@
               <a:rPr lang="ru-RU"/>
               <a:t>Второй уровень</a:t>
             </a:r>
-            <a:endParaRPr/>
+            <a:endParaRPr lang="ru-RU"/>
           </a:p>
           <a:p>
             <a:pPr lvl="2">
@@ -1344,7 +1449,7 @@
               <a:rPr lang="ru-RU"/>
               <a:t>Третий уровень</a:t>
             </a:r>
-            <a:endParaRPr/>
+            <a:endParaRPr lang="ru-RU"/>
           </a:p>
           <a:p>
             <a:pPr lvl="3">
@@ -1354,7 +1459,7 @@
               <a:rPr lang="ru-RU"/>
               <a:t>Четвертый уровень</a:t>
             </a:r>
-            <a:endParaRPr/>
+            <a:endParaRPr lang="ru-RU"/>
           </a:p>
           <a:p>
             <a:pPr lvl="4">
@@ -1388,7 +1493,6 @@
             </a:pPr>
             <a:fld id="{BCC18F51-09EC-435C-A3BA-64A766E099C0}" type="datetimeFigureOut">
               <a:rPr lang="ru-RU"/>
-              <a:t>30.10.2013</a:t>
             </a:fld>
             <a:endParaRPr lang="ru-RU"/>
           </a:p>
@@ -1436,7 +1540,6 @@
             </a:pPr>
             <a:fld id="{08395586-F03A-48D1-94DF-16B239DF4FB5}" type="slidenum">
               <a:rPr lang="ru-RU"/>
-              <a:t>‹#›</a:t>
             </a:fld>
             <a:endParaRPr lang="ru-RU"/>
           </a:p>
@@ -1451,7 +1554,7 @@
 </file>
 
 <file path=ppt/slideLayouts/slideLayout3.xml><?xml version="1.0" encoding="utf-8"?>
-<p:sldLayout xmlns:a="http://schemas.openxmlformats.org/drawingml/2006/main" xmlns:r="http://schemas.openxmlformats.org/officeDocument/2006/relationships" xmlns:p="http://schemas.openxmlformats.org/presentationml/2006/main" xmlns:m="http://schemas.openxmlformats.org/officeDocument/2006/math" xmlns:w="http://schemas.openxmlformats.org/wordprocessingml/2006/main" matchingName="" preserve="1" showMasterPhAnim="0" type="secHead" userDrawn="1">
+<p:sldLayout xmlns:a="http://schemas.openxmlformats.org/drawingml/2006/main" xmlns:r="http://schemas.openxmlformats.org/officeDocument/2006/relationships" xmlns:p="http://schemas.openxmlformats.org/presentationml/2006/main" type="secHead" preserve="1" showMasterPhAnim="0" userDrawn="1">
   <p:cSld name="Заголовок раздела">
     <p:spTree>
       <p:nvGrpSpPr>
@@ -1620,7 +1723,7 @@
               <a:rPr lang="ru-RU"/>
               <a:t>Образец текста</a:t>
             </a:r>
-            <a:endParaRPr/>
+            <a:endParaRPr lang="ru-RU"/>
           </a:p>
         </p:txBody>
       </p:sp>
@@ -1644,7 +1747,6 @@
             </a:pPr>
             <a:fld id="{BCC18F51-09EC-435C-A3BA-64A766E099C0}" type="datetimeFigureOut">
               <a:rPr lang="ru-RU"/>
-              <a:t>30.10.2013</a:t>
             </a:fld>
             <a:endParaRPr lang="ru-RU"/>
           </a:p>
@@ -1692,7 +1794,6 @@
             </a:pPr>
             <a:fld id="{08395586-F03A-48D1-94DF-16B239DF4FB5}" type="slidenum">
               <a:rPr lang="ru-RU"/>
-              <a:t>‹#›</a:t>
             </a:fld>
             <a:endParaRPr lang="ru-RU"/>
           </a:p>
@@ -1707,7 +1808,7 @@
 </file>
 
 <file path=ppt/slideLayouts/slideLayout4.xml><?xml version="1.0" encoding="utf-8"?>
-<p:sldLayout xmlns:a="http://schemas.openxmlformats.org/drawingml/2006/main" xmlns:r="http://schemas.openxmlformats.org/officeDocument/2006/relationships" xmlns:p="http://schemas.openxmlformats.org/presentationml/2006/main" xmlns:m="http://schemas.openxmlformats.org/officeDocument/2006/math" xmlns:w="http://schemas.openxmlformats.org/wordprocessingml/2006/main" matchingName="" preserve="1" showMasterPhAnim="0" type="twoObj" userDrawn="1">
+<p:sldLayout xmlns:a="http://schemas.openxmlformats.org/drawingml/2006/main" xmlns:r="http://schemas.openxmlformats.org/officeDocument/2006/relationships" xmlns:p="http://schemas.openxmlformats.org/presentationml/2006/main" type="twoObj" preserve="1" showMasterPhAnim="0" userDrawn="1">
   <p:cSld name="Два объекта">
     <p:spTree>
       <p:nvGrpSpPr>
@@ -1776,7 +1877,7 @@
               <a:rPr lang="ru-RU"/>
               <a:t>Образец текста</a:t>
             </a:r>
-            <a:endParaRPr/>
+            <a:endParaRPr lang="ru-RU"/>
           </a:p>
           <a:p>
             <a:pPr lvl="1">
@@ -1786,7 +1887,7 @@
               <a:rPr lang="ru-RU"/>
               <a:t>Второй уровень</a:t>
             </a:r>
-            <a:endParaRPr/>
+            <a:endParaRPr lang="ru-RU"/>
           </a:p>
           <a:p>
             <a:pPr lvl="2">
@@ -1796,7 +1897,7 @@
               <a:rPr lang="ru-RU"/>
               <a:t>Третий уровень</a:t>
             </a:r>
-            <a:endParaRPr/>
+            <a:endParaRPr lang="ru-RU"/>
           </a:p>
           <a:p>
             <a:pPr lvl="3">
@@ -1806,7 +1907,7 @@
               <a:rPr lang="ru-RU"/>
               <a:t>Четвертый уровень</a:t>
             </a:r>
-            <a:endParaRPr/>
+            <a:endParaRPr lang="ru-RU"/>
           </a:p>
           <a:p>
             <a:pPr lvl="4">
@@ -1847,7 +1948,7 @@
               <a:rPr lang="ru-RU"/>
               <a:t>Образец текста</a:t>
             </a:r>
-            <a:endParaRPr/>
+            <a:endParaRPr lang="ru-RU"/>
           </a:p>
           <a:p>
             <a:pPr lvl="1">
@@ -1857,7 +1958,7 @@
               <a:rPr lang="ru-RU"/>
               <a:t>Второй уровень</a:t>
             </a:r>
-            <a:endParaRPr/>
+            <a:endParaRPr lang="ru-RU"/>
           </a:p>
           <a:p>
             <a:pPr lvl="2">
@@ -1867,7 +1968,7 @@
               <a:rPr lang="ru-RU"/>
               <a:t>Третий уровень</a:t>
             </a:r>
-            <a:endParaRPr/>
+            <a:endParaRPr lang="ru-RU"/>
           </a:p>
           <a:p>
             <a:pPr lvl="3">
@@ -1877,7 +1978,7 @@
               <a:rPr lang="ru-RU"/>
               <a:t>Четвертый уровень</a:t>
             </a:r>
-            <a:endParaRPr/>
+            <a:endParaRPr lang="ru-RU"/>
           </a:p>
           <a:p>
             <a:pPr lvl="4">
@@ -1911,7 +2012,6 @@
             </a:pPr>
             <a:fld id="{BCC18F51-09EC-435C-A3BA-64A766E099C0}" type="datetimeFigureOut">
               <a:rPr lang="ru-RU"/>
-              <a:t>30.10.2013</a:t>
             </a:fld>
             <a:endParaRPr lang="ru-RU"/>
           </a:p>
@@ -1959,7 +2059,6 @@
             </a:pPr>
             <a:fld id="{08395586-F03A-48D1-94DF-16B239DF4FB5}" type="slidenum">
               <a:rPr lang="ru-RU"/>
-              <a:t>‹#›</a:t>
             </a:fld>
             <a:endParaRPr lang="ru-RU"/>
           </a:p>
@@ -1974,7 +2073,7 @@
 </file>
 
 <file path=ppt/slideLayouts/slideLayout5.xml><?xml version="1.0" encoding="utf-8"?>
-<p:sldLayout xmlns:a="http://schemas.openxmlformats.org/drawingml/2006/main" xmlns:r="http://schemas.openxmlformats.org/officeDocument/2006/relationships" xmlns:p="http://schemas.openxmlformats.org/presentationml/2006/main" xmlns:m="http://schemas.openxmlformats.org/officeDocument/2006/math" xmlns:w="http://schemas.openxmlformats.org/wordprocessingml/2006/main" matchingName="" preserve="1" showMasterPhAnim="0" type="twoTxTwoObj" userDrawn="1">
+<p:sldLayout xmlns:a="http://schemas.openxmlformats.org/drawingml/2006/main" xmlns:r="http://schemas.openxmlformats.org/officeDocument/2006/relationships" xmlns:p="http://schemas.openxmlformats.org/presentationml/2006/main" type="twoTxTwoObj" preserve="1" showMasterPhAnim="0" userDrawn="1">
   <p:cSld name="Сравнение">
     <p:spTree>
       <p:nvGrpSpPr>
@@ -2085,7 +2184,7 @@
               <a:rPr lang="ru-RU"/>
               <a:t>Образец текста</a:t>
             </a:r>
-            <a:endParaRPr/>
+            <a:endParaRPr lang="ru-RU"/>
           </a:p>
         </p:txBody>
       </p:sp>
@@ -2116,7 +2215,7 @@
               <a:rPr lang="ru-RU"/>
               <a:t>Click to edit Master text styles</a:t>
             </a:r>
-            <a:endParaRPr/>
+            <a:endParaRPr lang="ru-RU"/>
           </a:p>
           <a:p>
             <a:pPr lvl="1">
@@ -2126,7 +2225,7 @@
               <a:rPr lang="ru-RU"/>
               <a:t>Второй уровень</a:t>
             </a:r>
-            <a:endParaRPr/>
+            <a:endParaRPr lang="ru-RU"/>
           </a:p>
           <a:p>
             <a:pPr lvl="2">
@@ -2136,7 +2235,7 @@
               <a:rPr lang="ru-RU"/>
               <a:t>Третий уровень</a:t>
             </a:r>
-            <a:endParaRPr/>
+            <a:endParaRPr lang="ru-RU"/>
           </a:p>
           <a:p>
             <a:pPr lvl="3">
@@ -2146,7 +2245,7 @@
               <a:rPr lang="ru-RU"/>
               <a:t>Четвертый уровень</a:t>
             </a:r>
-            <a:endParaRPr/>
+            <a:endParaRPr lang="ru-RU"/>
           </a:p>
           <a:p>
             <a:pPr lvl="4">
@@ -2224,7 +2323,7 @@
               <a:rPr lang="ru-RU"/>
               <a:t>Образец текста</a:t>
             </a:r>
-            <a:endParaRPr/>
+            <a:endParaRPr lang="ru-RU"/>
           </a:p>
         </p:txBody>
       </p:sp>
@@ -2255,7 +2354,7 @@
               <a:rPr lang="ru-RU"/>
               <a:t>Образец текста</a:t>
             </a:r>
-            <a:endParaRPr/>
+            <a:endParaRPr lang="ru-RU"/>
           </a:p>
           <a:p>
             <a:pPr lvl="1">
@@ -2265,7 +2364,7 @@
               <a:rPr lang="ru-RU"/>
               <a:t>Второй уровень</a:t>
             </a:r>
-            <a:endParaRPr/>
+            <a:endParaRPr lang="ru-RU"/>
           </a:p>
           <a:p>
             <a:pPr lvl="2">
@@ -2275,7 +2374,7 @@
               <a:rPr lang="ru-RU"/>
               <a:t>Третий уровень</a:t>
             </a:r>
-            <a:endParaRPr/>
+            <a:endParaRPr lang="ru-RU"/>
           </a:p>
           <a:p>
             <a:pPr lvl="3">
@@ -2285,7 +2384,7 @@
               <a:rPr lang="ru-RU"/>
               <a:t>Четвертый уровень</a:t>
             </a:r>
-            <a:endParaRPr/>
+            <a:endParaRPr lang="ru-RU"/>
           </a:p>
           <a:p>
             <a:pPr lvl="4">
@@ -2319,7 +2418,6 @@
             </a:pPr>
             <a:fld id="{BCC18F51-09EC-435C-A3BA-64A766E099C0}" type="datetimeFigureOut">
               <a:rPr lang="ru-RU"/>
-              <a:t>30.10.2013</a:t>
             </a:fld>
             <a:endParaRPr lang="ru-RU"/>
           </a:p>
@@ -2367,7 +2465,6 @@
             </a:pPr>
             <a:fld id="{08395586-F03A-48D1-94DF-16B239DF4FB5}" type="slidenum">
               <a:rPr lang="ru-RU"/>
-              <a:t>‹#›</a:t>
             </a:fld>
             <a:endParaRPr lang="ru-RU"/>
           </a:p>
@@ -2382,7 +2479,7 @@
 </file>
 
 <file path=ppt/slideLayouts/slideLayout6.xml><?xml version="1.0" encoding="utf-8"?>
-<p:sldLayout xmlns:a="http://schemas.openxmlformats.org/drawingml/2006/main" xmlns:r="http://schemas.openxmlformats.org/officeDocument/2006/relationships" xmlns:p="http://schemas.openxmlformats.org/presentationml/2006/main" xmlns:m="http://schemas.openxmlformats.org/officeDocument/2006/math" xmlns:w="http://schemas.openxmlformats.org/wordprocessingml/2006/main" matchingName="" preserve="1" showMasterPhAnim="0" type="titleOnly" userDrawn="1">
+<p:sldLayout xmlns:a="http://schemas.openxmlformats.org/drawingml/2006/main" xmlns:r="http://schemas.openxmlformats.org/officeDocument/2006/relationships" xmlns:p="http://schemas.openxmlformats.org/presentationml/2006/main" type="titleOnly" preserve="1" showMasterPhAnim="0" userDrawn="1">
   <p:cSld name="Только заголовок">
     <p:spTree>
       <p:nvGrpSpPr>
@@ -2444,7 +2541,6 @@
             </a:pPr>
             <a:fld id="{BCC18F51-09EC-435C-A3BA-64A766E099C0}" type="datetimeFigureOut">
               <a:rPr lang="ru-RU"/>
-              <a:t>30.10.2013</a:t>
             </a:fld>
             <a:endParaRPr lang="ru-RU"/>
           </a:p>
@@ -2492,7 +2588,6 @@
             </a:pPr>
             <a:fld id="{08395586-F03A-48D1-94DF-16B239DF4FB5}" type="slidenum">
               <a:rPr lang="ru-RU"/>
-              <a:t>‹#›</a:t>
             </a:fld>
             <a:endParaRPr lang="ru-RU"/>
           </a:p>
@@ -2507,7 +2602,7 @@
 </file>
 
 <file path=ppt/slideLayouts/slideLayout7.xml><?xml version="1.0" encoding="utf-8"?>
-<p:sldLayout xmlns:a="http://schemas.openxmlformats.org/drawingml/2006/main" xmlns:r="http://schemas.openxmlformats.org/officeDocument/2006/relationships" xmlns:p="http://schemas.openxmlformats.org/presentationml/2006/main" xmlns:m="http://schemas.openxmlformats.org/officeDocument/2006/math" xmlns:w="http://schemas.openxmlformats.org/wordprocessingml/2006/main" matchingName="" preserve="1" showMasterPhAnim="0" type="blank" userDrawn="1">
+<p:sldLayout xmlns:a="http://schemas.openxmlformats.org/drawingml/2006/main" xmlns:r="http://schemas.openxmlformats.org/officeDocument/2006/relationships" xmlns:p="http://schemas.openxmlformats.org/presentationml/2006/main" type="blank" preserve="1" showMasterPhAnim="0" userDrawn="1">
   <p:cSld name="Пустой слайд">
     <p:spTree>
       <p:nvGrpSpPr>
@@ -2543,7 +2638,6 @@
             </a:pPr>
             <a:fld id="{BCC18F51-09EC-435C-A3BA-64A766E099C0}" type="datetimeFigureOut">
               <a:rPr lang="ru-RU"/>
-              <a:t>30.10.2013</a:t>
             </a:fld>
             <a:endParaRPr lang="ru-RU"/>
           </a:p>
@@ -2591,7 +2685,6 @@
             </a:pPr>
             <a:fld id="{08395586-F03A-48D1-94DF-16B239DF4FB5}" type="slidenum">
               <a:rPr lang="ru-RU"/>
-              <a:t>‹#›</a:t>
             </a:fld>
             <a:endParaRPr lang="ru-RU"/>
           </a:p>
@@ -2606,7 +2699,7 @@
 </file>
 
 <file path=ppt/slideLayouts/slideLayout8.xml><?xml version="1.0" encoding="utf-8"?>
-<p:sldLayout xmlns:a="http://schemas.openxmlformats.org/drawingml/2006/main" xmlns:r="http://schemas.openxmlformats.org/officeDocument/2006/relationships" xmlns:p="http://schemas.openxmlformats.org/presentationml/2006/main" xmlns:m="http://schemas.openxmlformats.org/officeDocument/2006/math" xmlns:w="http://schemas.openxmlformats.org/wordprocessingml/2006/main" matchingName="" preserve="1" showMasterPhAnim="0" type="objTx" userDrawn="1">
+<p:sldLayout xmlns:a="http://schemas.openxmlformats.org/drawingml/2006/main" xmlns:r="http://schemas.openxmlformats.org/officeDocument/2006/relationships" xmlns:p="http://schemas.openxmlformats.org/presentationml/2006/main" type="objTx" preserve="1" showMasterPhAnim="0" userDrawn="1">
   <p:cSld name="Объект с подписью">
     <p:spTree>
       <p:nvGrpSpPr>
@@ -2712,7 +2805,7 @@
               <a:rPr lang="ru-RU"/>
               <a:t>Образец текста</a:t>
             </a:r>
-            <a:endParaRPr/>
+            <a:endParaRPr lang="ru-RU"/>
           </a:p>
           <a:p>
             <a:pPr lvl="1">
@@ -2722,7 +2815,7 @@
               <a:rPr lang="ru-RU"/>
               <a:t>Второй уровень</a:t>
             </a:r>
-            <a:endParaRPr/>
+            <a:endParaRPr lang="ru-RU"/>
           </a:p>
           <a:p>
             <a:pPr lvl="2">
@@ -2732,7 +2825,7 @@
               <a:rPr lang="ru-RU"/>
               <a:t>Третий уровень</a:t>
             </a:r>
-            <a:endParaRPr/>
+            <a:endParaRPr lang="ru-RU"/>
           </a:p>
           <a:p>
             <a:pPr lvl="3">
@@ -2742,7 +2835,7 @@
               <a:rPr lang="ru-RU"/>
               <a:t>Четвертый уровень</a:t>
             </a:r>
-            <a:endParaRPr/>
+            <a:endParaRPr lang="ru-RU"/>
           </a:p>
           <a:p>
             <a:pPr lvl="4">
@@ -2820,7 +2913,7 @@
               <a:rPr lang="ru-RU"/>
               <a:t>Образец текста</a:t>
             </a:r>
-            <a:endParaRPr/>
+            <a:endParaRPr lang="ru-RU"/>
           </a:p>
         </p:txBody>
       </p:sp>
@@ -2844,7 +2937,6 @@
             </a:pPr>
             <a:fld id="{BCC18F51-09EC-435C-A3BA-64A766E099C0}" type="datetimeFigureOut">
               <a:rPr lang="ru-RU"/>
-              <a:t>30.10.2013</a:t>
             </a:fld>
             <a:endParaRPr lang="ru-RU"/>
           </a:p>
@@ -2892,7 +2984,6 @@
             </a:pPr>
             <a:fld id="{08395586-F03A-48D1-94DF-16B239DF4FB5}" type="slidenum">
               <a:rPr lang="ru-RU"/>
-              <a:t>‹#›</a:t>
             </a:fld>
             <a:endParaRPr lang="ru-RU"/>
           </a:p>
@@ -2907,7 +2998,7 @@
 </file>
 
 <file path=ppt/slideLayouts/slideLayout9.xml><?xml version="1.0" encoding="utf-8"?>
-<p:sldLayout xmlns:a="http://schemas.openxmlformats.org/drawingml/2006/main" xmlns:r="http://schemas.openxmlformats.org/officeDocument/2006/relationships" xmlns:p="http://schemas.openxmlformats.org/presentationml/2006/main" xmlns:m="http://schemas.openxmlformats.org/officeDocument/2006/math" xmlns:w="http://schemas.openxmlformats.org/wordprocessingml/2006/main" matchingName="" preserve="1" showMasterPhAnim="0" type="picTx" userDrawn="1">
+<p:sldLayout xmlns:a="http://schemas.openxmlformats.org/drawingml/2006/main" xmlns:r="http://schemas.openxmlformats.org/officeDocument/2006/relationships" xmlns:p="http://schemas.openxmlformats.org/presentationml/2006/main" type="picTx" preserve="1" showMasterPhAnim="0" userDrawn="1">
   <p:cSld name="Рисунок с подписью">
     <p:spTree>
       <p:nvGrpSpPr>
@@ -2962,7 +3053,7 @@
         <p:nvSpPr>
           <p:cNvPr id="3" name="Рисунок 2"/>
           <p:cNvSpPr>
-            <a:spLocks noChangeAspect="1" noGrp="1"/>
+            <a:spLocks noGrp="1" noChangeAspect="1"/>
           </p:cNvSpPr>
           <p:nvPr>
             <p:ph type="pic" idx="1"/>
@@ -3090,7 +3181,7 @@
               <a:rPr lang="ru-RU"/>
               <a:t>Образец текста</a:t>
             </a:r>
-            <a:endParaRPr/>
+            <a:endParaRPr lang="ru-RU"/>
           </a:p>
         </p:txBody>
       </p:sp>
@@ -3114,7 +3205,6 @@
             </a:pPr>
             <a:fld id="{BCC18F51-09EC-435C-A3BA-64A766E099C0}" type="datetimeFigureOut">
               <a:rPr lang="ru-RU"/>
-              <a:t>30.10.2013</a:t>
             </a:fld>
             <a:endParaRPr lang="ru-RU"/>
           </a:p>
@@ -3162,7 +3252,6 @@
             </a:pPr>
             <a:fld id="{08395586-F03A-48D1-94DF-16B239DF4FB5}" type="slidenum">
               <a:rPr lang="ru-RU"/>
-              <a:t>‹#›</a:t>
             </a:fld>
             <a:endParaRPr lang="ru-RU"/>
           </a:p>
@@ -3177,8 +3266,8 @@
 </file>
 
 <file path=ppt/slideMasters/slideMaster1.xml><?xml version="1.0" encoding="utf-8"?>
-<p:sldMaster xmlns:a="http://schemas.openxmlformats.org/drawingml/2006/main" xmlns:r="http://schemas.openxmlformats.org/officeDocument/2006/relationships" xmlns:p="http://schemas.openxmlformats.org/presentationml/2006/main" xmlns:m="http://schemas.openxmlformats.org/officeDocument/2006/math" xmlns:w="http://schemas.openxmlformats.org/wordprocessingml/2006/main" preserve="0">
-  <p:cSld name="">
+<p:sldMaster xmlns:a="http://schemas.openxmlformats.org/drawingml/2006/main" xmlns:r="http://schemas.openxmlformats.org/officeDocument/2006/relationships" xmlns:p="http://schemas.openxmlformats.org/presentationml/2006/main">
+  <p:cSld>
     <p:bg>
       <p:bgRef idx="1001">
         <a:schemeClr val="bg1"/>
@@ -3266,7 +3355,7 @@
               <a:rPr lang="ru-RU"/>
               <a:t>Click to edit Master text styles</a:t>
             </a:r>
-            <a:endParaRPr/>
+            <a:endParaRPr lang="ru-RU"/>
           </a:p>
           <a:p>
             <a:pPr lvl="1">
@@ -3276,7 +3365,7 @@
               <a:rPr lang="ru-RU"/>
               <a:t>Second level</a:t>
             </a:r>
-            <a:endParaRPr/>
+            <a:endParaRPr lang="ru-RU"/>
           </a:p>
           <a:p>
             <a:pPr lvl="2">
@@ -3286,7 +3375,7 @@
               <a:rPr lang="ru-RU"/>
               <a:t>Third level</a:t>
             </a:r>
-            <a:endParaRPr/>
+            <a:endParaRPr lang="ru-RU"/>
           </a:p>
           <a:p>
             <a:pPr lvl="3">
@@ -3296,7 +3385,7 @@
               <a:rPr lang="ru-RU"/>
               <a:t>Fourth level</a:t>
             </a:r>
-            <a:endParaRPr/>
+            <a:endParaRPr lang="ru-RU"/>
           </a:p>
           <a:p>
             <a:pPr lvl="4">
@@ -3348,7 +3437,6 @@
             </a:pPr>
             <a:fld id="{BCC18F51-09EC-435C-A3BA-64A766E099C0}" type="datetimeFigureOut">
               <a:rPr lang="ru-RU"/>
-              <a:t>30.10.2013</a:t>
             </a:fld>
             <a:endParaRPr lang="ru-RU"/>
           </a:p>
@@ -3432,7 +3520,6 @@
             </a:pPr>
             <a:fld id="{08395586-F03A-48D1-94DF-16B239DF4FB5}" type="slidenum">
               <a:rPr lang="ru-RU"/>
-              <a:t>‹#›</a:t>
             </a:fld>
             <a:endParaRPr lang="ru-RU"/>
           </a:p>
@@ -3482,7 +3569,7 @@
         <a:spcBef>
           <a:spcPts val="1000"/>
         </a:spcBef>
-        <a:buFont typeface="Arial"/>
+        <a:buFont typeface="Arial" panose="020B0604020202020204"/>
         <a:buChar char="•"/>
         <a:defRPr sz="2800">
           <a:solidFill>
@@ -3500,7 +3587,7 @@
         <a:spcBef>
           <a:spcPts val="500"/>
         </a:spcBef>
-        <a:buFont typeface="Arial"/>
+        <a:buFont typeface="Arial" panose="020B0604020202020204"/>
         <a:buChar char="•"/>
         <a:defRPr sz="2400">
           <a:solidFill>
@@ -3518,7 +3605,7 @@
         <a:spcBef>
           <a:spcPts val="500"/>
         </a:spcBef>
-        <a:buFont typeface="Arial"/>
+        <a:buFont typeface="Arial" panose="020B0604020202020204"/>
         <a:buChar char="•"/>
         <a:defRPr sz="2000">
           <a:solidFill>
@@ -3536,7 +3623,7 @@
         <a:spcBef>
           <a:spcPts val="500"/>
         </a:spcBef>
-        <a:buFont typeface="Arial"/>
+        <a:buFont typeface="Arial" panose="020B0604020202020204"/>
         <a:buChar char="•"/>
         <a:defRPr sz="1800">
           <a:solidFill>
@@ -3554,7 +3641,7 @@
         <a:spcBef>
           <a:spcPts val="500"/>
         </a:spcBef>
-        <a:buFont typeface="Arial"/>
+        <a:buFont typeface="Arial" panose="020B0604020202020204"/>
         <a:buChar char="•"/>
         <a:defRPr sz="1800">
           <a:solidFill>
@@ -3572,7 +3659,7 @@
         <a:spcBef>
           <a:spcPts val="500"/>
         </a:spcBef>
-        <a:buFont typeface="Arial"/>
+        <a:buFont typeface="Arial" panose="020B0604020202020204"/>
         <a:buChar char="•"/>
         <a:defRPr sz="1800">
           <a:solidFill>
@@ -3590,7 +3677,7 @@
         <a:spcBef>
           <a:spcPts val="500"/>
         </a:spcBef>
-        <a:buFont typeface="Arial"/>
+        <a:buFont typeface="Arial" panose="020B0604020202020204"/>
         <a:buChar char="•"/>
         <a:defRPr sz="1800">
           <a:solidFill>
@@ -3608,7 +3695,7 @@
         <a:spcBef>
           <a:spcPts val="500"/>
         </a:spcBef>
-        <a:buFont typeface="Arial"/>
+        <a:buFont typeface="Arial" panose="020B0604020202020204"/>
         <a:buChar char="•"/>
         <a:defRPr sz="1800">
           <a:solidFill>
@@ -3626,7 +3713,7 @@
         <a:spcBef>
           <a:spcPts val="500"/>
         </a:spcBef>
-        <a:buFont typeface="Arial"/>
+        <a:buFont typeface="Arial" panose="020B0604020202020204"/>
         <a:buChar char="•"/>
         <a:defRPr sz="1800">
           <a:solidFill>
@@ -3738,13 +3825,14 @@
 </file>
 
 <file path=ppt/slides/slide1.xml><?xml version="1.0" encoding="utf-8"?>
-<p:sld xmlns:a="http://schemas.openxmlformats.org/drawingml/2006/main" xmlns:r="http://schemas.openxmlformats.org/officeDocument/2006/relationships" xmlns:p="http://schemas.openxmlformats.org/presentationml/2006/main" xmlns:m="http://schemas.openxmlformats.org/officeDocument/2006/math" xmlns:w="http://schemas.openxmlformats.org/wordprocessingml/2006/main" showMasterPhAnim="0" show="1">
-  <p:cSld name="">
+<p:sld xmlns:a="http://schemas.openxmlformats.org/drawingml/2006/main" xmlns:r="http://schemas.openxmlformats.org/officeDocument/2006/relationships" xmlns:p="http://schemas.openxmlformats.org/presentationml/2006/main" showMasterPhAnim="0">
+  <p:cSld>
     <p:bg>
-      <p:bgPr shadeToTitle="0">
+      <p:bgPr>
         <a:solidFill>
           <a:srgbClr val="11111B"/>
         </a:solidFill>
+        <a:effectLst/>
       </p:bgPr>
     </p:bg>
     <p:spTree>
@@ -3763,18 +3851,18 @@
       </p:grpSpPr>
       <p:sp>
         <p:nvSpPr>
-          <p:cNvPr id="1363696615" name=""/>
+          <p:cNvPr id="1363696615" name="Скругленный прямоугольник 1363696614"/>
           <p:cNvSpPr/>
           <p:nvPr/>
         </p:nvSpPr>
         <p:spPr bwMode="auto">
-          <a:xfrm flipH="0" flipV="0">
+          <a:xfrm>
             <a:off x="2155582" y="397770"/>
             <a:ext cx="7841814" cy="1659285"/>
           </a:xfrm>
           <a:prstGeom prst="roundRect">
             <a:avLst>
-              <a:gd name="adj" fmla="val 30668"/>
+              <a:gd name="adj" fmla="val 50000"/>
             </a:avLst>
           </a:prstGeom>
           <a:solidFill>
@@ -3805,69 +3893,42 @@
         <p:txBody>
           <a:bodyPr/>
           <a:p>
-            <a:pPr marL="0" marR="0" indent="0">
-              <a:tabLst>
-                <a:tab pos="540000" algn="l"/>
-              </a:tabLst>
-              <a:defRPr/>
-            </a:pPr>
-            <a:endParaRPr/>
-          </a:p>
-        </p:txBody>
-      </p:sp>
-      <p:sp>
-        <p:nvSpPr>
-          <p:cNvPr id="1910834409" name=""/>
-          <p:cNvSpPr txBox="1"/>
-          <p:nvPr/>
-        </p:nvSpPr>
-        <p:spPr bwMode="auto">
-          <a:xfrm flipH="0" flipV="0">
-            <a:off x="2155582" y="679399"/>
-            <a:ext cx="7843614" cy="1189079"/>
-          </a:xfrm>
-          <a:prstGeom prst="rect">
-            <a:avLst/>
-          </a:prstGeom>
-          <a:noFill/>
-        </p:spPr>
-        <p:txBody>
-          <a:bodyPr vertOverflow="overflow" horzOverflow="overflow" vert="horz" wrap="square" lIns="91440" tIns="45720" rIns="91440" bIns="45720" numCol="1" spcCol="0" rtlCol="0" fromWordArt="0" anchor="t" anchorCtr="0" forceAA="0" upright="0" compatLnSpc="0">
-            <a:spAutoFit/>
-          </a:bodyPr>
-          <a:p>
             <a:pPr algn="ctr">
               <a:defRPr/>
             </a:pPr>
             <a:r>
-              <a:rPr lang="en-NZ" sz="7200">
+              <a:rPr lang="en-NZ" sz="6000">
                 <a:solidFill>
                   <a:srgbClr val="CDD6F4"/>
                 </a:solidFill>
-                <a:latin typeface="Tahoma"/>
-                <a:ea typeface="Tahoma"/>
-                <a:cs typeface="Tahoma"/>
+                <a:latin typeface="Arial" panose="020B0604020202020204" pitchFamily="34" charset="0"/>
+                <a:ea typeface="Tahoma" panose="020B0604030504040204"/>
+                <a:cs typeface="Arial" panose="020B0604020202020204" pitchFamily="34" charset="0"/>
+                <a:sym typeface="+mn-ea"/>
               </a:rPr>
               <a:t>PING_COIN_GAME</a:t>
             </a:r>
-            <a:endParaRPr/>
-          </a:p>
-        </p:txBody>
-      </p:sp>
-      <p:sp>
-        <p:nvSpPr>
-          <p:cNvPr id="473151992" name=""/>
+            <a:endParaRPr sz="6000">
+              <a:latin typeface="Arial" panose="020B0604020202020204" pitchFamily="34" charset="0"/>
+              <a:cs typeface="Arial" panose="020B0604020202020204" pitchFamily="34" charset="0"/>
+            </a:endParaRPr>
+          </a:p>
+        </p:txBody>
+      </p:sp>
+      <p:sp>
+        <p:nvSpPr>
+          <p:cNvPr id="473151992" name="Скругленный прямоугольник 473151991"/>
           <p:cNvSpPr/>
           <p:nvPr/>
         </p:nvSpPr>
         <p:spPr bwMode="auto">
-          <a:xfrm flipH="0" flipV="0">
-            <a:off x="3737192" y="2424133"/>
-            <a:ext cx="8174599" cy="4176119"/>
+          <a:xfrm>
+            <a:off x="3665855" y="3245485"/>
+            <a:ext cx="8174355" cy="800100"/>
           </a:xfrm>
           <a:prstGeom prst="roundRect">
             <a:avLst>
-              <a:gd name="adj" fmla="val 8056"/>
+              <a:gd name="adj" fmla="val 50000"/>
             </a:avLst>
           </a:prstGeom>
           <a:solidFill>
@@ -3895,29 +3956,10 @@
             <a:schemeClr val="lt1"/>
           </a:fontRef>
         </p:style>
-      </p:sp>
-      <p:sp>
-        <p:nvSpPr>
-          <p:cNvPr id="437486607" name=""/>
-          <p:cNvSpPr txBox="1"/>
-          <p:nvPr/>
-        </p:nvSpPr>
-        <p:spPr bwMode="auto">
-          <a:xfrm flipH="0" flipV="0">
-            <a:off x="3737192" y="2424133"/>
-            <a:ext cx="8177839" cy="4176119"/>
-          </a:xfrm>
-          <a:prstGeom prst="rect">
-            <a:avLst/>
-          </a:prstGeom>
-          <a:noFill/>
-        </p:spPr>
-        <p:txBody>
-          <a:bodyPr vertOverflow="overflow" horzOverflow="overflow" vert="horz" wrap="square" lIns="91440" tIns="45720" rIns="91440" bIns="45720" numCol="1" spcCol="0" rtlCol="0" fromWordArt="0" anchor="t" anchorCtr="0" forceAA="0" upright="0" compatLnSpc="0">
-            <a:spAutoFit/>
-          </a:bodyPr>
-          <a:p>
-            <a:pPr marL="0" marR="0" lvl="0" indent="0" algn="just" defTabSz="914400">
+        <p:txBody>
+          <a:bodyPr/>
+          <a:p>
+            <a:pPr marL="0" marR="0" lvl="0" indent="0" algn="ctr" defTabSz="914400">
               <a:lnSpc>
                 <a:spcPct val="100000"/>
               </a:lnSpc>
@@ -3931,335 +3973,77 @@
                 <a:solidFill>
                   <a:srgbClr val="000000"/>
                 </a:solidFill>
-                <a:latin typeface="Arial"/>
-                <a:ea typeface="Arial"/>
-                <a:cs typeface="Arial"/>
+                <a:latin typeface="Arial" panose="020B0604020202020204"/>
+                <a:ea typeface="Arial" panose="020B0604020202020204"/>
+                <a:cs typeface="Arial" panose="020B0604020202020204"/>
               </a:defRPr>
             </a:pPr>
             <a:r>
-              <a:rPr lang="ru-RU" sz="2800" b="0" i="0" u="none" strike="noStrike" cap="none" spc="0">
+              <a:rPr lang="ru-RU" sz="3200">
                 <a:solidFill>
                   <a:srgbClr val="CDD6F4"/>
                 </a:solidFill>
-                <a:latin typeface="Tahoma"/>
-                <a:ea typeface="Tahoma"/>
-                <a:cs typeface="Tahoma"/>
+                <a:latin typeface="Arial" panose="020B0604020202020204" pitchFamily="34" charset="0"/>
+                <a:ea typeface="Tahoma" panose="020B0604030504040204"/>
+                <a:cs typeface="Arial" panose="020B0604020202020204" pitchFamily="34" charset="0"/>
+                <a:sym typeface="+mn-ea"/>
               </a:rPr>
               <a:t>КРАТКОЕ ОПИСАНИЕ</a:t>
             </a:r>
             <a:r>
-              <a:rPr lang="en-NZ" sz="2800" b="0" i="0" u="none" strike="noStrike" cap="none" spc="0">
+              <a:rPr lang="en-NZ" sz="3200">
                 <a:solidFill>
                   <a:srgbClr val="CDD6F4"/>
                 </a:solidFill>
-                <a:latin typeface="Tahoma"/>
-                <a:ea typeface="Tahoma"/>
-                <a:cs typeface="Tahoma"/>
+                <a:latin typeface="Arial" panose="020B0604020202020204" pitchFamily="34" charset="0"/>
+                <a:ea typeface="Tahoma" panose="020B0604030504040204"/>
+                <a:cs typeface="Arial" panose="020B0604020202020204" pitchFamily="34" charset="0"/>
+                <a:sym typeface="+mn-ea"/>
               </a:rPr>
               <a:t>: </a:t>
             </a:r>
-            <a:endParaRPr sz="2400" cap="all">
-              <a:solidFill>
-                <a:srgbClr val="CDD6F4"/>
-              </a:solidFill>
-              <a:latin typeface="Tahoma"/>
-              <a:ea typeface="Tahoma"/>
-              <a:cs typeface="Tahoma"/>
+            <a:r>
+              <a:rPr lang="en-US" sz="3200">
+                <a:solidFill>
+                  <a:srgbClr val="CDD6F4"/>
+                </a:solidFill>
+                <a:latin typeface="Arial" panose="020B0604020202020204" pitchFamily="34" charset="0"/>
+                <a:ea typeface="Tahoma" panose="020B0604030504040204"/>
+                <a:cs typeface="Arial" panose="020B0604020202020204" pitchFamily="34" charset="0"/>
+                <a:sym typeface="+mn-ea"/>
+                <a:hlinkClick r:id="rId1" tooltip="" action="ppaction://hlinksldjump">
+                  <a:extLst>
+                    <a:ext uri="{DAF060AB-1E55-43B9-8AAB-6FB025537F2F}">
+                      <wpsdc:hlinkClr xmlns:wpsdc="http://www.wps.cn/officeDocument/2017/drawingmlCustomData" val="F5E0DC"/>
+                      <wpsdc:folHlinkClr xmlns:wpsdc="http://www.wps.cn/officeDocument/2017/drawingmlCustomData" val="F5E0DC"/>
+                      <wpsdc:hlinkUnderline xmlns:wpsdc="http://www.wps.cn/officeDocument/2017/drawingmlCustomData" val="0"/>
+                    </a:ext>
+                  </a:extLst>
+                </a:hlinkClick>
+              </a:rPr>
+              <a:t>&gt;Слайд 2&lt;</a:t>
+            </a:r>
+            <a:endParaRPr lang="ru-RU" altLang="en-US" sz="3200">
+              <a:latin typeface="Arial" panose="020B0604020202020204" pitchFamily="34" charset="0"/>
+              <a:cs typeface="Arial" panose="020B0604020202020204" pitchFamily="34" charset="0"/>
             </a:endParaRPr>
           </a:p>
-          <a:p>
-            <a:pPr marL="0" marR="0" lvl="0" indent="0" algn="just" defTabSz="914400">
-              <a:lnSpc>
-                <a:spcPct val="100000"/>
-              </a:lnSpc>
-              <a:spcBef>
-                <a:spcPts val="0"/>
-              </a:spcBef>
-              <a:spcAft>
-                <a:spcPts val="0"/>
-              </a:spcAft>
-              <a:defRPr lang="ru-RU" sz="1800" b="0" i="0" u="none" strike="noStrike" cap="none" spc="0">
-                <a:solidFill>
-                  <a:srgbClr val="000000"/>
-                </a:solidFill>
-                <a:latin typeface="Arial"/>
-                <a:ea typeface="Arial"/>
-                <a:cs typeface="Arial"/>
-              </a:defRPr>
-            </a:pPr>
-            <a:r>
-              <a:rPr lang="ru-RU" sz="2400" b="0" i="0" u="none" strike="noStrike" cap="all" spc="0">
-                <a:solidFill>
-                  <a:srgbClr val="CDD6F4"/>
-                </a:solidFill>
-                <a:latin typeface="Tahoma"/>
-                <a:ea typeface="Tahoma"/>
-                <a:cs typeface="Tahoma"/>
-              </a:rPr>
-              <a:t>При запуске игра</a:t>
-            </a:r>
-            <a:r>
-              <a:rPr lang="ru-RU" sz="2400" b="0" i="0" u="none" strike="noStrike" cap="all" spc="0">
-                <a:solidFill>
-                  <a:srgbClr val="CDD6F4"/>
-                </a:solidFill>
-                <a:latin typeface="Tahoma"/>
-                <a:ea typeface="Tahoma"/>
-                <a:cs typeface="Tahoma"/>
-              </a:rPr>
-              <a:t> генерирует количество монет от 0 до </a:t>
-            </a:r>
-            <a:r>
-              <a:rPr lang="ru-RU" sz="2400" b="0" i="0" u="none" strike="noStrike" cap="all" spc="0">
-                <a:solidFill>
-                  <a:srgbClr val="CDD6F4"/>
-                </a:solidFill>
-                <a:latin typeface="Tahoma"/>
-                <a:ea typeface="Tahoma"/>
-                <a:cs typeface="Tahoma"/>
-              </a:rPr>
-              <a:t>значения</a:t>
-            </a:r>
-            <a:r>
-              <a:rPr lang="en-NZ" sz="2400" b="0" i="0" u="none" strike="noStrike" cap="all" spc="0">
-                <a:solidFill>
-                  <a:srgbClr val="CDD6F4"/>
-                </a:solidFill>
-                <a:latin typeface="Tahoma"/>
-                <a:ea typeface="Tahoma"/>
-                <a:cs typeface="Tahoma"/>
-              </a:rPr>
-              <a:t>,</a:t>
-            </a:r>
-            <a:r>
-              <a:rPr lang="ru-RU" sz="2400" b="0" i="0" u="none" strike="noStrike" cap="all" spc="0">
-                <a:solidFill>
-                  <a:srgbClr val="CDD6F4"/>
-                </a:solidFill>
-                <a:latin typeface="Tahoma"/>
-                <a:ea typeface="Tahoma"/>
-                <a:cs typeface="Tahoma"/>
-              </a:rPr>
-              <a:t> введёное пользователем</a:t>
-            </a:r>
-            <a:r>
-              <a:rPr lang="en-NZ" sz="2400" b="0" i="0" u="none" strike="noStrike" cap="all" spc="0">
-                <a:solidFill>
-                  <a:srgbClr val="CDD6F4"/>
-                </a:solidFill>
-                <a:latin typeface="Tahoma"/>
-                <a:ea typeface="Tahoma"/>
-                <a:cs typeface="Tahoma"/>
-              </a:rPr>
-              <a:t>, </a:t>
-            </a:r>
-            <a:r>
-              <a:rPr lang="ru-RU" sz="2400" b="0" i="0" u="none" strike="noStrike" cap="all" spc="0">
-                <a:solidFill>
-                  <a:srgbClr val="CDD6F4"/>
-                </a:solidFill>
-                <a:latin typeface="Tahoma"/>
-                <a:ea typeface="Tahoma"/>
-                <a:cs typeface="Tahoma"/>
-              </a:rPr>
-              <a:t>потом</a:t>
-            </a:r>
-            <a:r>
-              <a:rPr lang="ru-RU" sz="2400" b="0" i="0" u="none" strike="noStrike" cap="all" spc="0">
-                <a:solidFill>
-                  <a:srgbClr val="CDD6F4"/>
-                </a:solidFill>
-                <a:latin typeface="Tahoma"/>
-                <a:ea typeface="Tahoma"/>
-                <a:cs typeface="Tahoma"/>
-              </a:rPr>
-              <a:t> игра просит ввести </a:t>
-            </a:r>
-            <a:r>
-              <a:rPr lang="ru-RU" sz="2400" b="0" i="0" u="none" strike="noStrike" cap="all" spc="0">
-                <a:solidFill>
-                  <a:srgbClr val="CDD6F4"/>
-                </a:solidFill>
-                <a:latin typeface="Tahoma"/>
-                <a:ea typeface="Tahoma"/>
-                <a:cs typeface="Tahoma"/>
-              </a:rPr>
-              <a:t>Скорость мяча и ускорение мяча при сборе монеты. </a:t>
-            </a:r>
-            <a:endParaRPr sz="2400" cap="all">
-              <a:solidFill>
-                <a:srgbClr val="CDD6F4"/>
-              </a:solidFill>
-              <a:latin typeface="Tahoma"/>
-              <a:ea typeface="Tahoma"/>
-              <a:cs typeface="Tahoma"/>
-            </a:endParaRPr>
-          </a:p>
-          <a:p>
-            <a:pPr algn="just">
-              <a:defRPr/>
-            </a:pPr>
-            <a:r>
-              <a:rPr lang="ru-RU" sz="2400" b="0" i="0" u="none" strike="noStrike" cap="all" spc="0">
-                <a:solidFill>
-                  <a:srgbClr val="CDD6F4"/>
-                </a:solidFill>
-                <a:latin typeface="Tahoma"/>
-                <a:ea typeface="Tahoma"/>
-                <a:cs typeface="Tahoma"/>
-              </a:rPr>
-              <a:t>Мяч двигается по диагонали и собирает рандомное количество монет. </a:t>
-            </a:r>
-            <a:r>
-              <a:rPr lang="ru-RU" sz="2400" b="0" i="0" u="none" strike="noStrike" cap="all" spc="0">
-                <a:solidFill>
-                  <a:srgbClr val="CDD6F4"/>
-                </a:solidFill>
-                <a:latin typeface="Tahoma"/>
-                <a:ea typeface="Tahoma"/>
-                <a:cs typeface="Tahoma"/>
-              </a:rPr>
-              <a:t>Направление мяча по </a:t>
-            </a:r>
-            <a:r>
-              <a:rPr lang="en-NZ" sz="2400" b="0" i="0" u="none" strike="noStrike" cap="all" spc="0">
-                <a:solidFill>
-                  <a:srgbClr val="CDD6F4"/>
-                </a:solidFill>
-                <a:latin typeface="Tahoma"/>
-                <a:ea typeface="Tahoma"/>
-                <a:cs typeface="Tahoma"/>
-              </a:rPr>
-              <a:t>x </a:t>
-            </a:r>
-            <a:r>
-              <a:rPr lang="ru-RU" sz="2400" b="0" i="0" u="none" strike="noStrike" cap="all" spc="0">
-                <a:solidFill>
-                  <a:srgbClr val="CDD6F4"/>
-                </a:solidFill>
-                <a:latin typeface="Tahoma"/>
-                <a:ea typeface="Tahoma"/>
-                <a:cs typeface="Tahoma"/>
-              </a:rPr>
-              <a:t>и </a:t>
-            </a:r>
-            <a:r>
-              <a:rPr lang="en-NZ" sz="2400" b="0" i="0" u="none" strike="noStrike" cap="all" spc="0">
-                <a:solidFill>
-                  <a:srgbClr val="CDD6F4"/>
-                </a:solidFill>
-                <a:latin typeface="Tahoma"/>
-                <a:ea typeface="Tahoma"/>
-                <a:cs typeface="Tahoma"/>
-              </a:rPr>
-              <a:t>y </a:t>
-            </a:r>
-            <a:r>
-              <a:rPr lang="ru-RU" sz="2400" b="0" i="0" u="none" strike="noStrike" cap="all" spc="0">
-                <a:solidFill>
-                  <a:srgbClr val="CDD6F4"/>
-                </a:solidFill>
-                <a:latin typeface="Tahoma"/>
-                <a:ea typeface="Tahoma"/>
-                <a:cs typeface="Tahoma"/>
-              </a:rPr>
-              <a:t>можно изменять при помощи клавиш </a:t>
-            </a:r>
-            <a:r>
-              <a:rPr lang="en-NZ" sz="2400" b="0" i="0" u="none" strike="noStrike" cap="all" spc="0">
-                <a:solidFill>
-                  <a:srgbClr val="CDD6F4"/>
-                </a:solidFill>
-                <a:latin typeface="Tahoma"/>
-                <a:ea typeface="Tahoma"/>
-                <a:cs typeface="Tahoma"/>
-              </a:rPr>
-              <a:t>UP, Down, left, right. </a:t>
-            </a:r>
-            <a:r>
-              <a:rPr lang="ru-RU" sz="2400" b="0" i="0" u="none" strike="noStrike" cap="all" spc="0">
-                <a:solidFill>
-                  <a:srgbClr val="CDD6F4"/>
-                </a:solidFill>
-                <a:latin typeface="Tahoma"/>
-                <a:ea typeface="Tahoma"/>
-                <a:cs typeface="Tahoma"/>
-              </a:rPr>
-              <a:t>Если мяч залетит за пределы окна,</a:t>
-            </a:r>
-            <a:r>
-              <a:rPr lang="en-NZ" sz="2400" b="0" i="0" u="none" strike="noStrike" cap="all" spc="0">
-                <a:solidFill>
-                  <a:srgbClr val="CDD6F4"/>
-                </a:solidFill>
-                <a:latin typeface="Tahoma"/>
-                <a:ea typeface="Tahoma"/>
-                <a:cs typeface="Tahoma"/>
-              </a:rPr>
-              <a:t> </a:t>
-            </a:r>
-            <a:r>
-              <a:rPr lang="ru-RU" sz="2400" b="0" i="0" u="none" strike="noStrike" cap="all" spc="0">
-                <a:solidFill>
-                  <a:srgbClr val="CDD6F4"/>
-                </a:solidFill>
-                <a:latin typeface="Tahoma"/>
-                <a:ea typeface="Tahoma"/>
-                <a:cs typeface="Tahoma"/>
-              </a:rPr>
-              <a:t>то </a:t>
-            </a:r>
-            <a:r>
-              <a:rPr lang="ru-RU" sz="2400" b="0" i="0" u="none" strike="noStrike" cap="all" spc="0">
-                <a:solidFill>
-                  <a:srgbClr val="CDD6F4"/>
-                </a:solidFill>
-                <a:latin typeface="Tahoma"/>
-                <a:ea typeface="Tahoma"/>
-                <a:cs typeface="Tahoma"/>
-              </a:rPr>
-              <a:t>вы проиграли. Если все монеты собраны</a:t>
-            </a:r>
-            <a:r>
-              <a:rPr lang="en-NZ" sz="2400" b="0" i="0" u="none" strike="noStrike" cap="all" spc="0">
-                <a:solidFill>
-                  <a:srgbClr val="CDD6F4"/>
-                </a:solidFill>
-                <a:latin typeface="Tahoma"/>
-                <a:ea typeface="Tahoma"/>
-                <a:cs typeface="Tahoma"/>
-              </a:rPr>
-              <a:t>, т</a:t>
-            </a:r>
-            <a:r>
-              <a:rPr lang="ru-RU" sz="2400" b="0" i="0" u="none" strike="noStrike" cap="all" spc="0">
-                <a:solidFill>
-                  <a:srgbClr val="CDD6F4"/>
-                </a:solidFill>
-                <a:latin typeface="Tahoma"/>
-                <a:ea typeface="Tahoma"/>
-                <a:cs typeface="Tahoma"/>
-              </a:rPr>
-              <a:t>о вы выиграли. </a:t>
-            </a:r>
-            <a:endParaRPr/>
-          </a:p>
-        </p:txBody>
-      </p:sp>
-      <p:sp>
-        <p:nvSpPr>
-          <p:cNvPr id="1305066412" name=""/>
+        </p:txBody>
+      </p:sp>
+      <p:sp>
+        <p:nvSpPr>
+          <p:cNvPr id="1305066412" name="Скругленный прямоугольник 1305066411"/>
           <p:cNvSpPr/>
           <p:nvPr/>
         </p:nvSpPr>
         <p:spPr bwMode="auto">
-          <a:xfrm flipH="0" flipV="0">
-            <a:off x="295805" y="3245678"/>
-            <a:ext cx="3248938" cy="799099"/>
+          <a:xfrm>
+            <a:off x="295910" y="3245485"/>
+            <a:ext cx="3255010" cy="798830"/>
           </a:xfrm>
           <a:prstGeom prst="roundRect">
             <a:avLst>
-              <a:gd name="adj" fmla="val 35161"/>
+              <a:gd name="adj" fmla="val 50000"/>
             </a:avLst>
           </a:prstGeom>
           <a:solidFill>
@@ -4287,93 +4071,56 @@
             <a:schemeClr val="lt1"/>
           </a:fontRef>
         </p:style>
-      </p:sp>
-      <p:sp>
-        <p:nvSpPr>
-          <p:cNvPr id="1192670497" name=""/>
-          <p:cNvSpPr txBox="1"/>
-          <p:nvPr/>
-        </p:nvSpPr>
-        <p:spPr bwMode="auto">
-          <a:xfrm flipH="0" flipV="0">
-            <a:off x="295805" y="3248853"/>
-            <a:ext cx="3255058" cy="823319"/>
-          </a:xfrm>
-          <a:prstGeom prst="rect">
-            <a:avLst/>
-          </a:prstGeom>
-          <a:noFill/>
-        </p:spPr>
-        <p:txBody>
-          <a:bodyPr vertOverflow="overflow" horzOverflow="overflow" vert="horz" wrap="square" lIns="91440" tIns="45720" rIns="91440" bIns="45720" numCol="1" spcCol="0" rtlCol="0" fromWordArt="0" anchor="t" anchorCtr="0" forceAA="0" upright="0" compatLnSpc="0">
-            <a:spAutoFit/>
-          </a:bodyPr>
-          <a:p>
-            <a:pPr algn="ctr">
-              <a:defRPr/>
-            </a:pPr>
-            <a:r>
-              <a:rPr lang="ru-RU" sz="4800">
+        <p:txBody>
+          <a:bodyPr/>
+          <a:p>
+            <a:pPr algn="ctr"/>
+            <a:r>
+              <a:rPr lang="ru-RU" altLang="ru-RU" sz="3200">
                 <a:solidFill>
                   <a:srgbClr val="CDD6F4"/>
                 </a:solidFill>
-                <a:latin typeface="Tahoma"/>
-                <a:ea typeface="Tahoma"/>
-                <a:cs typeface="Tahoma"/>
               </a:rPr>
               <a:t>ТЕМА</a:t>
             </a:r>
             <a:r>
-              <a:rPr lang="en-NZ" sz="4800">
+              <a:rPr lang="en-US" altLang="ru-RU" sz="3200">
                 <a:solidFill>
                   <a:srgbClr val="CDD6F4"/>
                 </a:solidFill>
-                <a:latin typeface="Tahoma"/>
-                <a:ea typeface="Tahoma"/>
-                <a:cs typeface="Tahoma"/>
               </a:rPr>
-              <a:t>:</a:t>
-            </a:r>
-            <a:r>
-              <a:rPr lang="en-NZ" sz="3600">
+              <a:t>: </a:t>
+            </a:r>
+            <a:r>
+              <a:rPr lang="ru-RU" altLang="ru-RU" sz="3200">
                 <a:solidFill>
                   <a:srgbClr val="CDD6F4"/>
                 </a:solidFill>
-                <a:latin typeface="Tahoma"/>
-                <a:ea typeface="Tahoma"/>
-                <a:cs typeface="Tahoma"/>
-              </a:rPr>
-              <a:t> </a:t>
-            </a:r>
-            <a:r>
-              <a:rPr lang="ru-RU" sz="3600">
-                <a:solidFill>
-                  <a:srgbClr val="CDD6F4"/>
-                </a:solidFill>
-                <a:latin typeface="Tahoma"/>
-                <a:ea typeface="Tahoma"/>
-                <a:cs typeface="Tahoma"/>
               </a:rPr>
               <a:t>ИГРА</a:t>
             </a:r>
-            <a:endParaRPr/>
-          </a:p>
-        </p:txBody>
-      </p:sp>
-      <p:sp>
-        <p:nvSpPr>
-          <p:cNvPr id="1424512890" name=""/>
+            <a:endParaRPr lang="ru-RU" altLang="ru-RU" sz="3200">
+              <a:solidFill>
+                <a:srgbClr val="CDD6F4"/>
+              </a:solidFill>
+            </a:endParaRPr>
+          </a:p>
+        </p:txBody>
+      </p:sp>
+      <p:sp>
+        <p:nvSpPr>
+          <p:cNvPr id="1424512890" name="Скругленный прямоугольник 1424512889"/>
           <p:cNvSpPr/>
           <p:nvPr/>
         </p:nvSpPr>
         <p:spPr bwMode="auto">
-          <a:xfrm flipH="0" flipV="0">
-            <a:off x="291125" y="4225701"/>
-            <a:ext cx="3248938" cy="2018304"/>
+          <a:xfrm>
+            <a:off x="295275" y="4271010"/>
+            <a:ext cx="11544935" cy="798195"/>
           </a:xfrm>
           <a:prstGeom prst="roundRect">
             <a:avLst>
-              <a:gd name="adj" fmla="val 16667"/>
+              <a:gd name="adj" fmla="val 50000"/>
             </a:avLst>
           </a:prstGeom>
           <a:solidFill>
@@ -4404,71 +4151,49 @@
         <p:txBody>
           <a:bodyPr/>
           <a:p>
-            <a:pPr>
-              <a:defRPr/>
-            </a:pPr>
-            <a:endParaRPr/>
-          </a:p>
-        </p:txBody>
-      </p:sp>
-      <p:sp>
-        <p:nvSpPr>
-          <p:cNvPr id="2143999547" name=""/>
-          <p:cNvSpPr txBox="1"/>
-          <p:nvPr/>
-        </p:nvSpPr>
-        <p:spPr bwMode="auto">
-          <a:xfrm flipH="0" flipV="0">
-            <a:off x="291125" y="4225701"/>
-            <a:ext cx="3253618" cy="1920599"/>
-          </a:xfrm>
-          <a:prstGeom prst="rect">
-            <a:avLst/>
-          </a:prstGeom>
-          <a:noFill/>
-        </p:spPr>
-        <p:txBody>
-          <a:bodyPr vertOverflow="overflow" horzOverflow="overflow" vert="horz" wrap="square" lIns="91440" tIns="45720" rIns="91440" bIns="45720" numCol="1" spcCol="0" rtlCol="0" fromWordArt="0" anchor="t" anchorCtr="0" forceAA="0" upright="0" compatLnSpc="0">
-            <a:spAutoFit/>
-          </a:bodyPr>
-          <a:p>
-            <a:pPr algn="l">
-              <a:defRPr/>
-            </a:pPr>
-            <a:r>
-              <a:rPr lang="ru-RU" sz="3600">
+            <a:pPr algn="ctr">
+              <a:defRPr/>
+            </a:pPr>
+            <a:r>
+              <a:rPr lang="ru-RU" sz="3200">
                 <a:solidFill>
                   <a:srgbClr val="CDD6F4"/>
                 </a:solidFill>
-                <a:latin typeface="Tahoma"/>
-                <a:ea typeface="Tahoma"/>
-                <a:cs typeface="Tahoma"/>
+                <a:latin typeface="Arial" panose="020B0604020202020204" pitchFamily="34" charset="0"/>
+                <a:ea typeface="Tahoma" panose="020B0604030504040204"/>
+                <a:cs typeface="Arial" panose="020B0604020202020204" pitchFamily="34" charset="0"/>
+                <a:sym typeface="+mn-ea"/>
               </a:rPr>
               <a:t>АВТОР</a:t>
             </a:r>
             <a:r>
-              <a:rPr lang="en-NZ" sz="3600">
+              <a:rPr lang="en-NZ" sz="3200">
                 <a:solidFill>
                   <a:srgbClr val="CDD6F4"/>
                 </a:solidFill>
-                <a:latin typeface="Tahoma"/>
-                <a:ea typeface="Tahoma"/>
-                <a:cs typeface="Tahoma"/>
+                <a:latin typeface="Arial" panose="020B0604020202020204" pitchFamily="34" charset="0"/>
+                <a:ea typeface="Tahoma" panose="020B0604030504040204"/>
+                <a:cs typeface="Arial" panose="020B0604020202020204" pitchFamily="34" charset="0"/>
+                <a:sym typeface="+mn-ea"/>
               </a:rPr>
               <a:t>: </a:t>
             </a:r>
             <a:r>
-              <a:rPr lang="ru-RU" sz="2800">
+              <a:rPr lang="ru-RU" sz="3200">
                 <a:solidFill>
                   <a:srgbClr val="CDD6F4"/>
                 </a:solidFill>
-                <a:latin typeface="Tahoma"/>
-                <a:ea typeface="Tahoma"/>
-                <a:cs typeface="Tahoma"/>
+                <a:latin typeface="Arial" panose="020B0604020202020204" pitchFamily="34" charset="0"/>
+                <a:ea typeface="Tahoma" panose="020B0604030504040204"/>
+                <a:cs typeface="Arial" panose="020B0604020202020204" pitchFamily="34" charset="0"/>
+                <a:sym typeface="+mn-ea"/>
               </a:rPr>
               <a:t>МЕХОНОШИН ЛЕОНИД АЛЕКСАНДРОВИЧ</a:t>
             </a:r>
-            <a:endParaRPr/>
+            <a:endParaRPr sz="3200">
+              <a:latin typeface="Arial" panose="020B0604020202020204" pitchFamily="34" charset="0"/>
+              <a:cs typeface="Arial" panose="020B0604020202020204" pitchFamily="34" charset="0"/>
+            </a:endParaRPr>
           </a:p>
         </p:txBody>
       </p:sp>
@@ -4478,24 +4203,25 @@
     <a:masterClrMapping/>
   </p:clrMapOvr>
   <mc:AlternateContent xmlns:mc="http://schemas.openxmlformats.org/markup-compatibility/2006">
-    <mc:Choice xmlns:p159="http://schemas.microsoft.com/office/powerpoint/2015/09/main" xmlns:p14="http://schemas.microsoft.com/office/powerpoint/2010/main" Requires="p159">
-      <p:transition p14:dur="2000" advClick="1"/>
+    <mc:Choice xmlns:p14="http://schemas.microsoft.com/office/powerpoint/2010/main" Requires="p14">
+      <p:transition p14:dur="2000"/>
     </mc:Choice>
     <mc:Fallback>
-      <p:transition advClick="1"/>
+      <p:transition/>
     </mc:Fallback>
   </mc:AlternateContent>
 </p:sld>
 </file>
 
 <file path=ppt/slides/slide2.xml><?xml version="1.0" encoding="utf-8"?>
-<p:sld xmlns:a="http://schemas.openxmlformats.org/drawingml/2006/main" xmlns:r="http://schemas.openxmlformats.org/officeDocument/2006/relationships" xmlns:p="http://schemas.openxmlformats.org/presentationml/2006/main" xmlns:m="http://schemas.openxmlformats.org/officeDocument/2006/math" xmlns:w="http://schemas.openxmlformats.org/wordprocessingml/2006/main" showMasterPhAnim="0" show="1">
-  <p:cSld name="">
+<p:sld xmlns:a="http://schemas.openxmlformats.org/drawingml/2006/main" xmlns:r="http://schemas.openxmlformats.org/officeDocument/2006/relationships" xmlns:p="http://schemas.openxmlformats.org/presentationml/2006/main" showMasterPhAnim="0">
+  <p:cSld>
     <p:bg>
-      <p:bgPr shadeToTitle="0">
+      <p:bgPr>
         <a:solidFill>
           <a:srgbClr val="11111B"/>
         </a:solidFill>
+        <a:effectLst/>
       </p:bgPr>
     </p:bg>
     <p:spTree>
@@ -4514,18 +4240,18 @@
       </p:grpSpPr>
       <p:sp>
         <p:nvSpPr>
-          <p:cNvPr id="2017496384" name=""/>
+          <p:cNvPr id="2017496384" name="Скругленный прямоугольник 2017496383"/>
           <p:cNvSpPr/>
           <p:nvPr/>
         </p:nvSpPr>
         <p:spPr bwMode="auto">
-          <a:xfrm flipH="0" flipV="0">
-            <a:off x="211438" y="241952"/>
-            <a:ext cx="11700353" cy="6358301"/>
+          <a:xfrm>
+            <a:off x="211455" y="241935"/>
+            <a:ext cx="11700510" cy="4653280"/>
           </a:xfrm>
           <a:prstGeom prst="roundRect">
             <a:avLst>
-              <a:gd name="adj" fmla="val 6361"/>
+              <a:gd name="adj" fmla="val 11857"/>
             </a:avLst>
           </a:prstGeom>
           <a:solidFill>
@@ -4553,27 +4279,8 @@
             <a:schemeClr val="lt1"/>
           </a:fontRef>
         </p:style>
-      </p:sp>
-      <p:sp>
-        <p:nvSpPr>
-          <p:cNvPr id="274667718" name=""/>
-          <p:cNvSpPr txBox="1"/>
-          <p:nvPr/>
-        </p:nvSpPr>
-        <p:spPr bwMode="auto">
-          <a:xfrm flipH="0" flipV="0">
-            <a:off x="368013" y="241952"/>
-            <a:ext cx="11378887" cy="3078839"/>
-          </a:xfrm>
-          <a:prstGeom prst="rect">
-            <a:avLst/>
-          </a:prstGeom>
-          <a:noFill/>
-        </p:spPr>
-        <p:txBody>
-          <a:bodyPr vertOverflow="overflow" horzOverflow="overflow" vert="horz" wrap="square" lIns="91440" tIns="45720" rIns="91440" bIns="45720" numCol="1" spcCol="0" rtlCol="0" fromWordArt="0" anchor="t" anchorCtr="0" forceAA="0" upright="0" compatLnSpc="0">
-            <a:spAutoFit/>
-          </a:bodyPr>
+        <p:txBody>
+          <a:bodyPr/>
           <a:p>
             <a:pPr algn="just">
               <a:defRPr/>
@@ -4581,32 +4288,34 @@
             <a:r>
               <a:rPr lang="ru-RU" sz="2800">
                 <a:solidFill>
-                  <a:srgbClr val="CDD6F4"/>
-                </a:solidFill>
-                <a:latin typeface="Tahoma"/>
-                <a:ea typeface="Tahoma"/>
-                <a:cs typeface="Tahoma"/>
+                  <a:srgbClr val="F2CDCD"/>
+                </a:solidFill>
+                <a:latin typeface="Arial" panose="020B0604020202020204" pitchFamily="34" charset="0"/>
+                <a:ea typeface="Tahoma" panose="020B0604030504040204"/>
+                <a:cs typeface="Arial" panose="020B0604020202020204" pitchFamily="34" charset="0"/>
+                <a:sym typeface="+mn-ea"/>
               </a:rPr>
               <a:t>КРАТКОЕ ОПИСАНИЕ</a:t>
             </a:r>
             <a:r>
               <a:rPr lang="en-NZ" sz="2800">
                 <a:solidFill>
-                  <a:srgbClr val="CDD6F4"/>
-                </a:solidFill>
-                <a:latin typeface="Tahoma"/>
-                <a:ea typeface="Tahoma"/>
-                <a:cs typeface="Tahoma"/>
+                  <a:srgbClr val="F2CDCD"/>
+                </a:solidFill>
+                <a:latin typeface="Arial" panose="020B0604020202020204" pitchFamily="34" charset="0"/>
+                <a:ea typeface="Tahoma" panose="020B0604030504040204"/>
+                <a:cs typeface="Arial" panose="020B0604020202020204" pitchFamily="34" charset="0"/>
+                <a:sym typeface="+mn-ea"/>
               </a:rPr>
               <a:t>: </a:t>
             </a:r>
-            <a:endParaRPr sz="2400" cap="all">
+            <a:endParaRPr sz="2800" cap="all">
               <a:solidFill>
-                <a:srgbClr val="CDD6F4"/>
+                <a:srgbClr val="F2CDCD"/>
               </a:solidFill>
-              <a:latin typeface="Tahoma"/>
-              <a:ea typeface="Tahoma"/>
-              <a:cs typeface="Tahoma"/>
+              <a:latin typeface="Arial" panose="020B0604020202020204" pitchFamily="34" charset="0"/>
+              <a:ea typeface="Tahoma" panose="020B0604030504040204"/>
+              <a:cs typeface="Arial" panose="020B0604020202020204" pitchFamily="34" charset="0"/>
             </a:endParaRPr>
           </a:p>
           <a:p>
@@ -4614,261 +4323,397 @@
               <a:defRPr/>
             </a:pPr>
             <a:r>
-              <a:rPr lang="ru-RU" sz="2400" cap="all">
-                <a:solidFill>
-                  <a:srgbClr val="CDD6F4"/>
-                </a:solidFill>
-                <a:latin typeface="Tahoma"/>
-                <a:ea typeface="Tahoma"/>
-                <a:cs typeface="Tahoma"/>
+              <a:rPr lang="ru-RU" sz="2800" cap="all">
+                <a:solidFill>
+                  <a:srgbClr val="F2CDCD"/>
+                </a:solidFill>
+                <a:latin typeface="Arial" panose="020B0604020202020204" pitchFamily="34" charset="0"/>
+                <a:ea typeface="Tahoma" panose="020B0604030504040204"/>
+                <a:cs typeface="Arial" panose="020B0604020202020204" pitchFamily="34" charset="0"/>
+                <a:sym typeface="+mn-ea"/>
               </a:rPr>
-              <a:t>При запуске игра</a:t>
-            </a:r>
-            <a:r>
-              <a:rPr lang="ru-RU" sz="2400" cap="all">
-                <a:solidFill>
-                  <a:srgbClr val="CDD6F4"/>
-                </a:solidFill>
-                <a:latin typeface="Tahoma"/>
-                <a:ea typeface="Tahoma"/>
-                <a:cs typeface="Tahoma"/>
-              </a:rPr>
-              <a:t> генерирует количество монет от 0 до </a:t>
-            </a:r>
-            <a:r>
-              <a:rPr lang="ru-RU" sz="2400" cap="all">
-                <a:solidFill>
-                  <a:srgbClr val="CDD6F4"/>
-                </a:solidFill>
-                <a:latin typeface="Tahoma"/>
-                <a:ea typeface="Tahoma"/>
-                <a:cs typeface="Tahoma"/>
-              </a:rPr>
-              <a:t>значения</a:t>
-            </a:r>
-            <a:r>
-              <a:rPr lang="en-NZ" sz="2400" cap="all">
-                <a:solidFill>
-                  <a:srgbClr val="CDD6F4"/>
-                </a:solidFill>
-                <a:latin typeface="Tahoma"/>
-                <a:ea typeface="Tahoma"/>
-                <a:cs typeface="Tahoma"/>
+              <a:t>При запуске игра генерирует количество монет от 0 до значения</a:t>
+            </a:r>
+            <a:r>
+              <a:rPr lang="en-NZ" sz="2800" cap="all">
+                <a:solidFill>
+                  <a:srgbClr val="F2CDCD"/>
+                </a:solidFill>
+                <a:latin typeface="Arial" panose="020B0604020202020204" pitchFamily="34" charset="0"/>
+                <a:ea typeface="Tahoma" panose="020B0604030504040204"/>
+                <a:cs typeface="Arial" panose="020B0604020202020204" pitchFamily="34" charset="0"/>
+                <a:sym typeface="+mn-ea"/>
               </a:rPr>
               <a:t>,</a:t>
             </a:r>
             <a:r>
-              <a:rPr lang="ru-RU" sz="2400" cap="all">
-                <a:solidFill>
-                  <a:srgbClr val="CDD6F4"/>
-                </a:solidFill>
-                <a:latin typeface="Tahoma"/>
-                <a:ea typeface="Tahoma"/>
-                <a:cs typeface="Tahoma"/>
+              <a:rPr lang="ru-RU" sz="2800" cap="all">
+                <a:solidFill>
+                  <a:srgbClr val="F2CDCD"/>
+                </a:solidFill>
+                <a:latin typeface="Arial" panose="020B0604020202020204" pitchFamily="34" charset="0"/>
+                <a:ea typeface="Tahoma" panose="020B0604030504040204"/>
+                <a:cs typeface="Arial" panose="020B0604020202020204" pitchFamily="34" charset="0"/>
+                <a:sym typeface="+mn-ea"/>
               </a:rPr>
               <a:t> введёное пользователем</a:t>
             </a:r>
             <a:r>
-              <a:rPr lang="en-NZ" sz="2400" cap="all">
-                <a:solidFill>
-                  <a:srgbClr val="CDD6F4"/>
-                </a:solidFill>
-                <a:latin typeface="Tahoma"/>
-                <a:ea typeface="Tahoma"/>
-                <a:cs typeface="Tahoma"/>
+              <a:rPr lang="en-NZ" sz="2800" cap="all">
+                <a:solidFill>
+                  <a:srgbClr val="F2CDCD"/>
+                </a:solidFill>
+                <a:latin typeface="Arial" panose="020B0604020202020204" pitchFamily="34" charset="0"/>
+                <a:ea typeface="Tahoma" panose="020B0604030504040204"/>
+                <a:cs typeface="Arial" panose="020B0604020202020204" pitchFamily="34" charset="0"/>
+                <a:sym typeface="+mn-ea"/>
               </a:rPr>
               <a:t>, </a:t>
             </a:r>
             <a:r>
-              <a:rPr lang="ru-RU" sz="2400" cap="all">
-                <a:solidFill>
-                  <a:srgbClr val="CDD6F4"/>
-                </a:solidFill>
-                <a:latin typeface="Tahoma"/>
-                <a:ea typeface="Tahoma"/>
-                <a:cs typeface="Tahoma"/>
+              <a:rPr lang="ru-RU" sz="2800" cap="all">
+                <a:solidFill>
+                  <a:srgbClr val="F2CDCD"/>
+                </a:solidFill>
+                <a:latin typeface="Arial" panose="020B0604020202020204" pitchFamily="34" charset="0"/>
+                <a:ea typeface="Tahoma" panose="020B0604030504040204"/>
+                <a:cs typeface="Arial" panose="020B0604020202020204" pitchFamily="34" charset="0"/>
+                <a:sym typeface="+mn-ea"/>
               </a:rPr>
-              <a:t>потом</a:t>
-            </a:r>
-            <a:r>
-              <a:rPr lang="ru-RU" sz="2400" cap="all">
-                <a:solidFill>
-                  <a:srgbClr val="CDD6F4"/>
-                </a:solidFill>
-                <a:latin typeface="Tahoma"/>
-                <a:ea typeface="Tahoma"/>
-                <a:cs typeface="Tahoma"/>
+              <a:t>потом игра просит ввести Скорость мяча и ускорение мяча при сборе монеты. </a:t>
+            </a:r>
+            <a:endParaRPr sz="2800" cap="all">
+              <a:solidFill>
+                <a:srgbClr val="F2CDCD"/>
+              </a:solidFill>
+              <a:latin typeface="Arial" panose="020B0604020202020204" pitchFamily="34" charset="0"/>
+              <a:ea typeface="Tahoma" panose="020B0604030504040204"/>
+              <a:cs typeface="Arial" panose="020B0604020202020204" pitchFamily="34" charset="0"/>
+            </a:endParaRPr>
+          </a:p>
+          <a:p>
+            <a:pPr algn="just">
+              <a:defRPr/>
+            </a:pPr>
+            <a:r>
+              <a:rPr lang="ru-RU" sz="2800" cap="all">
+                <a:solidFill>
+                  <a:srgbClr val="F2CDCD"/>
+                </a:solidFill>
+                <a:latin typeface="Arial" panose="020B0604020202020204" pitchFamily="34" charset="0"/>
+                <a:ea typeface="Tahoma" panose="020B0604030504040204"/>
+                <a:cs typeface="Arial" panose="020B0604020202020204" pitchFamily="34" charset="0"/>
+                <a:sym typeface="+mn-ea"/>
               </a:rPr>
-              <a:t> игра просит ввести </a:t>
-            </a:r>
-            <a:r>
-              <a:rPr lang="ru-RU" sz="2400" b="0" i="0" u="none" strike="noStrike" cap="all" spc="0">
-                <a:solidFill>
-                  <a:srgbClr val="CDD6F4"/>
-                </a:solidFill>
-                <a:latin typeface="Tahoma"/>
-                <a:ea typeface="Tahoma"/>
-                <a:cs typeface="Tahoma"/>
-              </a:rPr>
-              <a:t>Скорость мяча и ускорение мяча при сборе монеты. </a:t>
-            </a:r>
-            <a:endParaRPr sz="2400" cap="all">
-              <a:solidFill>
-                <a:srgbClr val="CDD6F4"/>
-              </a:solidFill>
-              <a:latin typeface="Tahoma"/>
-              <a:ea typeface="Tahoma"/>
-              <a:cs typeface="Tahoma"/>
-            </a:endParaRPr>
-          </a:p>
-          <a:p>
-            <a:pPr algn="just">
-              <a:defRPr/>
-            </a:pPr>
-            <a:r>
-              <a:rPr lang="ru-RU" sz="2400" cap="all">
-                <a:solidFill>
-                  <a:srgbClr val="CDD6F4"/>
-                </a:solidFill>
-                <a:latin typeface="Tahoma"/>
-                <a:ea typeface="Tahoma"/>
-                <a:cs typeface="Tahoma"/>
-              </a:rPr>
-              <a:t>Мяч двигается по диагонали и собирает рандомное количество монет. </a:t>
-            </a:r>
-            <a:r>
-              <a:rPr lang="ru-RU" sz="2400" cap="all">
-                <a:solidFill>
-                  <a:srgbClr val="CDD6F4"/>
-                </a:solidFill>
-                <a:latin typeface="Tahoma"/>
-                <a:ea typeface="Tahoma"/>
-                <a:cs typeface="Tahoma"/>
-              </a:rPr>
-              <a:t>Направление мяча по </a:t>
-            </a:r>
-            <a:r>
-              <a:rPr lang="en-NZ" sz="2400" cap="all">
-                <a:solidFill>
-                  <a:srgbClr val="CDD6F4"/>
-                </a:solidFill>
-                <a:latin typeface="Tahoma"/>
-                <a:ea typeface="Tahoma"/>
-                <a:cs typeface="Tahoma"/>
+              <a:t>Мяч двигается по диагонали и собирает рандомное количество монет. Направление мяча по </a:t>
+            </a:r>
+            <a:r>
+              <a:rPr lang="en-NZ" sz="2800" cap="all">
+                <a:solidFill>
+                  <a:srgbClr val="F2CDCD"/>
+                </a:solidFill>
+                <a:latin typeface="Arial" panose="020B0604020202020204" pitchFamily="34" charset="0"/>
+                <a:ea typeface="Tahoma" panose="020B0604030504040204"/>
+                <a:cs typeface="Arial" panose="020B0604020202020204" pitchFamily="34" charset="0"/>
+                <a:sym typeface="+mn-ea"/>
               </a:rPr>
               <a:t>x </a:t>
             </a:r>
             <a:r>
-              <a:rPr lang="ru-RU" sz="2400" cap="all">
-                <a:solidFill>
-                  <a:srgbClr val="CDD6F4"/>
-                </a:solidFill>
-                <a:latin typeface="Tahoma"/>
-                <a:ea typeface="Tahoma"/>
-                <a:cs typeface="Tahoma"/>
+              <a:rPr lang="ru-RU" sz="2800" cap="all">
+                <a:solidFill>
+                  <a:srgbClr val="F2CDCD"/>
+                </a:solidFill>
+                <a:latin typeface="Arial" panose="020B0604020202020204" pitchFamily="34" charset="0"/>
+                <a:ea typeface="Tahoma" panose="020B0604030504040204"/>
+                <a:cs typeface="Arial" panose="020B0604020202020204" pitchFamily="34" charset="0"/>
+                <a:sym typeface="+mn-ea"/>
               </a:rPr>
               <a:t>и </a:t>
             </a:r>
             <a:r>
-              <a:rPr lang="en-NZ" sz="2400" cap="all">
-                <a:solidFill>
-                  <a:srgbClr val="CDD6F4"/>
-                </a:solidFill>
-                <a:latin typeface="Tahoma"/>
-                <a:ea typeface="Tahoma"/>
-                <a:cs typeface="Tahoma"/>
+              <a:rPr lang="en-NZ" sz="2800" cap="all">
+                <a:solidFill>
+                  <a:srgbClr val="F2CDCD"/>
+                </a:solidFill>
+                <a:latin typeface="Arial" panose="020B0604020202020204" pitchFamily="34" charset="0"/>
+                <a:ea typeface="Tahoma" panose="020B0604030504040204"/>
+                <a:cs typeface="Arial" panose="020B0604020202020204" pitchFamily="34" charset="0"/>
+                <a:sym typeface="+mn-ea"/>
               </a:rPr>
               <a:t>y </a:t>
             </a:r>
             <a:r>
-              <a:rPr lang="ru-RU" sz="2400" cap="all">
-                <a:solidFill>
-                  <a:srgbClr val="CDD6F4"/>
-                </a:solidFill>
-                <a:latin typeface="Tahoma"/>
-                <a:ea typeface="Tahoma"/>
-                <a:cs typeface="Tahoma"/>
+              <a:rPr lang="ru-RU" sz="2800" cap="all">
+                <a:solidFill>
+                  <a:srgbClr val="F2CDCD"/>
+                </a:solidFill>
+                <a:latin typeface="Arial" panose="020B0604020202020204" pitchFamily="34" charset="0"/>
+                <a:ea typeface="Tahoma" panose="020B0604030504040204"/>
+                <a:cs typeface="Arial" panose="020B0604020202020204" pitchFamily="34" charset="0"/>
+                <a:sym typeface="+mn-ea"/>
               </a:rPr>
               <a:t>можно изменять при помощи клавиш </a:t>
             </a:r>
             <a:r>
-              <a:rPr lang="en-NZ" sz="2400" cap="all">
-                <a:solidFill>
-                  <a:srgbClr val="CDD6F4"/>
-                </a:solidFill>
-                <a:latin typeface="Tahoma"/>
-                <a:ea typeface="Tahoma"/>
-                <a:cs typeface="Tahoma"/>
+              <a:rPr lang="en-NZ" sz="2800" cap="all">
+                <a:solidFill>
+                  <a:srgbClr val="F2CDCD"/>
+                </a:solidFill>
+                <a:latin typeface="Arial" panose="020B0604020202020204" pitchFamily="34" charset="0"/>
+                <a:ea typeface="Tahoma" panose="020B0604030504040204"/>
+                <a:cs typeface="Arial" panose="020B0604020202020204" pitchFamily="34" charset="0"/>
+                <a:sym typeface="+mn-ea"/>
               </a:rPr>
               <a:t>UP, Down, left, right. </a:t>
             </a:r>
             <a:r>
-              <a:rPr lang="ru-RU" sz="2400" cap="all">
-                <a:solidFill>
-                  <a:srgbClr val="CDD6F4"/>
-                </a:solidFill>
-                <a:latin typeface="Tahoma"/>
-                <a:ea typeface="Tahoma"/>
-                <a:cs typeface="Tahoma"/>
+              <a:rPr lang="ru-RU" sz="2800" cap="all">
+                <a:solidFill>
+                  <a:srgbClr val="F2CDCD"/>
+                </a:solidFill>
+                <a:latin typeface="Arial" panose="020B0604020202020204" pitchFamily="34" charset="0"/>
+                <a:ea typeface="Tahoma" panose="020B0604030504040204"/>
+                <a:cs typeface="Arial" panose="020B0604020202020204" pitchFamily="34" charset="0"/>
+                <a:sym typeface="+mn-ea"/>
               </a:rPr>
               <a:t>Если мяч залетит за пределы окна,</a:t>
             </a:r>
             <a:r>
-              <a:rPr lang="en-NZ" sz="2400" cap="all">
-                <a:solidFill>
-                  <a:srgbClr val="CDD6F4"/>
-                </a:solidFill>
-                <a:latin typeface="Tahoma"/>
-                <a:ea typeface="Tahoma"/>
-                <a:cs typeface="Tahoma"/>
+              <a:rPr lang="en-NZ" sz="2800" cap="all">
+                <a:solidFill>
+                  <a:srgbClr val="F2CDCD"/>
+                </a:solidFill>
+                <a:latin typeface="Arial" panose="020B0604020202020204" pitchFamily="34" charset="0"/>
+                <a:ea typeface="Tahoma" panose="020B0604030504040204"/>
+                <a:cs typeface="Arial" panose="020B0604020202020204" pitchFamily="34" charset="0"/>
+                <a:sym typeface="+mn-ea"/>
               </a:rPr>
               <a:t> </a:t>
             </a:r>
             <a:r>
-              <a:rPr lang="ru-RU" sz="2400" cap="all">
-                <a:solidFill>
-                  <a:srgbClr val="CDD6F4"/>
-                </a:solidFill>
-                <a:latin typeface="Tahoma"/>
-                <a:ea typeface="Tahoma"/>
-                <a:cs typeface="Tahoma"/>
+              <a:rPr lang="ru-RU" sz="2800" cap="all">
+                <a:solidFill>
+                  <a:srgbClr val="F2CDCD"/>
+                </a:solidFill>
+                <a:latin typeface="Arial" panose="020B0604020202020204" pitchFamily="34" charset="0"/>
+                <a:ea typeface="Tahoma" panose="020B0604030504040204"/>
+                <a:cs typeface="Arial" panose="020B0604020202020204" pitchFamily="34" charset="0"/>
+                <a:sym typeface="+mn-ea"/>
               </a:rPr>
-              <a:t>то </a:t>
-            </a:r>
-            <a:r>
-              <a:rPr lang="ru-RU" sz="2400" cap="all">
-                <a:solidFill>
-                  <a:srgbClr val="CDD6F4"/>
-                </a:solidFill>
-                <a:latin typeface="Tahoma"/>
-                <a:ea typeface="Tahoma"/>
-                <a:cs typeface="Tahoma"/>
-              </a:rPr>
-              <a:t>вы проиграли. Если все монеты собраны</a:t>
-            </a:r>
-            <a:r>
-              <a:rPr lang="en-NZ" sz="2400" cap="all">
-                <a:solidFill>
-                  <a:srgbClr val="CDD6F4"/>
-                </a:solidFill>
-                <a:latin typeface="Tahoma"/>
-                <a:ea typeface="Tahoma"/>
-                <a:cs typeface="Tahoma"/>
+              <a:t>то вы проиграли. Если все монеты собраны</a:t>
+            </a:r>
+            <a:r>
+              <a:rPr lang="en-NZ" sz="2800" cap="all">
+                <a:solidFill>
+                  <a:srgbClr val="F2CDCD"/>
+                </a:solidFill>
+                <a:latin typeface="Arial" panose="020B0604020202020204" pitchFamily="34" charset="0"/>
+                <a:ea typeface="Tahoma" panose="020B0604030504040204"/>
+                <a:cs typeface="Arial" panose="020B0604020202020204" pitchFamily="34" charset="0"/>
+                <a:sym typeface="+mn-ea"/>
               </a:rPr>
               <a:t>, т</a:t>
             </a:r>
             <a:r>
-              <a:rPr lang="ru-RU" sz="2400" cap="all">
+              <a:rPr lang="ru-RU" sz="2800" cap="all">
+                <a:solidFill>
+                  <a:srgbClr val="F2CDCD"/>
+                </a:solidFill>
+                <a:latin typeface="Arial" panose="020B0604020202020204" pitchFamily="34" charset="0"/>
+                <a:ea typeface="Tahoma" panose="020B0604030504040204"/>
+                <a:cs typeface="Arial" panose="020B0604020202020204" pitchFamily="34" charset="0"/>
+                <a:sym typeface="+mn-ea"/>
+              </a:rPr>
+              <a:t>о вы выиграли.</a:t>
+            </a:r>
+            <a:r>
+              <a:rPr lang="ru-RU" sz="2800" cap="all">
                 <a:solidFill>
                   <a:srgbClr val="CDD6F4"/>
                 </a:solidFill>
-                <a:latin typeface="Tahoma"/>
-                <a:ea typeface="Tahoma"/>
-                <a:cs typeface="Tahoma"/>
+                <a:latin typeface="Arial" panose="020B0604020202020204" pitchFamily="34" charset="0"/>
+                <a:ea typeface="Tahoma" panose="020B0604030504040204"/>
+                <a:cs typeface="Arial" panose="020B0604020202020204" pitchFamily="34" charset="0"/>
+                <a:sym typeface="+mn-ea"/>
               </a:rPr>
-              <a:t>о вы выиграли. </a:t>
-            </a:r>
-            <a:endParaRPr cap="all"/>
+              <a:t> </a:t>
+            </a:r>
+            <a:endParaRPr lang="ru-RU" altLang="en-US" sz="2800">
+              <a:latin typeface="Arial" panose="020B0604020202020204" pitchFamily="34" charset="0"/>
+              <a:cs typeface="Arial" panose="020B0604020202020204" pitchFamily="34" charset="0"/>
+            </a:endParaRPr>
+          </a:p>
+        </p:txBody>
+      </p:sp>
+      <p:sp>
+        <p:nvSpPr>
+          <p:cNvPr id="2" name="Скругленный прямоугольник 1"/>
+          <p:cNvSpPr/>
+          <p:nvPr/>
+        </p:nvSpPr>
+        <p:spPr>
+          <a:xfrm>
+            <a:off x="258445" y="5116195"/>
+            <a:ext cx="11608435" cy="1449070"/>
+          </a:xfrm>
+          <a:prstGeom prst="roundRect">
+            <a:avLst>
+              <a:gd name="adj" fmla="val 23287"/>
+            </a:avLst>
+          </a:prstGeom>
+          <a:solidFill>
+            <a:srgbClr val="313244"/>
+          </a:solidFill>
+          <a:ln>
+            <a:noFill/>
+          </a:ln>
+        </p:spPr>
+        <p:style>
+          <a:lnRef idx="2">
+            <a:schemeClr val="accent1">
+              <a:lumMod val="75000"/>
+            </a:schemeClr>
+          </a:lnRef>
+          <a:fillRef idx="1">
+            <a:schemeClr val="accent1"/>
+          </a:fillRef>
+          <a:effectRef idx="0">
+            <a:srgbClr val="FFFFFF"/>
+          </a:effectRef>
+          <a:fontRef idx="minor">
+            <a:schemeClr val="lt1"/>
+          </a:fontRef>
+        </p:style>
+        <p:txBody>
+          <a:bodyPr rtlCol="0" anchor="ctr"/>
+          <a:p>
+            <a:pPr algn="ctr"/>
+            <a:r>
+              <a:rPr lang="en-US" altLang="en-US" sz="3600">
+                <a:solidFill>
+                  <a:srgbClr val="F2C5E7"/>
+                </a:solidFill>
+              </a:rPr>
+              <a:t>Какие</a:t>
+            </a:r>
+            <a:r>
+              <a:rPr lang="en-US" altLang="ru-RU" sz="3600">
+                <a:solidFill>
+                  <a:srgbClr val="F2C5E7"/>
+                </a:solidFill>
+              </a:rPr>
+              <a:t> </a:t>
+            </a:r>
+            <a:r>
+              <a:rPr lang="en-US" altLang="en-US" sz="3600">
+                <a:solidFill>
+                  <a:srgbClr val="F2C5E7"/>
+                </a:solidFill>
+              </a:rPr>
+              <a:t>темы</a:t>
+            </a:r>
+            <a:r>
+              <a:rPr lang="en-US" altLang="ru-RU" sz="3600">
+                <a:solidFill>
+                  <a:srgbClr val="F2C5E7"/>
+                </a:solidFill>
+              </a:rPr>
+              <a:t> </a:t>
+            </a:r>
+            <a:r>
+              <a:rPr lang="en-US" altLang="en-US" sz="3600">
+                <a:solidFill>
+                  <a:srgbClr val="F2C5E7"/>
+                </a:solidFill>
+              </a:rPr>
+              <a:t>необходимы</a:t>
+            </a:r>
+            <a:r>
+              <a:rPr lang="en-US" altLang="ru-RU" sz="3600">
+                <a:solidFill>
+                  <a:srgbClr val="F2C5E7"/>
+                </a:solidFill>
+              </a:rPr>
+              <a:t> </a:t>
+            </a:r>
+            <a:r>
+              <a:rPr lang="en-US" altLang="en-US" sz="3600">
+                <a:solidFill>
+                  <a:srgbClr val="F2C5E7"/>
+                </a:solidFill>
+              </a:rPr>
+              <a:t>для</a:t>
+            </a:r>
+            <a:r>
+              <a:rPr lang="en-US" altLang="ru-RU" sz="3600">
+                <a:solidFill>
+                  <a:srgbClr val="F2C5E7"/>
+                </a:solidFill>
+              </a:rPr>
+              <a:t> </a:t>
+            </a:r>
+            <a:r>
+              <a:rPr lang="en-US" altLang="en-US" sz="3600">
+                <a:solidFill>
+                  <a:srgbClr val="F2C5E7"/>
+                </a:solidFill>
+              </a:rPr>
+              <a:t>реализации</a:t>
+            </a:r>
+            <a:r>
+              <a:rPr lang="en-US" altLang="ru-RU" sz="3600">
+                <a:solidFill>
+                  <a:srgbClr val="F2C5E7"/>
+                </a:solidFill>
+              </a:rPr>
+              <a:t>: </a:t>
+            </a:r>
+            <a:r>
+              <a:rPr lang="ru-RU" altLang="en-US" sz="3600">
+                <a:solidFill>
+                  <a:srgbClr val="F2C5E7"/>
+                </a:solidFill>
+              </a:rPr>
+              <a:t>язык програмирования </a:t>
+            </a:r>
+            <a:r>
+              <a:rPr lang="en-US" altLang="en-US" sz="3600">
+                <a:solidFill>
+                  <a:srgbClr val="F2C5E7"/>
+                </a:solidFill>
+              </a:rPr>
+              <a:t>“Python</a:t>
+            </a:r>
+            <a:r>
+              <a:rPr lang="en-US" altLang="ru-RU" sz="3600">
+                <a:solidFill>
+                  <a:srgbClr val="F2C5E7"/>
+                </a:solidFill>
+              </a:rPr>
+              <a:t>”; </a:t>
+            </a:r>
+            <a:r>
+              <a:rPr lang="ru-RU" altLang="ru-RU" sz="3600">
+                <a:solidFill>
+                  <a:srgbClr val="F2C5E7"/>
+                </a:solidFill>
+              </a:rPr>
+              <a:t>библиотека </a:t>
+            </a:r>
+            <a:r>
+              <a:rPr lang="en-US" altLang="ru-RU" sz="3600">
+                <a:solidFill>
+                  <a:srgbClr val="F2C5E7"/>
+                </a:solidFill>
+              </a:rPr>
+              <a:t>“Pygame”.</a:t>
+            </a:r>
+            <a:endParaRPr lang="en-US" altLang="ru-RU" sz="3600">
+              <a:solidFill>
+                <a:srgbClr val="F2C5E7"/>
+              </a:solidFill>
+            </a:endParaRPr>
           </a:p>
         </p:txBody>
       </p:sp>
@@ -4878,18 +4723,167 @@
     <a:masterClrMapping/>
   </p:clrMapOvr>
   <mc:AlternateContent xmlns:mc="http://schemas.openxmlformats.org/markup-compatibility/2006">
-    <mc:Choice xmlns:p159="http://schemas.microsoft.com/office/powerpoint/2015/09/main" xmlns:p14="http://schemas.microsoft.com/office/powerpoint/2010/main" Requires="p159">
-      <p:transition p14:dur="2000" advClick="1"/>
+    <mc:Choice xmlns:p14="http://schemas.microsoft.com/office/powerpoint/2010/main" Requires="p14">
+      <p:transition p14:dur="2000"/>
     </mc:Choice>
     <mc:Fallback>
-      <p:transition advClick="1"/>
+      <p:transition/>
+    </mc:Fallback>
+  </mc:AlternateContent>
+</p:sld>
+</file>
+
+<file path=ppt/slides/slide3.xml><?xml version="1.0" encoding="utf-8"?>
+<p:sld xmlns:a="http://schemas.openxmlformats.org/drawingml/2006/main" xmlns:r="http://schemas.openxmlformats.org/officeDocument/2006/relationships" xmlns:p="http://schemas.openxmlformats.org/presentationml/2006/main" showMasterPhAnim="0">
+  <p:cSld>
+    <p:bg>
+      <p:bgPr>
+        <a:solidFill>
+          <a:srgbClr val="11111B"/>
+        </a:solidFill>
+        <a:effectLst/>
+      </p:bgPr>
+    </p:bg>
+    <p:spTree>
+      <p:nvGrpSpPr>
+        <p:cNvPr id="1" name=""/>
+        <p:cNvGrpSpPr/>
+        <p:nvPr/>
+      </p:nvGrpSpPr>
+      <p:grpSpPr bwMode="auto">
+        <a:xfrm>
+          <a:off x="0" y="0"/>
+          <a:ext cx="0" cy="0"/>
+          <a:chOff x="0" y="0"/>
+          <a:chExt cx="0" cy="0"/>
+        </a:xfrm>
+      </p:grpSpPr>
+      <p:sp>
+        <p:nvSpPr>
+          <p:cNvPr id="2017496384" name="Скругленный прямоугольник 2017496383"/>
+          <p:cNvSpPr/>
+          <p:nvPr/>
+        </p:nvSpPr>
+        <p:spPr bwMode="auto">
+          <a:xfrm>
+            <a:off x="211455" y="241935"/>
+            <a:ext cx="11700510" cy="6250305"/>
+          </a:xfrm>
+          <a:prstGeom prst="roundRect">
+            <a:avLst>
+              <a:gd name="adj" fmla="val 4216"/>
+            </a:avLst>
+          </a:prstGeom>
+          <a:solidFill>
+            <a:srgbClr val="313244"/>
+          </a:solidFill>
+          <a:ln w="12700" cap="flat" cmpd="sng" algn="ctr">
+            <a:noFill/>
+            <a:prstDash val="solid"/>
+            <a:miter lim="800000"/>
+          </a:ln>
+        </p:spPr>
+        <p:style>
+          <a:lnRef idx="2">
+            <a:schemeClr val="accent1">
+              <a:shade val="50000"/>
+            </a:schemeClr>
+          </a:lnRef>
+          <a:fillRef idx="1">
+            <a:schemeClr val="accent1"/>
+          </a:fillRef>
+          <a:effectRef idx="0">
+            <a:schemeClr val="accent1"/>
+          </a:effectRef>
+          <a:fontRef idx="minor">
+            <a:schemeClr val="lt1"/>
+          </a:fontRef>
+        </p:style>
+        <p:txBody>
+          <a:bodyPr/>
+          <a:p>
+            <a:pPr algn="just">
+              <a:defRPr/>
+            </a:pPr>
+            <a:r>
+              <a:rPr lang="ru-RU" altLang="en-US" sz="2800">
+                <a:solidFill>
+                  <a:srgbClr val="B4BEFE"/>
+                </a:solidFill>
+                <a:latin typeface="Arial" panose="020B0604020202020204" pitchFamily="34" charset="0"/>
+                <a:cs typeface="Arial" panose="020B0604020202020204" pitchFamily="34" charset="0"/>
+              </a:rPr>
+              <a:t>Что примерно хотелось получить</a:t>
+            </a:r>
+            <a:r>
+              <a:rPr lang="en-US" altLang="en-US" sz="2800">
+                <a:solidFill>
+                  <a:srgbClr val="B4BEFE"/>
+                </a:solidFill>
+                <a:latin typeface="Arial" panose="020B0604020202020204" pitchFamily="34" charset="0"/>
+                <a:cs typeface="Arial" panose="020B0604020202020204" pitchFamily="34" charset="0"/>
+              </a:rPr>
+              <a:t>:</a:t>
+            </a:r>
+            <a:endParaRPr lang="en-US" altLang="en-US" sz="2800">
+              <a:solidFill>
+                <a:srgbClr val="B4BEFE"/>
+              </a:solidFill>
+              <a:latin typeface="Arial" panose="020B0604020202020204" pitchFamily="34" charset="0"/>
+              <a:cs typeface="Arial" panose="020B0604020202020204" pitchFamily="34" charset="0"/>
+            </a:endParaRPr>
+          </a:p>
+        </p:txBody>
+      </p:sp>
+      <p:pic>
+        <p:nvPicPr>
+          <p:cNvPr id="3" name="Изображение 2" descr="Без имени"/>
+          <p:cNvPicPr>
+            <a:picLocks noChangeAspect="1"/>
+          </p:cNvPicPr>
+          <p:nvPr/>
+        </p:nvPicPr>
+        <p:blipFill>
+          <a:blip r:embed="rId1"/>
+          <a:stretch>
+            <a:fillRect/>
+          </a:stretch>
+        </p:blipFill>
+        <p:spPr>
+          <a:xfrm>
+            <a:off x="1683385" y="1261745"/>
+            <a:ext cx="8825230" cy="4964430"/>
+          </a:xfrm>
+          <a:prstGeom prst="rect">
+            <a:avLst/>
+          </a:prstGeom>
+          <a:effectLst>
+            <a:glow rad="228600">
+              <a:srgbClr val="F2CDCD">
+                <a:alpha val="40000"/>
+              </a:srgbClr>
+            </a:glow>
+          </a:effectLst>
+        </p:spPr>
+      </p:pic>
+    </p:spTree>
+  </p:cSld>
+  <p:clrMapOvr>
+    <a:masterClrMapping/>
+  </p:clrMapOvr>
+  <mc:AlternateContent xmlns:mc="http://schemas.openxmlformats.org/markup-compatibility/2006">
+    <mc:Choice xmlns:p14="http://schemas.microsoft.com/office/powerpoint/2010/main" Requires="p14">
+      <p:transition p14:dur="2000"/>
+    </mc:Choice>
+    <mc:Fallback>
+      <p:transition/>
     </mc:Fallback>
   </mc:AlternateContent>
 </p:sld>
 </file>
 
 <file path=ppt/theme/theme1.xml><?xml version="1.0" encoding="utf-8"?>
-<a:theme xmlns:a="http://schemas.openxmlformats.org/drawingml/2006/main" xmlns:r="http://schemas.openxmlformats.org/officeDocument/2006/relationships" xmlns:p="http://schemas.openxmlformats.org/presentationml/2006/main" name="Office Theme">
+<a:theme xmlns:a="http://schemas.openxmlformats.org/drawingml/2006/main" name="Office Theme">
   <a:themeElements>
     <a:clrScheme name="New Office">
       <a:dk1>
@@ -5091,12 +5085,16 @@
       </a:bgFillStyleLst>
     </a:fmtScheme>
   </a:themeElements>
-  <a:objectDefaults/>
+  <a:extLst>
+    <a:ext uri="{05A4C25C-085E-4340-85A3-A5531E510DB2}">
+      <thm15:themeFamily xmlns:thm15="http://schemas.microsoft.com/office/thememl/2012/main" name="Office Theme" id="{62F939B6-93AF-4DB8-9C6B-D6C7DFDC589F}" vid="{4A3C46E8-61CC-4603-A589-7422A47A8E4A}"/>
+    </a:ext>
+  </a:extLst>
 </a:theme>
 </file>
 
 <file path=ppt/theme/theme2.xml><?xml version="1.0" encoding="utf-8"?>
-<a:theme xmlns:a="http://schemas.openxmlformats.org/drawingml/2006/main" xmlns:r="http://schemas.openxmlformats.org/officeDocument/2006/relationships" xmlns:p="http://schemas.openxmlformats.org/presentationml/2006/main" name="Office Theme">
+<a:theme xmlns:a="http://schemas.openxmlformats.org/drawingml/2006/main" name="Office Theme">
   <a:themeElements>
     <a:clrScheme name="Office">
       <a:dk1>
@@ -5298,6 +5296,10 @@
       </a:bgFillStyleLst>
     </a:fmtScheme>
   </a:themeElements>
-  <a:objectDefaults/>
+  <a:extLst>
+    <a:ext uri="{05A4C25C-085E-4340-85A3-A5531E510DB2}">
+      <thm15:themeFamily xmlns:thm15="http://schemas.microsoft.com/office/thememl/2012/main" name="Office Theme" id="{62F939B6-93AF-4DB8-9C6B-D6C7DFDC589F}" vid="{4A3C46E8-61CC-4603-A589-7422A47A8E4A}"/>
+    </a:ext>
+  </a:extLst>
 </a:theme>
 </file>
--- a/Preza.pptx
+++ b/Preza.pptx
@@ -5,12 +5,16 @@
     <p:sldMasterId id="2147483648" r:id="rId1"/>
   </p:sldMasterIdLst>
   <p:notesMasterIdLst>
-    <p:notesMasterId r:id="rId4"/>
+    <p:notesMasterId r:id="rId9"/>
   </p:notesMasterIdLst>
   <p:sldIdLst>
-    <p:sldId id="256" r:id="rId3"/>
-    <p:sldId id="257" r:id="rId5"/>
-    <p:sldId id="259" r:id="rId6"/>
+    <p:sldId id="256" r:id="rId2"/>
+    <p:sldId id="257" r:id="rId3"/>
+    <p:sldId id="259" r:id="rId4"/>
+    <p:sldId id="260" r:id="rId5"/>
+    <p:sldId id="261" r:id="rId6"/>
+    <p:sldId id="263" r:id="rId7"/>
+    <p:sldId id="262" r:id="rId8"/>
   </p:sldIdLst>
   <p:sldSz cx="12192000" cy="6858000"/>
   <p:notesSz cx="6858000" cy="9144000"/>
@@ -216,6 +220,7 @@
             </a:pPr>
             <a:fld id="{3632E96E-41F7-40C5-8419-297958CC00FA}" type="datetimeFigureOut">
               <a:rPr lang="ru-RU"/>
+              <a:t>11.05.2025</a:t>
             </a:fld>
             <a:endParaRPr lang="ru-RU"/>
           </a:p>
@@ -287,7 +292,6 @@
               <a:rPr lang="ru-RU"/>
               <a:t>Click to edit Master text styles</a:t>
             </a:r>
-            <a:endParaRPr lang="ru-RU"/>
           </a:p>
           <a:p>
             <a:pPr lvl="1">
@@ -297,7 +301,6 @@
               <a:rPr lang="ru-RU"/>
               <a:t>Second level</a:t>
             </a:r>
-            <a:endParaRPr lang="ru-RU"/>
           </a:p>
           <a:p>
             <a:pPr lvl="2">
@@ -307,7 +310,6 @@
               <a:rPr lang="ru-RU"/>
               <a:t>Third level</a:t>
             </a:r>
-            <a:endParaRPr lang="ru-RU"/>
           </a:p>
           <a:p>
             <a:pPr lvl="3">
@@ -317,7 +319,6 @@
               <a:rPr lang="ru-RU"/>
               <a:t>Fourth level</a:t>
             </a:r>
-            <a:endParaRPr lang="ru-RU"/>
           </a:p>
           <a:p>
             <a:pPr lvl="4">
@@ -327,7 +328,6 @@
               <a:rPr lang="ru-RU"/>
               <a:t>Fifth level</a:t>
             </a:r>
-            <a:endParaRPr lang="ru-RU"/>
           </a:p>
         </p:txBody>
       </p:sp>
@@ -397,6 +397,7 @@
             </a:pPr>
             <a:fld id="{2E6999B8-B6B4-4561-A3CD-BBCDAB9FC9D9}" type="slidenum">
               <a:rPr lang="ru-RU"/>
+              <a:t>‹#›</a:t>
             </a:fld>
             <a:endParaRPr lang="ru-RU"/>
           </a:p>
@@ -552,7 +553,7 @@
             <a:pPr>
               <a:defRPr/>
             </a:pPr>
-            <a:endParaRPr lang="ru-RU">
+            <a:endParaRPr lang="ru-RU" dirty="0">
               <a:latin typeface="Arial" panose="020B0604020202020204"/>
               <a:cs typeface="Arial" panose="020B0604020202020204"/>
             </a:endParaRPr>
@@ -579,6 +580,7 @@
             </a:pPr>
             <a:fld id="{2E6999B8-B6B4-4561-A3CD-BBCDAB9FC9D9}" type="slidenum">
               <a:rPr lang="ru-RU"/>
+              <a:t>1</a:t>
             </a:fld>
             <a:endParaRPr lang="ru-RU"/>
           </a:p>
@@ -671,6 +673,7 @@
             </a:pPr>
             <a:fld id="{3F7FFB97-62D1-014B-7648-87230457C168}" type="slidenum">
               <a:rPr lang="ru-RU"/>
+              <a:t>2</a:t>
             </a:fld>
             <a:endParaRPr lang="ru-RU"/>
           </a:p>
@@ -763,6 +766,7 @@
             </a:pPr>
             <a:fld id="{3F7FFB97-62D1-014B-7648-87230457C168}" type="slidenum">
               <a:rPr lang="ru-RU"/>
+              <a:t>3</a:t>
             </a:fld>
             <a:endParaRPr lang="ru-RU"/>
           </a:p>
@@ -776,8 +780,400 @@
 </p:notes>
 </file>
 
+<file path=ppt/notesSlides/notesSlide4.xml><?xml version="1.0" encoding="utf-8"?>
+<p:notes xmlns:a="http://schemas.openxmlformats.org/drawingml/2006/main" xmlns:r="http://schemas.openxmlformats.org/officeDocument/2006/relationships" xmlns:p="http://schemas.openxmlformats.org/presentationml/2006/main">
+  <p:cSld>
+    <p:spTree>
+      <p:nvGrpSpPr>
+        <p:cNvPr id="1" name=""/>
+        <p:cNvGrpSpPr/>
+        <p:nvPr/>
+      </p:nvGrpSpPr>
+      <p:grpSpPr bwMode="auto">
+        <a:xfrm>
+          <a:off x="0" y="0"/>
+          <a:ext cx="0" cy="0"/>
+          <a:chOff x="0" y="0"/>
+          <a:chExt cx="0" cy="0"/>
+        </a:xfrm>
+      </p:grpSpPr>
+      <p:sp>
+        <p:nvSpPr>
+          <p:cNvPr id="309044352" name="Slide Image Placeholder 1"/>
+          <p:cNvSpPr>
+            <a:spLocks noGrp="1" noRot="1" noChangeAspect="1"/>
+          </p:cNvSpPr>
+          <p:nvPr>
+            <p:ph type="sldImg"/>
+          </p:nvPr>
+        </p:nvSpPr>
+        <p:spPr bwMode="auto">
+          <a:xfrm>
+            <a:off x="685800" y="1143000"/>
+            <a:ext cx="5486400" cy="3086100"/>
+          </a:xfrm>
+        </p:spPr>
+      </p:sp>
+      <p:sp>
+        <p:nvSpPr>
+          <p:cNvPr id="1108509807" name="Notes Placeholder 2"/>
+          <p:cNvSpPr>
+            <a:spLocks noGrp="1"/>
+          </p:cNvSpPr>
+          <p:nvPr>
+            <p:ph type="body" idx="1"/>
+          </p:nvPr>
+        </p:nvSpPr>
+        <p:spPr bwMode="auto"/>
+        <p:txBody>
+          <a:bodyPr/>
+          <a:lstStyle/>
+          <a:p>
+            <a:pPr>
+              <a:defRPr/>
+            </a:pPr>
+            <a:endParaRPr lang="ru-RU">
+              <a:latin typeface="Arial" panose="020B0604020202020204"/>
+              <a:cs typeface="Arial" panose="020B0604020202020204"/>
+            </a:endParaRPr>
+          </a:p>
+        </p:txBody>
+      </p:sp>
+      <p:sp>
+        <p:nvSpPr>
+          <p:cNvPr id="667135504" name="Slide Number Placeholder 3"/>
+          <p:cNvSpPr>
+            <a:spLocks noGrp="1"/>
+          </p:cNvSpPr>
+          <p:nvPr>
+            <p:ph type="sldNum" sz="quarter" idx="10"/>
+          </p:nvPr>
+        </p:nvSpPr>
+        <p:spPr bwMode="auto"/>
+        <p:txBody>
+          <a:bodyPr/>
+          <a:lstStyle/>
+          <a:p>
+            <a:pPr>
+              <a:defRPr/>
+            </a:pPr>
+            <a:fld id="{3F7FFB97-62D1-014B-7648-87230457C168}" type="slidenum">
+              <a:rPr lang="ru-RU"/>
+              <a:t>4</a:t>
+            </a:fld>
+            <a:endParaRPr lang="ru-RU"/>
+          </a:p>
+        </p:txBody>
+      </p:sp>
+    </p:spTree>
+    <p:extLst>
+      <p:ext uri="{BB962C8B-B14F-4D97-AF65-F5344CB8AC3E}">
+        <p14:creationId xmlns:p14="http://schemas.microsoft.com/office/powerpoint/2010/main" val="1517439740"/>
+      </p:ext>
+    </p:extLst>
+  </p:cSld>
+  <p:clrMapOvr>
+    <a:masterClrMapping/>
+  </p:clrMapOvr>
+</p:notes>
+</file>
+
+<file path=ppt/notesSlides/notesSlide5.xml><?xml version="1.0" encoding="utf-8"?>
+<p:notes xmlns:a="http://schemas.openxmlformats.org/drawingml/2006/main" xmlns:r="http://schemas.openxmlformats.org/officeDocument/2006/relationships" xmlns:p="http://schemas.openxmlformats.org/presentationml/2006/main">
+  <p:cSld>
+    <p:spTree>
+      <p:nvGrpSpPr>
+        <p:cNvPr id="1" name=""/>
+        <p:cNvGrpSpPr/>
+        <p:nvPr/>
+      </p:nvGrpSpPr>
+      <p:grpSpPr bwMode="auto">
+        <a:xfrm>
+          <a:off x="0" y="0"/>
+          <a:ext cx="0" cy="0"/>
+          <a:chOff x="0" y="0"/>
+          <a:chExt cx="0" cy="0"/>
+        </a:xfrm>
+      </p:grpSpPr>
+      <p:sp>
+        <p:nvSpPr>
+          <p:cNvPr id="309044352" name="Slide Image Placeholder 1"/>
+          <p:cNvSpPr>
+            <a:spLocks noGrp="1" noRot="1" noChangeAspect="1"/>
+          </p:cNvSpPr>
+          <p:nvPr>
+            <p:ph type="sldImg"/>
+          </p:nvPr>
+        </p:nvSpPr>
+        <p:spPr bwMode="auto">
+          <a:xfrm>
+            <a:off x="685800" y="1143000"/>
+            <a:ext cx="5486400" cy="3086100"/>
+          </a:xfrm>
+        </p:spPr>
+      </p:sp>
+      <p:sp>
+        <p:nvSpPr>
+          <p:cNvPr id="1108509807" name="Notes Placeholder 2"/>
+          <p:cNvSpPr>
+            <a:spLocks noGrp="1"/>
+          </p:cNvSpPr>
+          <p:nvPr>
+            <p:ph type="body" idx="1"/>
+          </p:nvPr>
+        </p:nvSpPr>
+        <p:spPr bwMode="auto"/>
+        <p:txBody>
+          <a:bodyPr/>
+          <a:lstStyle/>
+          <a:p>
+            <a:pPr>
+              <a:defRPr/>
+            </a:pPr>
+            <a:endParaRPr lang="ru-RU">
+              <a:latin typeface="Arial" panose="020B0604020202020204"/>
+              <a:cs typeface="Arial" panose="020B0604020202020204"/>
+            </a:endParaRPr>
+          </a:p>
+        </p:txBody>
+      </p:sp>
+      <p:sp>
+        <p:nvSpPr>
+          <p:cNvPr id="667135504" name="Slide Number Placeholder 3"/>
+          <p:cNvSpPr>
+            <a:spLocks noGrp="1"/>
+          </p:cNvSpPr>
+          <p:nvPr>
+            <p:ph type="sldNum" sz="quarter" idx="10"/>
+          </p:nvPr>
+        </p:nvSpPr>
+        <p:spPr bwMode="auto"/>
+        <p:txBody>
+          <a:bodyPr/>
+          <a:lstStyle/>
+          <a:p>
+            <a:pPr>
+              <a:defRPr/>
+            </a:pPr>
+            <a:fld id="{3F7FFB97-62D1-014B-7648-87230457C168}" type="slidenum">
+              <a:rPr lang="ru-RU"/>
+              <a:t>5</a:t>
+            </a:fld>
+            <a:endParaRPr lang="ru-RU"/>
+          </a:p>
+        </p:txBody>
+      </p:sp>
+    </p:spTree>
+    <p:extLst>
+      <p:ext uri="{BB962C8B-B14F-4D97-AF65-F5344CB8AC3E}">
+        <p14:creationId xmlns:p14="http://schemas.microsoft.com/office/powerpoint/2010/main" val="1893515562"/>
+      </p:ext>
+    </p:extLst>
+  </p:cSld>
+  <p:clrMapOvr>
+    <a:masterClrMapping/>
+  </p:clrMapOvr>
+</p:notes>
+</file>
+
+<file path=ppt/notesSlides/notesSlide6.xml><?xml version="1.0" encoding="utf-8"?>
+<p:notes xmlns:a="http://schemas.openxmlformats.org/drawingml/2006/main" xmlns:r="http://schemas.openxmlformats.org/officeDocument/2006/relationships" xmlns:p="http://schemas.openxmlformats.org/presentationml/2006/main">
+  <p:cSld>
+    <p:spTree>
+      <p:nvGrpSpPr>
+        <p:cNvPr id="1" name=""/>
+        <p:cNvGrpSpPr/>
+        <p:nvPr/>
+      </p:nvGrpSpPr>
+      <p:grpSpPr bwMode="auto">
+        <a:xfrm>
+          <a:off x="0" y="0"/>
+          <a:ext cx="0" cy="0"/>
+          <a:chOff x="0" y="0"/>
+          <a:chExt cx="0" cy="0"/>
+        </a:xfrm>
+      </p:grpSpPr>
+      <p:sp>
+        <p:nvSpPr>
+          <p:cNvPr id="309044352" name="Slide Image Placeholder 1"/>
+          <p:cNvSpPr>
+            <a:spLocks noGrp="1" noRot="1" noChangeAspect="1"/>
+          </p:cNvSpPr>
+          <p:nvPr>
+            <p:ph type="sldImg"/>
+          </p:nvPr>
+        </p:nvSpPr>
+        <p:spPr bwMode="auto">
+          <a:xfrm>
+            <a:off x="685800" y="1143000"/>
+            <a:ext cx="5486400" cy="3086100"/>
+          </a:xfrm>
+        </p:spPr>
+      </p:sp>
+      <p:sp>
+        <p:nvSpPr>
+          <p:cNvPr id="1108509807" name="Notes Placeholder 2"/>
+          <p:cNvSpPr>
+            <a:spLocks noGrp="1"/>
+          </p:cNvSpPr>
+          <p:nvPr>
+            <p:ph type="body" idx="1"/>
+          </p:nvPr>
+        </p:nvSpPr>
+        <p:spPr bwMode="auto"/>
+        <p:txBody>
+          <a:bodyPr/>
+          <a:lstStyle/>
+          <a:p>
+            <a:pPr>
+              <a:defRPr/>
+            </a:pPr>
+            <a:endParaRPr lang="ru-RU">
+              <a:latin typeface="Arial" panose="020B0604020202020204"/>
+              <a:cs typeface="Arial" panose="020B0604020202020204"/>
+            </a:endParaRPr>
+          </a:p>
+        </p:txBody>
+      </p:sp>
+      <p:sp>
+        <p:nvSpPr>
+          <p:cNvPr id="667135504" name="Slide Number Placeholder 3"/>
+          <p:cNvSpPr>
+            <a:spLocks noGrp="1"/>
+          </p:cNvSpPr>
+          <p:nvPr>
+            <p:ph type="sldNum" sz="quarter" idx="10"/>
+          </p:nvPr>
+        </p:nvSpPr>
+        <p:spPr bwMode="auto"/>
+        <p:txBody>
+          <a:bodyPr/>
+          <a:lstStyle/>
+          <a:p>
+            <a:pPr>
+              <a:defRPr/>
+            </a:pPr>
+            <a:fld id="{3F7FFB97-62D1-014B-7648-87230457C168}" type="slidenum">
+              <a:rPr lang="ru-RU"/>
+              <a:t>6</a:t>
+            </a:fld>
+            <a:endParaRPr lang="ru-RU"/>
+          </a:p>
+        </p:txBody>
+      </p:sp>
+    </p:spTree>
+    <p:extLst>
+      <p:ext uri="{BB962C8B-B14F-4D97-AF65-F5344CB8AC3E}">
+        <p14:creationId xmlns:p14="http://schemas.microsoft.com/office/powerpoint/2010/main" val="3805549084"/>
+      </p:ext>
+    </p:extLst>
+  </p:cSld>
+  <p:clrMapOvr>
+    <a:masterClrMapping/>
+  </p:clrMapOvr>
+</p:notes>
+</file>
+
+<file path=ppt/notesSlides/notesSlide7.xml><?xml version="1.0" encoding="utf-8"?>
+<p:notes xmlns:a="http://schemas.openxmlformats.org/drawingml/2006/main" xmlns:r="http://schemas.openxmlformats.org/officeDocument/2006/relationships" xmlns:p="http://schemas.openxmlformats.org/presentationml/2006/main">
+  <p:cSld>
+    <p:spTree>
+      <p:nvGrpSpPr>
+        <p:cNvPr id="1" name=""/>
+        <p:cNvGrpSpPr/>
+        <p:nvPr/>
+      </p:nvGrpSpPr>
+      <p:grpSpPr bwMode="auto">
+        <a:xfrm>
+          <a:off x="0" y="0"/>
+          <a:ext cx="0" cy="0"/>
+          <a:chOff x="0" y="0"/>
+          <a:chExt cx="0" cy="0"/>
+        </a:xfrm>
+      </p:grpSpPr>
+      <p:sp>
+        <p:nvSpPr>
+          <p:cNvPr id="309044352" name="Slide Image Placeholder 1"/>
+          <p:cNvSpPr>
+            <a:spLocks noGrp="1" noRot="1" noChangeAspect="1"/>
+          </p:cNvSpPr>
+          <p:nvPr>
+            <p:ph type="sldImg"/>
+          </p:nvPr>
+        </p:nvSpPr>
+        <p:spPr bwMode="auto">
+          <a:xfrm>
+            <a:off x="685800" y="1143000"/>
+            <a:ext cx="5486400" cy="3086100"/>
+          </a:xfrm>
+        </p:spPr>
+      </p:sp>
+      <p:sp>
+        <p:nvSpPr>
+          <p:cNvPr id="1108509807" name="Notes Placeholder 2"/>
+          <p:cNvSpPr>
+            <a:spLocks noGrp="1"/>
+          </p:cNvSpPr>
+          <p:nvPr>
+            <p:ph type="body" idx="1"/>
+          </p:nvPr>
+        </p:nvSpPr>
+        <p:spPr bwMode="auto"/>
+        <p:txBody>
+          <a:bodyPr/>
+          <a:lstStyle/>
+          <a:p>
+            <a:pPr>
+              <a:defRPr/>
+            </a:pPr>
+            <a:endParaRPr lang="ru-RU">
+              <a:latin typeface="Arial" panose="020B0604020202020204"/>
+              <a:cs typeface="Arial" panose="020B0604020202020204"/>
+            </a:endParaRPr>
+          </a:p>
+        </p:txBody>
+      </p:sp>
+      <p:sp>
+        <p:nvSpPr>
+          <p:cNvPr id="667135504" name="Slide Number Placeholder 3"/>
+          <p:cNvSpPr>
+            <a:spLocks noGrp="1"/>
+          </p:cNvSpPr>
+          <p:nvPr>
+            <p:ph type="sldNum" sz="quarter" idx="10"/>
+          </p:nvPr>
+        </p:nvSpPr>
+        <p:spPr bwMode="auto"/>
+        <p:txBody>
+          <a:bodyPr/>
+          <a:lstStyle/>
+          <a:p>
+            <a:pPr>
+              <a:defRPr/>
+            </a:pPr>
+            <a:fld id="{3F7FFB97-62D1-014B-7648-87230457C168}" type="slidenum">
+              <a:rPr lang="ru-RU"/>
+              <a:t>7</a:t>
+            </a:fld>
+            <a:endParaRPr lang="ru-RU"/>
+          </a:p>
+        </p:txBody>
+      </p:sp>
+    </p:spTree>
+    <p:extLst>
+      <p:ext uri="{BB962C8B-B14F-4D97-AF65-F5344CB8AC3E}">
+        <p14:creationId xmlns:p14="http://schemas.microsoft.com/office/powerpoint/2010/main" val="1687252378"/>
+      </p:ext>
+    </p:extLst>
+  </p:cSld>
+  <p:clrMapOvr>
+    <a:masterClrMapping/>
+  </p:clrMapOvr>
+</p:notes>
+</file>
+
 <file path=ppt/slideLayouts/slideLayout1.xml><?xml version="1.0" encoding="utf-8"?>
-<p:sldLayout xmlns:a="http://schemas.openxmlformats.org/drawingml/2006/main" xmlns:r="http://schemas.openxmlformats.org/officeDocument/2006/relationships" xmlns:p="http://schemas.openxmlformats.org/presentationml/2006/main" type="title" preserve="1" showMasterPhAnim="0" userDrawn="1">
+<p:sldLayout xmlns:a="http://schemas.openxmlformats.org/drawingml/2006/main" xmlns:r="http://schemas.openxmlformats.org/officeDocument/2006/relationships" xmlns:p="http://schemas.openxmlformats.org/presentationml/2006/main" showMasterPhAnim="0" type="title" preserve="1" userDrawn="1">
   <p:cSld name="Титульный слайд">
     <p:spTree>
       <p:nvGrpSpPr>
@@ -824,7 +1220,6 @@
               <a:rPr lang="ru-RU"/>
               <a:t>Образец заголовка</a:t>
             </a:r>
-            <a:endParaRPr lang="ru-RU"/>
           </a:p>
         </p:txBody>
       </p:sp>
@@ -892,7 +1287,6 @@
               <a:rPr lang="ru-RU"/>
               <a:t>Образец подзаголовка</a:t>
             </a:r>
-            <a:endParaRPr lang="ru-RU"/>
           </a:p>
         </p:txBody>
       </p:sp>
@@ -916,6 +1310,7 @@
             </a:pPr>
             <a:fld id="{BCC18F51-09EC-435C-A3BA-64A766E099C0}" type="datetimeFigureOut">
               <a:rPr lang="ru-RU"/>
+              <a:t>11.05.2025</a:t>
             </a:fld>
             <a:endParaRPr lang="ru-RU"/>
           </a:p>
@@ -963,6 +1358,7 @@
             </a:pPr>
             <a:fld id="{08395586-F03A-48D1-94DF-16B239DF4FB5}" type="slidenum">
               <a:rPr lang="ru-RU"/>
+              <a:t>‹#›</a:t>
             </a:fld>
             <a:endParaRPr lang="ru-RU"/>
           </a:p>
@@ -973,11 +1369,14 @@
   <p:clrMapOvr>
     <a:masterClrMapping/>
   </p:clrMapOvr>
+  <p:transition>
+    <p:push dir="u"/>
+  </p:transition>
 </p:sldLayout>
 </file>
 
 <file path=ppt/slideLayouts/slideLayout10.xml><?xml version="1.0" encoding="utf-8"?>
-<p:sldLayout xmlns:a="http://schemas.openxmlformats.org/drawingml/2006/main" xmlns:r="http://schemas.openxmlformats.org/officeDocument/2006/relationships" xmlns:p="http://schemas.openxmlformats.org/presentationml/2006/main" type="vertTx" preserve="1" showMasterPhAnim="0" userDrawn="1">
+<p:sldLayout xmlns:a="http://schemas.openxmlformats.org/drawingml/2006/main" xmlns:r="http://schemas.openxmlformats.org/officeDocument/2006/relationships" xmlns:p="http://schemas.openxmlformats.org/presentationml/2006/main" showMasterPhAnim="0" type="vertTx" preserve="1" userDrawn="1">
   <p:cSld name="Заголовок и вертикальный текст">
     <p:spTree>
       <p:nvGrpSpPr>
@@ -1015,7 +1414,6 @@
               <a:rPr lang="ru-RU"/>
               <a:t>Образец заголовка</a:t>
             </a:r>
-            <a:endParaRPr lang="ru-RU"/>
           </a:p>
         </p:txBody>
       </p:sp>
@@ -1041,7 +1439,6 @@
               <a:rPr lang="ru-RU"/>
               <a:t>Образец текста</a:t>
             </a:r>
-            <a:endParaRPr lang="ru-RU"/>
           </a:p>
           <a:p>
             <a:pPr lvl="1">
@@ -1051,7 +1448,6 @@
               <a:rPr lang="ru-RU"/>
               <a:t>Второй уровень</a:t>
             </a:r>
-            <a:endParaRPr lang="ru-RU"/>
           </a:p>
           <a:p>
             <a:pPr lvl="2">
@@ -1061,7 +1457,6 @@
               <a:rPr lang="ru-RU"/>
               <a:t>Третий уровень</a:t>
             </a:r>
-            <a:endParaRPr lang="ru-RU"/>
           </a:p>
           <a:p>
             <a:pPr lvl="3">
@@ -1071,7 +1466,6 @@
               <a:rPr lang="ru-RU"/>
               <a:t>Четвертый уровень</a:t>
             </a:r>
-            <a:endParaRPr lang="ru-RU"/>
           </a:p>
           <a:p>
             <a:pPr lvl="4">
@@ -1081,7 +1475,6 @@
               <a:rPr lang="ru-RU"/>
               <a:t>Пятый уровень</a:t>
             </a:r>
-            <a:endParaRPr lang="ru-RU"/>
           </a:p>
         </p:txBody>
       </p:sp>
@@ -1105,6 +1498,7 @@
             </a:pPr>
             <a:fld id="{BCC18F51-09EC-435C-A3BA-64A766E099C0}" type="datetimeFigureOut">
               <a:rPr lang="ru-RU"/>
+              <a:t>11.05.2025</a:t>
             </a:fld>
             <a:endParaRPr lang="ru-RU"/>
           </a:p>
@@ -1152,6 +1546,7 @@
             </a:pPr>
             <a:fld id="{08395586-F03A-48D1-94DF-16B239DF4FB5}" type="slidenum">
               <a:rPr lang="ru-RU"/>
+              <a:t>‹#›</a:t>
             </a:fld>
             <a:endParaRPr lang="ru-RU"/>
           </a:p>
@@ -1162,11 +1557,14 @@
   <p:clrMapOvr>
     <a:masterClrMapping/>
   </p:clrMapOvr>
+  <p:transition>
+    <p:push dir="u"/>
+  </p:transition>
 </p:sldLayout>
 </file>
 
 <file path=ppt/slideLayouts/slideLayout11.xml><?xml version="1.0" encoding="utf-8"?>
-<p:sldLayout xmlns:a="http://schemas.openxmlformats.org/drawingml/2006/main" xmlns:r="http://schemas.openxmlformats.org/officeDocument/2006/relationships" xmlns:p="http://schemas.openxmlformats.org/presentationml/2006/main" type="vertTitleAndTx" preserve="1" showMasterPhAnim="0" userDrawn="1">
+<p:sldLayout xmlns:a="http://schemas.openxmlformats.org/drawingml/2006/main" xmlns:r="http://schemas.openxmlformats.org/officeDocument/2006/relationships" xmlns:p="http://schemas.openxmlformats.org/presentationml/2006/main" showMasterPhAnim="0" type="vertTitleAndTx" preserve="1" userDrawn="1">
   <p:cSld name="Вертикальный заголовок и текст">
     <p:spTree>
       <p:nvGrpSpPr>
@@ -1209,7 +1607,6 @@
               <a:rPr lang="ru-RU"/>
               <a:t>Образец заголовка</a:t>
             </a:r>
-            <a:endParaRPr lang="ru-RU"/>
           </a:p>
         </p:txBody>
       </p:sp>
@@ -1240,7 +1637,6 @@
               <a:rPr lang="ru-RU"/>
               <a:t>Образец текста</a:t>
             </a:r>
-            <a:endParaRPr lang="ru-RU"/>
           </a:p>
           <a:p>
             <a:pPr lvl="1">
@@ -1250,7 +1646,6 @@
               <a:rPr lang="ru-RU"/>
               <a:t>Второй уровень</a:t>
             </a:r>
-            <a:endParaRPr lang="ru-RU"/>
           </a:p>
           <a:p>
             <a:pPr lvl="2">
@@ -1260,7 +1655,6 @@
               <a:rPr lang="ru-RU"/>
               <a:t>Третий уровень</a:t>
             </a:r>
-            <a:endParaRPr lang="ru-RU"/>
           </a:p>
           <a:p>
             <a:pPr lvl="3">
@@ -1270,7 +1664,6 @@
               <a:rPr lang="ru-RU"/>
               <a:t>Четвертый уровень</a:t>
             </a:r>
-            <a:endParaRPr lang="ru-RU"/>
           </a:p>
           <a:p>
             <a:pPr lvl="4">
@@ -1280,7 +1673,6 @@
               <a:rPr lang="ru-RU"/>
               <a:t>Fifth level</a:t>
             </a:r>
-            <a:endParaRPr lang="ru-RU"/>
           </a:p>
         </p:txBody>
       </p:sp>
@@ -1304,6 +1696,7 @@
             </a:pPr>
             <a:fld id="{BCC18F51-09EC-435C-A3BA-64A766E099C0}" type="datetimeFigureOut">
               <a:rPr lang="ru-RU"/>
+              <a:t>11.05.2025</a:t>
             </a:fld>
             <a:endParaRPr lang="ru-RU"/>
           </a:p>
@@ -1351,6 +1744,7 @@
             </a:pPr>
             <a:fld id="{08395586-F03A-48D1-94DF-16B239DF4FB5}" type="slidenum">
               <a:rPr lang="ru-RU"/>
+              <a:t>‹#›</a:t>
             </a:fld>
             <a:endParaRPr lang="ru-RU"/>
           </a:p>
@@ -1361,11 +1755,14 @@
   <p:clrMapOvr>
     <a:masterClrMapping/>
   </p:clrMapOvr>
+  <p:transition>
+    <p:push dir="u"/>
+  </p:transition>
 </p:sldLayout>
 </file>
 
 <file path=ppt/slideLayouts/slideLayout2.xml><?xml version="1.0" encoding="utf-8"?>
-<p:sldLayout xmlns:a="http://schemas.openxmlformats.org/drawingml/2006/main" xmlns:r="http://schemas.openxmlformats.org/officeDocument/2006/relationships" xmlns:p="http://schemas.openxmlformats.org/presentationml/2006/main" type="obj" preserve="1" showMasterPhAnim="0" userDrawn="1">
+<p:sldLayout xmlns:a="http://schemas.openxmlformats.org/drawingml/2006/main" xmlns:r="http://schemas.openxmlformats.org/officeDocument/2006/relationships" xmlns:p="http://schemas.openxmlformats.org/presentationml/2006/main" showMasterPhAnim="0" type="obj" preserve="1" userDrawn="1">
   <p:cSld name="Заголовок и объект">
     <p:spTree>
       <p:nvGrpSpPr>
@@ -1403,7 +1800,6 @@
               <a:rPr lang="ru-RU"/>
               <a:t>Образец заголовка</a:t>
             </a:r>
-            <a:endParaRPr lang="ru-RU"/>
           </a:p>
         </p:txBody>
       </p:sp>
@@ -1429,7 +1825,6 @@
               <a:rPr lang="ru-RU"/>
               <a:t>Образец текста</a:t>
             </a:r>
-            <a:endParaRPr lang="ru-RU"/>
           </a:p>
           <a:p>
             <a:pPr lvl="1">
@@ -1439,7 +1834,6 @@
               <a:rPr lang="ru-RU"/>
               <a:t>Второй уровень</a:t>
             </a:r>
-            <a:endParaRPr lang="ru-RU"/>
           </a:p>
           <a:p>
             <a:pPr lvl="2">
@@ -1449,7 +1843,6 @@
               <a:rPr lang="ru-RU"/>
               <a:t>Третий уровень</a:t>
             </a:r>
-            <a:endParaRPr lang="ru-RU"/>
           </a:p>
           <a:p>
             <a:pPr lvl="3">
@@ -1459,7 +1852,6 @@
               <a:rPr lang="ru-RU"/>
               <a:t>Четвертый уровень</a:t>
             </a:r>
-            <a:endParaRPr lang="ru-RU"/>
           </a:p>
           <a:p>
             <a:pPr lvl="4">
@@ -1469,7 +1861,6 @@
               <a:rPr lang="ru-RU"/>
               <a:t>Fifth level</a:t>
             </a:r>
-            <a:endParaRPr lang="ru-RU"/>
           </a:p>
         </p:txBody>
       </p:sp>
@@ -1493,6 +1884,7 @@
             </a:pPr>
             <a:fld id="{BCC18F51-09EC-435C-A3BA-64A766E099C0}" type="datetimeFigureOut">
               <a:rPr lang="ru-RU"/>
+              <a:t>11.05.2025</a:t>
             </a:fld>
             <a:endParaRPr lang="ru-RU"/>
           </a:p>
@@ -1540,6 +1932,7 @@
             </a:pPr>
             <a:fld id="{08395586-F03A-48D1-94DF-16B239DF4FB5}" type="slidenum">
               <a:rPr lang="ru-RU"/>
+              <a:t>‹#›</a:t>
             </a:fld>
             <a:endParaRPr lang="ru-RU"/>
           </a:p>
@@ -1550,11 +1943,14 @@
   <p:clrMapOvr>
     <a:masterClrMapping/>
   </p:clrMapOvr>
+  <p:transition>
+    <p:push dir="u"/>
+  </p:transition>
 </p:sldLayout>
 </file>
 
 <file path=ppt/slideLayouts/slideLayout3.xml><?xml version="1.0" encoding="utf-8"?>
-<p:sldLayout xmlns:a="http://schemas.openxmlformats.org/drawingml/2006/main" xmlns:r="http://schemas.openxmlformats.org/officeDocument/2006/relationships" xmlns:p="http://schemas.openxmlformats.org/presentationml/2006/main" type="secHead" preserve="1" showMasterPhAnim="0" userDrawn="1">
+<p:sldLayout xmlns:a="http://schemas.openxmlformats.org/drawingml/2006/main" xmlns:r="http://schemas.openxmlformats.org/officeDocument/2006/relationships" xmlns:p="http://schemas.openxmlformats.org/presentationml/2006/main" showMasterPhAnim="0" type="secHead" preserve="1" userDrawn="1">
   <p:cSld name="Заголовок раздела">
     <p:spTree>
       <p:nvGrpSpPr>
@@ -1601,7 +1997,6 @@
               <a:rPr lang="ru-RU"/>
               <a:t>Образец заголовка</a:t>
             </a:r>
-            <a:endParaRPr lang="ru-RU"/>
           </a:p>
         </p:txBody>
       </p:sp>
@@ -1723,7 +2118,6 @@
               <a:rPr lang="ru-RU"/>
               <a:t>Образец текста</a:t>
             </a:r>
-            <a:endParaRPr lang="ru-RU"/>
           </a:p>
         </p:txBody>
       </p:sp>
@@ -1747,6 +2141,7 @@
             </a:pPr>
             <a:fld id="{BCC18F51-09EC-435C-A3BA-64A766E099C0}" type="datetimeFigureOut">
               <a:rPr lang="ru-RU"/>
+              <a:t>11.05.2025</a:t>
             </a:fld>
             <a:endParaRPr lang="ru-RU"/>
           </a:p>
@@ -1794,6 +2189,7 @@
             </a:pPr>
             <a:fld id="{08395586-F03A-48D1-94DF-16B239DF4FB5}" type="slidenum">
               <a:rPr lang="ru-RU"/>
+              <a:t>‹#›</a:t>
             </a:fld>
             <a:endParaRPr lang="ru-RU"/>
           </a:p>
@@ -1804,11 +2200,14 @@
   <p:clrMapOvr>
     <a:masterClrMapping/>
   </p:clrMapOvr>
+  <p:transition>
+    <p:push dir="u"/>
+  </p:transition>
 </p:sldLayout>
 </file>
 
 <file path=ppt/slideLayouts/slideLayout4.xml><?xml version="1.0" encoding="utf-8"?>
-<p:sldLayout xmlns:a="http://schemas.openxmlformats.org/drawingml/2006/main" xmlns:r="http://schemas.openxmlformats.org/officeDocument/2006/relationships" xmlns:p="http://schemas.openxmlformats.org/presentationml/2006/main" type="twoObj" preserve="1" showMasterPhAnim="0" userDrawn="1">
+<p:sldLayout xmlns:a="http://schemas.openxmlformats.org/drawingml/2006/main" xmlns:r="http://schemas.openxmlformats.org/officeDocument/2006/relationships" xmlns:p="http://schemas.openxmlformats.org/presentationml/2006/main" showMasterPhAnim="0" type="twoObj" preserve="1" userDrawn="1">
   <p:cSld name="Два объекта">
     <p:spTree>
       <p:nvGrpSpPr>
@@ -1846,7 +2245,6 @@
               <a:rPr lang="ru-RU"/>
               <a:t>Образец заголовка</a:t>
             </a:r>
-            <a:endParaRPr lang="ru-RU"/>
           </a:p>
         </p:txBody>
       </p:sp>
@@ -1877,7 +2275,6 @@
               <a:rPr lang="ru-RU"/>
               <a:t>Образец текста</a:t>
             </a:r>
-            <a:endParaRPr lang="ru-RU"/>
           </a:p>
           <a:p>
             <a:pPr lvl="1">
@@ -1887,7 +2284,6 @@
               <a:rPr lang="ru-RU"/>
               <a:t>Второй уровень</a:t>
             </a:r>
-            <a:endParaRPr lang="ru-RU"/>
           </a:p>
           <a:p>
             <a:pPr lvl="2">
@@ -1897,7 +2293,6 @@
               <a:rPr lang="ru-RU"/>
               <a:t>Третий уровень</a:t>
             </a:r>
-            <a:endParaRPr lang="ru-RU"/>
           </a:p>
           <a:p>
             <a:pPr lvl="3">
@@ -1907,7 +2302,6 @@
               <a:rPr lang="ru-RU"/>
               <a:t>Четвертый уровень</a:t>
             </a:r>
-            <a:endParaRPr lang="ru-RU"/>
           </a:p>
           <a:p>
             <a:pPr lvl="4">
@@ -1917,7 +2311,6 @@
               <a:rPr lang="ru-RU"/>
               <a:t>Пятый уровень</a:t>
             </a:r>
-            <a:endParaRPr lang="ru-RU"/>
           </a:p>
         </p:txBody>
       </p:sp>
@@ -1948,7 +2341,6 @@
               <a:rPr lang="ru-RU"/>
               <a:t>Образец текста</a:t>
             </a:r>
-            <a:endParaRPr lang="ru-RU"/>
           </a:p>
           <a:p>
             <a:pPr lvl="1">
@@ -1958,7 +2350,6 @@
               <a:rPr lang="ru-RU"/>
               <a:t>Второй уровень</a:t>
             </a:r>
-            <a:endParaRPr lang="ru-RU"/>
           </a:p>
           <a:p>
             <a:pPr lvl="2">
@@ -1968,7 +2359,6 @@
               <a:rPr lang="ru-RU"/>
               <a:t>Третий уровень</a:t>
             </a:r>
-            <a:endParaRPr lang="ru-RU"/>
           </a:p>
           <a:p>
             <a:pPr lvl="3">
@@ -1978,7 +2368,6 @@
               <a:rPr lang="ru-RU"/>
               <a:t>Четвертый уровень</a:t>
             </a:r>
-            <a:endParaRPr lang="ru-RU"/>
           </a:p>
           <a:p>
             <a:pPr lvl="4">
@@ -1988,7 +2377,6 @@
               <a:rPr lang="ru-RU"/>
               <a:t>Пятый уровень</a:t>
             </a:r>
-            <a:endParaRPr lang="ru-RU"/>
           </a:p>
         </p:txBody>
       </p:sp>
@@ -2012,6 +2400,7 @@
             </a:pPr>
             <a:fld id="{BCC18F51-09EC-435C-A3BA-64A766E099C0}" type="datetimeFigureOut">
               <a:rPr lang="ru-RU"/>
+              <a:t>11.05.2025</a:t>
             </a:fld>
             <a:endParaRPr lang="ru-RU"/>
           </a:p>
@@ -2059,6 +2448,7 @@
             </a:pPr>
             <a:fld id="{08395586-F03A-48D1-94DF-16B239DF4FB5}" type="slidenum">
               <a:rPr lang="ru-RU"/>
+              <a:t>‹#›</a:t>
             </a:fld>
             <a:endParaRPr lang="ru-RU"/>
           </a:p>
@@ -2069,11 +2459,14 @@
   <p:clrMapOvr>
     <a:masterClrMapping/>
   </p:clrMapOvr>
+  <p:transition>
+    <p:push dir="u"/>
+  </p:transition>
 </p:sldLayout>
 </file>
 
 <file path=ppt/slideLayouts/slideLayout5.xml><?xml version="1.0" encoding="utf-8"?>
-<p:sldLayout xmlns:a="http://schemas.openxmlformats.org/drawingml/2006/main" xmlns:r="http://schemas.openxmlformats.org/officeDocument/2006/relationships" xmlns:p="http://schemas.openxmlformats.org/presentationml/2006/main" type="twoTxTwoObj" preserve="1" showMasterPhAnim="0" userDrawn="1">
+<p:sldLayout xmlns:a="http://schemas.openxmlformats.org/drawingml/2006/main" xmlns:r="http://schemas.openxmlformats.org/officeDocument/2006/relationships" xmlns:p="http://schemas.openxmlformats.org/presentationml/2006/main" showMasterPhAnim="0" type="twoTxTwoObj" preserve="1" userDrawn="1">
   <p:cSld name="Сравнение">
     <p:spTree>
       <p:nvGrpSpPr>
@@ -2116,7 +2509,6 @@
               <a:rPr lang="ru-RU"/>
               <a:t>Образец заголовка</a:t>
             </a:r>
-            <a:endParaRPr lang="ru-RU"/>
           </a:p>
         </p:txBody>
       </p:sp>
@@ -2184,7 +2576,6 @@
               <a:rPr lang="ru-RU"/>
               <a:t>Образец текста</a:t>
             </a:r>
-            <a:endParaRPr lang="ru-RU"/>
           </a:p>
         </p:txBody>
       </p:sp>
@@ -2215,7 +2606,6 @@
               <a:rPr lang="ru-RU"/>
               <a:t>Click to edit Master text styles</a:t>
             </a:r>
-            <a:endParaRPr lang="ru-RU"/>
           </a:p>
           <a:p>
             <a:pPr lvl="1">
@@ -2225,7 +2615,6 @@
               <a:rPr lang="ru-RU"/>
               <a:t>Второй уровень</a:t>
             </a:r>
-            <a:endParaRPr lang="ru-RU"/>
           </a:p>
           <a:p>
             <a:pPr lvl="2">
@@ -2235,7 +2624,6 @@
               <a:rPr lang="ru-RU"/>
               <a:t>Третий уровень</a:t>
             </a:r>
-            <a:endParaRPr lang="ru-RU"/>
           </a:p>
           <a:p>
             <a:pPr lvl="3">
@@ -2245,7 +2633,6 @@
               <a:rPr lang="ru-RU"/>
               <a:t>Четвертый уровень</a:t>
             </a:r>
-            <a:endParaRPr lang="ru-RU"/>
           </a:p>
           <a:p>
             <a:pPr lvl="4">
@@ -2255,7 +2642,6 @@
               <a:rPr lang="ru-RU"/>
               <a:t>Пятый уровень</a:t>
             </a:r>
-            <a:endParaRPr lang="ru-RU"/>
           </a:p>
         </p:txBody>
       </p:sp>
@@ -2323,7 +2709,6 @@
               <a:rPr lang="ru-RU"/>
               <a:t>Образец текста</a:t>
             </a:r>
-            <a:endParaRPr lang="ru-RU"/>
           </a:p>
         </p:txBody>
       </p:sp>
@@ -2354,7 +2739,6 @@
               <a:rPr lang="ru-RU"/>
               <a:t>Образец текста</a:t>
             </a:r>
-            <a:endParaRPr lang="ru-RU"/>
           </a:p>
           <a:p>
             <a:pPr lvl="1">
@@ -2364,7 +2748,6 @@
               <a:rPr lang="ru-RU"/>
               <a:t>Второй уровень</a:t>
             </a:r>
-            <a:endParaRPr lang="ru-RU"/>
           </a:p>
           <a:p>
             <a:pPr lvl="2">
@@ -2374,7 +2757,6 @@
               <a:rPr lang="ru-RU"/>
               <a:t>Третий уровень</a:t>
             </a:r>
-            <a:endParaRPr lang="ru-RU"/>
           </a:p>
           <a:p>
             <a:pPr lvl="3">
@@ -2384,7 +2766,6 @@
               <a:rPr lang="ru-RU"/>
               <a:t>Четвертый уровень</a:t>
             </a:r>
-            <a:endParaRPr lang="ru-RU"/>
           </a:p>
           <a:p>
             <a:pPr lvl="4">
@@ -2394,7 +2775,6 @@
               <a:rPr lang="ru-RU"/>
               <a:t>Пятый уровень</a:t>
             </a:r>
-            <a:endParaRPr lang="ru-RU"/>
           </a:p>
         </p:txBody>
       </p:sp>
@@ -2418,6 +2798,7 @@
             </a:pPr>
             <a:fld id="{BCC18F51-09EC-435C-A3BA-64A766E099C0}" type="datetimeFigureOut">
               <a:rPr lang="ru-RU"/>
+              <a:t>11.05.2025</a:t>
             </a:fld>
             <a:endParaRPr lang="ru-RU"/>
           </a:p>
@@ -2465,6 +2846,7 @@
             </a:pPr>
             <a:fld id="{08395586-F03A-48D1-94DF-16B239DF4FB5}" type="slidenum">
               <a:rPr lang="ru-RU"/>
+              <a:t>‹#›</a:t>
             </a:fld>
             <a:endParaRPr lang="ru-RU"/>
           </a:p>
@@ -2475,11 +2857,14 @@
   <p:clrMapOvr>
     <a:masterClrMapping/>
   </p:clrMapOvr>
+  <p:transition>
+    <p:push dir="u"/>
+  </p:transition>
 </p:sldLayout>
 </file>
 
 <file path=ppt/slideLayouts/slideLayout6.xml><?xml version="1.0" encoding="utf-8"?>
-<p:sldLayout xmlns:a="http://schemas.openxmlformats.org/drawingml/2006/main" xmlns:r="http://schemas.openxmlformats.org/officeDocument/2006/relationships" xmlns:p="http://schemas.openxmlformats.org/presentationml/2006/main" type="titleOnly" preserve="1" showMasterPhAnim="0" userDrawn="1">
+<p:sldLayout xmlns:a="http://schemas.openxmlformats.org/drawingml/2006/main" xmlns:r="http://schemas.openxmlformats.org/officeDocument/2006/relationships" xmlns:p="http://schemas.openxmlformats.org/presentationml/2006/main" showMasterPhAnim="0" type="titleOnly" preserve="1" userDrawn="1">
   <p:cSld name="Только заголовок">
     <p:spTree>
       <p:nvGrpSpPr>
@@ -2517,7 +2902,6 @@
               <a:rPr lang="ru-RU"/>
               <a:t>Образец заголовка</a:t>
             </a:r>
-            <a:endParaRPr lang="ru-RU"/>
           </a:p>
         </p:txBody>
       </p:sp>
@@ -2541,6 +2925,7 @@
             </a:pPr>
             <a:fld id="{BCC18F51-09EC-435C-A3BA-64A766E099C0}" type="datetimeFigureOut">
               <a:rPr lang="ru-RU"/>
+              <a:t>11.05.2025</a:t>
             </a:fld>
             <a:endParaRPr lang="ru-RU"/>
           </a:p>
@@ -2588,6 +2973,7 @@
             </a:pPr>
             <a:fld id="{08395586-F03A-48D1-94DF-16B239DF4FB5}" type="slidenum">
               <a:rPr lang="ru-RU"/>
+              <a:t>‹#›</a:t>
             </a:fld>
             <a:endParaRPr lang="ru-RU"/>
           </a:p>
@@ -2598,11 +2984,14 @@
   <p:clrMapOvr>
     <a:masterClrMapping/>
   </p:clrMapOvr>
+  <p:transition>
+    <p:push dir="u"/>
+  </p:transition>
 </p:sldLayout>
 </file>
 
 <file path=ppt/slideLayouts/slideLayout7.xml><?xml version="1.0" encoding="utf-8"?>
-<p:sldLayout xmlns:a="http://schemas.openxmlformats.org/drawingml/2006/main" xmlns:r="http://schemas.openxmlformats.org/officeDocument/2006/relationships" xmlns:p="http://schemas.openxmlformats.org/presentationml/2006/main" type="blank" preserve="1" showMasterPhAnim="0" userDrawn="1">
+<p:sldLayout xmlns:a="http://schemas.openxmlformats.org/drawingml/2006/main" xmlns:r="http://schemas.openxmlformats.org/officeDocument/2006/relationships" xmlns:p="http://schemas.openxmlformats.org/presentationml/2006/main" showMasterPhAnim="0" type="blank" preserve="1" userDrawn="1">
   <p:cSld name="Пустой слайд">
     <p:spTree>
       <p:nvGrpSpPr>
@@ -2638,6 +3027,7 @@
             </a:pPr>
             <a:fld id="{BCC18F51-09EC-435C-A3BA-64A766E099C0}" type="datetimeFigureOut">
               <a:rPr lang="ru-RU"/>
+              <a:t>11.05.2025</a:t>
             </a:fld>
             <a:endParaRPr lang="ru-RU"/>
           </a:p>
@@ -2685,6 +3075,7 @@
             </a:pPr>
             <a:fld id="{08395586-F03A-48D1-94DF-16B239DF4FB5}" type="slidenum">
               <a:rPr lang="ru-RU"/>
+              <a:t>‹#›</a:t>
             </a:fld>
             <a:endParaRPr lang="ru-RU"/>
           </a:p>
@@ -2695,11 +3086,14 @@
   <p:clrMapOvr>
     <a:masterClrMapping/>
   </p:clrMapOvr>
+  <p:transition>
+    <p:push dir="u"/>
+  </p:transition>
 </p:sldLayout>
 </file>
 
 <file path=ppt/slideLayouts/slideLayout8.xml><?xml version="1.0" encoding="utf-8"?>
-<p:sldLayout xmlns:a="http://schemas.openxmlformats.org/drawingml/2006/main" xmlns:r="http://schemas.openxmlformats.org/officeDocument/2006/relationships" xmlns:p="http://schemas.openxmlformats.org/presentationml/2006/main" type="objTx" preserve="1" showMasterPhAnim="0" userDrawn="1">
+<p:sldLayout xmlns:a="http://schemas.openxmlformats.org/drawingml/2006/main" xmlns:r="http://schemas.openxmlformats.org/officeDocument/2006/relationships" xmlns:p="http://schemas.openxmlformats.org/presentationml/2006/main" showMasterPhAnim="0" type="objTx" preserve="1" userDrawn="1">
   <p:cSld name="Объект с подписью">
     <p:spTree>
       <p:nvGrpSpPr>
@@ -2746,7 +3140,6 @@
               <a:rPr lang="ru-RU"/>
               <a:t>Образец заголовка</a:t>
             </a:r>
-            <a:endParaRPr lang="ru-RU"/>
           </a:p>
         </p:txBody>
       </p:sp>
@@ -2805,7 +3198,6 @@
               <a:rPr lang="ru-RU"/>
               <a:t>Образец текста</a:t>
             </a:r>
-            <a:endParaRPr lang="ru-RU"/>
           </a:p>
           <a:p>
             <a:pPr lvl="1">
@@ -2815,7 +3207,6 @@
               <a:rPr lang="ru-RU"/>
               <a:t>Второй уровень</a:t>
             </a:r>
-            <a:endParaRPr lang="ru-RU"/>
           </a:p>
           <a:p>
             <a:pPr lvl="2">
@@ -2825,7 +3216,6 @@
               <a:rPr lang="ru-RU"/>
               <a:t>Третий уровень</a:t>
             </a:r>
-            <a:endParaRPr lang="ru-RU"/>
           </a:p>
           <a:p>
             <a:pPr lvl="3">
@@ -2835,7 +3225,6 @@
               <a:rPr lang="ru-RU"/>
               <a:t>Четвертый уровень</a:t>
             </a:r>
-            <a:endParaRPr lang="ru-RU"/>
           </a:p>
           <a:p>
             <a:pPr lvl="4">
@@ -2845,7 +3234,6 @@
               <a:rPr lang="ru-RU"/>
               <a:t>Пятый уровень</a:t>
             </a:r>
-            <a:endParaRPr lang="ru-RU"/>
           </a:p>
         </p:txBody>
       </p:sp>
@@ -2913,7 +3301,6 @@
               <a:rPr lang="ru-RU"/>
               <a:t>Образец текста</a:t>
             </a:r>
-            <a:endParaRPr lang="ru-RU"/>
           </a:p>
         </p:txBody>
       </p:sp>
@@ -2937,6 +3324,7 @@
             </a:pPr>
             <a:fld id="{BCC18F51-09EC-435C-A3BA-64A766E099C0}" type="datetimeFigureOut">
               <a:rPr lang="ru-RU"/>
+              <a:t>11.05.2025</a:t>
             </a:fld>
             <a:endParaRPr lang="ru-RU"/>
           </a:p>
@@ -2984,6 +3372,7 @@
             </a:pPr>
             <a:fld id="{08395586-F03A-48D1-94DF-16B239DF4FB5}" type="slidenum">
               <a:rPr lang="ru-RU"/>
+              <a:t>‹#›</a:t>
             </a:fld>
             <a:endParaRPr lang="ru-RU"/>
           </a:p>
@@ -2994,11 +3383,14 @@
   <p:clrMapOvr>
     <a:masterClrMapping/>
   </p:clrMapOvr>
+  <p:transition>
+    <p:push dir="u"/>
+  </p:transition>
 </p:sldLayout>
 </file>
 
 <file path=ppt/slideLayouts/slideLayout9.xml><?xml version="1.0" encoding="utf-8"?>
-<p:sldLayout xmlns:a="http://schemas.openxmlformats.org/drawingml/2006/main" xmlns:r="http://schemas.openxmlformats.org/officeDocument/2006/relationships" xmlns:p="http://schemas.openxmlformats.org/presentationml/2006/main" type="picTx" preserve="1" showMasterPhAnim="0" userDrawn="1">
+<p:sldLayout xmlns:a="http://schemas.openxmlformats.org/drawingml/2006/main" xmlns:r="http://schemas.openxmlformats.org/officeDocument/2006/relationships" xmlns:p="http://schemas.openxmlformats.org/presentationml/2006/main" showMasterPhAnim="0" type="picTx" preserve="1" userDrawn="1">
   <p:cSld name="Рисунок с подписью">
     <p:spTree>
       <p:nvGrpSpPr>
@@ -3045,7 +3437,6 @@
               <a:rPr lang="ru-RU"/>
               <a:t>Образец заголовка</a:t>
             </a:r>
-            <a:endParaRPr lang="ru-RU"/>
           </a:p>
         </p:txBody>
       </p:sp>
@@ -3113,7 +3504,6 @@
               <a:rPr lang="ru-RU"/>
               <a:t>Click icon to add picture</a:t>
             </a:r>
-            <a:endParaRPr lang="ru-RU"/>
           </a:p>
         </p:txBody>
       </p:sp>
@@ -3181,7 +3571,6 @@
               <a:rPr lang="ru-RU"/>
               <a:t>Образец текста</a:t>
             </a:r>
-            <a:endParaRPr lang="ru-RU"/>
           </a:p>
         </p:txBody>
       </p:sp>
@@ -3205,6 +3594,7 @@
             </a:pPr>
             <a:fld id="{BCC18F51-09EC-435C-A3BA-64A766E099C0}" type="datetimeFigureOut">
               <a:rPr lang="ru-RU"/>
+              <a:t>11.05.2025</a:t>
             </a:fld>
             <a:endParaRPr lang="ru-RU"/>
           </a:p>
@@ -3252,6 +3642,7 @@
             </a:pPr>
             <a:fld id="{08395586-F03A-48D1-94DF-16B239DF4FB5}" type="slidenum">
               <a:rPr lang="ru-RU"/>
+              <a:t>‹#›</a:t>
             </a:fld>
             <a:endParaRPr lang="ru-RU"/>
           </a:p>
@@ -3262,6 +3653,9 @@
   <p:clrMapOvr>
     <a:masterClrMapping/>
   </p:clrMapOvr>
+  <p:transition>
+    <p:push dir="u"/>
+  </p:transition>
 </p:sldLayout>
 </file>
 
@@ -3319,7 +3713,6 @@
               <a:rPr lang="ru-RU"/>
               <a:t>Click to edit Master title style</a:t>
             </a:r>
-            <a:endParaRPr lang="ru-RU"/>
           </a:p>
         </p:txBody>
       </p:sp>
@@ -3355,7 +3748,6 @@
               <a:rPr lang="ru-RU"/>
               <a:t>Click to edit Master text styles</a:t>
             </a:r>
-            <a:endParaRPr lang="ru-RU"/>
           </a:p>
           <a:p>
             <a:pPr lvl="1">
@@ -3365,7 +3757,6 @@
               <a:rPr lang="ru-RU"/>
               <a:t>Second level</a:t>
             </a:r>
-            <a:endParaRPr lang="ru-RU"/>
           </a:p>
           <a:p>
             <a:pPr lvl="2">
@@ -3375,7 +3766,6 @@
               <a:rPr lang="ru-RU"/>
               <a:t>Third level</a:t>
             </a:r>
-            <a:endParaRPr lang="ru-RU"/>
           </a:p>
           <a:p>
             <a:pPr lvl="3">
@@ -3385,7 +3775,6 @@
               <a:rPr lang="ru-RU"/>
               <a:t>Fourth level</a:t>
             </a:r>
-            <a:endParaRPr lang="ru-RU"/>
           </a:p>
           <a:p>
             <a:pPr lvl="4">
@@ -3395,7 +3784,6 @@
               <a:rPr lang="ru-RU"/>
               <a:t>Fifth level</a:t>
             </a:r>
-            <a:endParaRPr lang="ru-RU"/>
           </a:p>
         </p:txBody>
       </p:sp>
@@ -3437,6 +3825,7 @@
             </a:pPr>
             <a:fld id="{BCC18F51-09EC-435C-A3BA-64A766E099C0}" type="datetimeFigureOut">
               <a:rPr lang="ru-RU"/>
+              <a:t>11.05.2025</a:t>
             </a:fld>
             <a:endParaRPr lang="ru-RU"/>
           </a:p>
@@ -3520,6 +3909,7 @@
             </a:pPr>
             <a:fld id="{08395586-F03A-48D1-94DF-16B239DF4FB5}" type="slidenum">
               <a:rPr lang="ru-RU"/>
+              <a:t>‹#›</a:t>
             </a:fld>
             <a:endParaRPr lang="ru-RU"/>
           </a:p>
@@ -3541,6 +3931,9 @@
     <p:sldLayoutId id="2147483658" r:id="rId10"/>
     <p:sldLayoutId id="2147483659" r:id="rId11"/>
   </p:sldLayoutIdLst>
+  <p:transition>
+    <p:push dir="u"/>
+  </p:transition>
   <p:txStyles>
     <p:titleStyle>
       <a:lvl1pPr algn="l" defTabSz="914400">
@@ -3857,8 +4250,516 @@
         </p:nvSpPr>
         <p:spPr bwMode="auto">
           <a:xfrm>
-            <a:off x="2155582" y="397770"/>
-            <a:ext cx="7841814" cy="1659285"/>
+            <a:off x="753079" y="212603"/>
+            <a:ext cx="10685843" cy="2036822"/>
+          </a:xfrm>
+          <a:prstGeom prst="roundRect">
+            <a:avLst>
+              <a:gd name="adj" fmla="val 11958"/>
+            </a:avLst>
+          </a:prstGeom>
+          <a:solidFill>
+            <a:srgbClr val="313244"/>
+          </a:solidFill>
+          <a:ln w="12700" cap="flat" cmpd="sng" algn="ctr">
+            <a:noFill/>
+            <a:prstDash val="solid"/>
+            <a:miter lim="800000"/>
+          </a:ln>
+        </p:spPr>
+        <p:style>
+          <a:lnRef idx="2">
+            <a:schemeClr val="accent1">
+              <a:shade val="50000"/>
+            </a:schemeClr>
+          </a:lnRef>
+          <a:fillRef idx="1">
+            <a:schemeClr val="accent1"/>
+          </a:fillRef>
+          <a:effectRef idx="0">
+            <a:schemeClr val="accent1"/>
+          </a:effectRef>
+          <a:fontRef idx="minor">
+            <a:schemeClr val="lt1"/>
+          </a:fontRef>
+        </p:style>
+        <p:txBody>
+          <a:bodyPr/>
+          <a:lstStyle/>
+          <a:p>
+            <a:pPr algn="ctr">
+              <a:defRPr/>
+            </a:pPr>
+            <a:r>
+              <a:rPr lang="en-US" sz="6000" dirty="0" smtClean="0">
+                <a:solidFill>
+                  <a:srgbClr val="F9E2AF"/>
+                </a:solidFill>
+                <a:latin typeface="Arial" panose="020B0604020202020204" pitchFamily="34" charset="0"/>
+                <a:ea typeface="Tahoma" panose="020B0604030504040204"/>
+                <a:cs typeface="Arial" panose="020B0604020202020204" pitchFamily="34" charset="0"/>
+                <a:sym typeface="+mn-ea"/>
+              </a:rPr>
+              <a:t>B&amp;CG</a:t>
+            </a:r>
+          </a:p>
+          <a:p>
+            <a:pPr algn="ctr">
+              <a:defRPr/>
+            </a:pPr>
+            <a:r>
+              <a:rPr lang="en-US" sz="6000" dirty="0" smtClean="0">
+                <a:solidFill>
+                  <a:srgbClr val="CDD6F4"/>
+                </a:solidFill>
+                <a:latin typeface="Arial" panose="020B0604020202020204" pitchFamily="34" charset="0"/>
+                <a:ea typeface="Tahoma" panose="020B0604030504040204"/>
+                <a:cs typeface="Arial" panose="020B0604020202020204" pitchFamily="34" charset="0"/>
+                <a:sym typeface="+mn-ea"/>
+              </a:rPr>
+              <a:t>(BALL and COIN GAME)</a:t>
+            </a:r>
+            <a:endParaRPr sz="6000" dirty="0">
+              <a:latin typeface="Arial" panose="020B0604020202020204" pitchFamily="34" charset="0"/>
+              <a:cs typeface="Arial" panose="020B0604020202020204" pitchFamily="34" charset="0"/>
+            </a:endParaRPr>
+          </a:p>
+        </p:txBody>
+      </p:sp>
+      <p:sp>
+        <p:nvSpPr>
+          <p:cNvPr id="473151992" name="Скругленный прямоугольник 473151991"/>
+          <p:cNvSpPr/>
+          <p:nvPr/>
+        </p:nvSpPr>
+        <p:spPr bwMode="auto">
+          <a:xfrm>
+            <a:off x="250159" y="2501852"/>
+            <a:ext cx="11691683" cy="2457799"/>
+          </a:xfrm>
+          <a:prstGeom prst="roundRect">
+            <a:avLst>
+              <a:gd name="adj" fmla="val 9972"/>
+            </a:avLst>
+          </a:prstGeom>
+          <a:solidFill>
+            <a:srgbClr val="313244"/>
+          </a:solidFill>
+          <a:ln w="12700" cap="flat" cmpd="sng" algn="ctr">
+            <a:noFill/>
+            <a:prstDash val="solid"/>
+            <a:miter lim="800000"/>
+          </a:ln>
+        </p:spPr>
+        <p:style>
+          <a:lnRef idx="2">
+            <a:schemeClr val="accent1">
+              <a:shade val="50000"/>
+            </a:schemeClr>
+          </a:lnRef>
+          <a:fillRef idx="1">
+            <a:schemeClr val="accent1"/>
+          </a:fillRef>
+          <a:effectRef idx="0">
+            <a:schemeClr val="accent1"/>
+          </a:effectRef>
+          <a:fontRef idx="minor">
+            <a:schemeClr val="lt1"/>
+          </a:fontRef>
+        </p:style>
+        <p:txBody>
+          <a:bodyPr/>
+          <a:lstStyle/>
+          <a:p>
+            <a:pPr marL="0" marR="0" lvl="0" indent="0" algn="ctr" defTabSz="914400">
+              <a:lnSpc>
+                <a:spcPct val="100000"/>
+              </a:lnSpc>
+              <a:spcBef>
+                <a:spcPts val="0"/>
+              </a:spcBef>
+              <a:spcAft>
+                <a:spcPts val="0"/>
+              </a:spcAft>
+              <a:defRPr lang="ru-RU" sz="1800" b="0" i="0" u="none" strike="noStrike" cap="none" spc="0">
+                <a:solidFill>
+                  <a:srgbClr val="000000"/>
+                </a:solidFill>
+                <a:latin typeface="Arial" panose="020B0604020202020204"/>
+                <a:ea typeface="Arial" panose="020B0604020202020204"/>
+                <a:cs typeface="Arial" panose="020B0604020202020204"/>
+              </a:defRPr>
+            </a:pPr>
+            <a:r>
+              <a:rPr lang="ru-RU" sz="2800" dirty="0" smtClean="0">
+                <a:solidFill>
+                  <a:srgbClr val="FAB387"/>
+                </a:solidFill>
+                <a:latin typeface="Arial" panose="020B0604020202020204" pitchFamily="34" charset="0"/>
+                <a:ea typeface="Tahoma" panose="020B0604030504040204"/>
+                <a:cs typeface="Arial" panose="020B0604020202020204" pitchFamily="34" charset="0"/>
+                <a:sym typeface="+mn-ea"/>
+              </a:rPr>
+              <a:t>К</a:t>
+            </a:r>
+            <a:r>
+              <a:rPr lang="ru-RU" sz="2800" dirty="0" smtClean="0">
+                <a:solidFill>
+                  <a:srgbClr val="FAB387"/>
+                </a:solidFill>
+                <a:latin typeface="Arial" panose="020B0604020202020204" pitchFamily="34" charset="0"/>
+                <a:ea typeface="Tahoma" panose="020B0604030504040204"/>
+                <a:cs typeface="Arial" panose="020B0604020202020204" pitchFamily="34" charset="0"/>
+                <a:sym typeface="+mn-ea"/>
+              </a:rPr>
+              <a:t>раткое описание</a:t>
+            </a:r>
+            <a:r>
+              <a:rPr lang="en-NZ" sz="2800" dirty="0" smtClean="0">
+                <a:solidFill>
+                  <a:srgbClr val="FAB387"/>
+                </a:solidFill>
+                <a:latin typeface="Arial" panose="020B0604020202020204" pitchFamily="34" charset="0"/>
+                <a:ea typeface="Tahoma" panose="020B0604030504040204"/>
+                <a:cs typeface="Arial" panose="020B0604020202020204" pitchFamily="34" charset="0"/>
+                <a:sym typeface="+mn-ea"/>
+              </a:rPr>
+              <a:t>: </a:t>
+            </a:r>
+            <a:r>
+              <a:rPr lang="en-US" sz="2800" dirty="0">
+                <a:solidFill>
+                  <a:srgbClr val="FAB387"/>
+                </a:solidFill>
+                <a:latin typeface="Arial" panose="020B0604020202020204" pitchFamily="34" charset="0"/>
+                <a:ea typeface="Tahoma" panose="020B0604030504040204"/>
+                <a:cs typeface="Arial" panose="020B0604020202020204" pitchFamily="34" charset="0"/>
+                <a:sym typeface="+mn-ea"/>
+                <a:hlinkClick r:id="rId3" action="ppaction://hlinksldjump" tooltip="НАЖМИ НА МЕНЯ!"/>
+              </a:rPr>
+              <a:t>&gt;</a:t>
+            </a:r>
+            <a:r>
+              <a:rPr lang="en-US" sz="2800" dirty="0" err="1">
+                <a:solidFill>
+                  <a:srgbClr val="FAB387"/>
+                </a:solidFill>
+                <a:latin typeface="Arial" panose="020B0604020202020204" pitchFamily="34" charset="0"/>
+                <a:ea typeface="Tahoma" panose="020B0604030504040204"/>
+                <a:cs typeface="Arial" panose="020B0604020202020204" pitchFamily="34" charset="0"/>
+                <a:sym typeface="+mn-ea"/>
+                <a:hlinkClick r:id="rId3" action="ppaction://hlinksldjump" tooltip="НАЖМИ НА МЕНЯ!"/>
+              </a:rPr>
+              <a:t>Слайд</a:t>
+            </a:r>
+            <a:r>
+              <a:rPr lang="en-US" sz="2800" dirty="0">
+                <a:solidFill>
+                  <a:srgbClr val="FAB387"/>
+                </a:solidFill>
+                <a:latin typeface="Arial" panose="020B0604020202020204" pitchFamily="34" charset="0"/>
+                <a:ea typeface="Tahoma" panose="020B0604030504040204"/>
+                <a:cs typeface="Arial" panose="020B0604020202020204" pitchFamily="34" charset="0"/>
+                <a:sym typeface="+mn-ea"/>
+                <a:hlinkClick r:id="rId3" action="ppaction://hlinksldjump" tooltip="НАЖМИ НА МЕНЯ!"/>
+              </a:rPr>
+              <a:t> 2</a:t>
+            </a:r>
+            <a:r>
+              <a:rPr lang="en-US" sz="2800" dirty="0" smtClean="0">
+                <a:solidFill>
+                  <a:srgbClr val="FAB387"/>
+                </a:solidFill>
+                <a:latin typeface="Arial" panose="020B0604020202020204" pitchFamily="34" charset="0"/>
+                <a:ea typeface="Tahoma" panose="020B0604030504040204"/>
+                <a:cs typeface="Arial" panose="020B0604020202020204" pitchFamily="34" charset="0"/>
+                <a:sym typeface="+mn-ea"/>
+                <a:hlinkClick r:id="rId3" action="ppaction://hlinksldjump" tooltip="НАЖМИ НА МЕНЯ!"/>
+              </a:rPr>
+              <a:t>&lt;</a:t>
+            </a:r>
+            <a:endParaRPr lang="en-US" sz="2800" dirty="0" smtClean="0">
+              <a:solidFill>
+                <a:srgbClr val="FAB387"/>
+              </a:solidFill>
+              <a:latin typeface="Arial" panose="020B0604020202020204" pitchFamily="34" charset="0"/>
+              <a:ea typeface="Tahoma" panose="020B0604030504040204"/>
+              <a:cs typeface="Arial" panose="020B0604020202020204" pitchFamily="34" charset="0"/>
+              <a:sym typeface="+mn-ea"/>
+            </a:endParaRPr>
+          </a:p>
+          <a:p>
+            <a:pPr marL="0" marR="0" lvl="0" indent="0" algn="ctr" defTabSz="914400">
+              <a:lnSpc>
+                <a:spcPct val="100000"/>
+              </a:lnSpc>
+              <a:spcBef>
+                <a:spcPts val="0"/>
+              </a:spcBef>
+              <a:spcAft>
+                <a:spcPts val="0"/>
+              </a:spcAft>
+              <a:defRPr lang="ru-RU" sz="1800" b="0" i="0" u="none" strike="noStrike" cap="none" spc="0">
+                <a:solidFill>
+                  <a:srgbClr val="000000"/>
+                </a:solidFill>
+                <a:latin typeface="Arial" panose="020B0604020202020204"/>
+                <a:ea typeface="Arial" panose="020B0604020202020204"/>
+                <a:cs typeface="Arial" panose="020B0604020202020204"/>
+              </a:defRPr>
+            </a:pPr>
+            <a:r>
+              <a:rPr lang="ru-RU" altLang="en-US" sz="2800" dirty="0" smtClean="0">
+                <a:solidFill>
+                  <a:srgbClr val="EBA0AC"/>
+                </a:solidFill>
+                <a:latin typeface="Arial" panose="020B0604020202020204" pitchFamily="34" charset="0"/>
+                <a:ea typeface="Tahoma" panose="020B0604030504040204"/>
+                <a:cs typeface="Arial" panose="020B0604020202020204" pitchFamily="34" charset="0"/>
+                <a:sym typeface="+mn-ea"/>
+              </a:rPr>
+              <a:t>Что хотелось получить</a:t>
+            </a:r>
+            <a:r>
+              <a:rPr lang="en-US" altLang="en-US" sz="2800" dirty="0" smtClean="0">
+                <a:solidFill>
+                  <a:srgbClr val="EBA0AC"/>
+                </a:solidFill>
+                <a:latin typeface="Arial" panose="020B0604020202020204" pitchFamily="34" charset="0"/>
+                <a:ea typeface="Tahoma" panose="020B0604030504040204"/>
+                <a:cs typeface="Arial" panose="020B0604020202020204" pitchFamily="34" charset="0"/>
+                <a:sym typeface="+mn-ea"/>
+              </a:rPr>
+              <a:t>: </a:t>
+            </a:r>
+            <a:r>
+              <a:rPr lang="ru-RU" altLang="en-US" sz="2800" dirty="0" smtClean="0">
+                <a:solidFill>
+                  <a:srgbClr val="EBA0AC"/>
+                </a:solidFill>
+                <a:latin typeface="Arial" panose="020B0604020202020204" pitchFamily="34" charset="0"/>
+                <a:ea typeface="Tahoma" panose="020B0604030504040204"/>
+                <a:cs typeface="Arial" panose="020B0604020202020204" pitchFamily="34" charset="0"/>
+                <a:sym typeface="+mn-ea"/>
+                <a:hlinkClick r:id="rId4" action="ppaction://hlinksldjump" tooltip="НАЖМИ НА МЕНЯ!"/>
+              </a:rPr>
+              <a:t>&gt;Слайд 3&lt;</a:t>
+            </a:r>
+            <a:endParaRPr lang="ru-RU" altLang="en-US" sz="2800" dirty="0" smtClean="0">
+              <a:solidFill>
+                <a:srgbClr val="EBA0AC"/>
+              </a:solidFill>
+              <a:latin typeface="Arial" panose="020B0604020202020204" pitchFamily="34" charset="0"/>
+              <a:ea typeface="Tahoma" panose="020B0604030504040204"/>
+              <a:cs typeface="Arial" panose="020B0604020202020204" pitchFamily="34" charset="0"/>
+              <a:sym typeface="+mn-ea"/>
+            </a:endParaRPr>
+          </a:p>
+          <a:p>
+            <a:pPr marL="0" marR="0" lvl="0" indent="0" algn="ctr" defTabSz="914400">
+              <a:lnSpc>
+                <a:spcPct val="100000"/>
+              </a:lnSpc>
+              <a:spcBef>
+                <a:spcPts val="0"/>
+              </a:spcBef>
+              <a:spcAft>
+                <a:spcPts val="0"/>
+              </a:spcAft>
+              <a:defRPr lang="ru-RU" sz="1800" b="0" i="0" u="none" strike="noStrike" cap="none" spc="0">
+                <a:solidFill>
+                  <a:srgbClr val="000000"/>
+                </a:solidFill>
+                <a:latin typeface="Arial" panose="020B0604020202020204"/>
+                <a:ea typeface="Arial" panose="020B0604020202020204"/>
+                <a:cs typeface="Arial" panose="020B0604020202020204"/>
+              </a:defRPr>
+            </a:pPr>
+            <a:r>
+              <a:rPr lang="ru-RU" altLang="en-US" sz="2800" dirty="0" smtClean="0">
+                <a:solidFill>
+                  <a:srgbClr val="89B4FA"/>
+                </a:solidFill>
+                <a:latin typeface="Arial" panose="020B0604020202020204" pitchFamily="34" charset="0"/>
+                <a:ea typeface="Tahoma" panose="020B0604030504040204"/>
+                <a:cs typeface="Arial" panose="020B0604020202020204" pitchFamily="34" charset="0"/>
+                <a:sym typeface="+mn-ea"/>
+              </a:rPr>
+              <a:t>Что получилось</a:t>
+            </a:r>
+            <a:r>
+              <a:rPr lang="en-US" altLang="en-US" sz="2800" dirty="0" smtClean="0">
+                <a:solidFill>
+                  <a:srgbClr val="89B4FA"/>
+                </a:solidFill>
+                <a:latin typeface="Arial" panose="020B0604020202020204" pitchFamily="34" charset="0"/>
+                <a:ea typeface="Tahoma" panose="020B0604030504040204"/>
+                <a:cs typeface="Arial" panose="020B0604020202020204" pitchFamily="34" charset="0"/>
+                <a:sym typeface="+mn-ea"/>
+              </a:rPr>
+              <a:t>: </a:t>
+            </a:r>
+            <a:r>
+              <a:rPr lang="ru-RU" altLang="en-US" sz="2800" dirty="0" smtClean="0">
+                <a:solidFill>
+                  <a:srgbClr val="89B4FA"/>
+                </a:solidFill>
+                <a:latin typeface="Arial" panose="020B0604020202020204" pitchFamily="34" charset="0"/>
+                <a:ea typeface="Tahoma" panose="020B0604030504040204"/>
+                <a:cs typeface="Arial" panose="020B0604020202020204" pitchFamily="34" charset="0"/>
+                <a:sym typeface="+mn-ea"/>
+                <a:hlinkClick r:id="rId5" action="ppaction://hlinksldjump" tooltip="НАЖМИ НА МЕНЯ!"/>
+              </a:rPr>
+              <a:t>&gt;Слайд 4&lt;</a:t>
+            </a:r>
+            <a:endParaRPr lang="en-US" altLang="en-US" sz="2800" dirty="0" smtClean="0">
+              <a:solidFill>
+                <a:srgbClr val="89B4FA"/>
+              </a:solidFill>
+              <a:latin typeface="Arial" panose="020B0604020202020204" pitchFamily="34" charset="0"/>
+              <a:ea typeface="Tahoma" panose="020B0604030504040204"/>
+              <a:cs typeface="Arial" panose="020B0604020202020204" pitchFamily="34" charset="0"/>
+              <a:sym typeface="+mn-ea"/>
+            </a:endParaRPr>
+          </a:p>
+          <a:p>
+            <a:pPr marL="0" marR="0" lvl="0" indent="0" algn="ctr" defTabSz="914400">
+              <a:lnSpc>
+                <a:spcPct val="100000"/>
+              </a:lnSpc>
+              <a:spcBef>
+                <a:spcPts val="0"/>
+              </a:spcBef>
+              <a:spcAft>
+                <a:spcPts val="0"/>
+              </a:spcAft>
+              <a:defRPr lang="ru-RU" sz="1800" b="0" i="0" u="none" strike="noStrike" cap="none" spc="0">
+                <a:solidFill>
+                  <a:srgbClr val="000000"/>
+                </a:solidFill>
+                <a:latin typeface="Arial" panose="020B0604020202020204"/>
+                <a:ea typeface="Arial" panose="020B0604020202020204"/>
+                <a:cs typeface="Arial" panose="020B0604020202020204"/>
+              </a:defRPr>
+            </a:pPr>
+            <a:r>
+              <a:rPr lang="ru-RU" altLang="en-US" sz="2800" dirty="0" smtClean="0">
+                <a:solidFill>
+                  <a:srgbClr val="A6E3A1"/>
+                </a:solidFill>
+                <a:latin typeface="Arial" panose="020B0604020202020204" pitchFamily="34" charset="0"/>
+                <a:ea typeface="Tahoma" panose="020B0604030504040204"/>
+                <a:cs typeface="Arial" panose="020B0604020202020204" pitchFamily="34" charset="0"/>
+                <a:sym typeface="+mn-ea"/>
+              </a:rPr>
+              <a:t>Блок схема</a:t>
+            </a:r>
+            <a:r>
+              <a:rPr lang="en-US" altLang="en-US" sz="2800" dirty="0" smtClean="0">
+                <a:solidFill>
+                  <a:srgbClr val="A6E3A1"/>
+                </a:solidFill>
+                <a:latin typeface="Arial" panose="020B0604020202020204" pitchFamily="34" charset="0"/>
+                <a:ea typeface="Tahoma" panose="020B0604030504040204"/>
+                <a:cs typeface="Arial" panose="020B0604020202020204" pitchFamily="34" charset="0"/>
+                <a:sym typeface="+mn-ea"/>
+              </a:rPr>
+              <a:t>: </a:t>
+            </a:r>
+            <a:r>
+              <a:rPr lang="ru-RU" altLang="en-US" sz="2800" dirty="0" smtClean="0">
+                <a:solidFill>
+                  <a:srgbClr val="A6E3A1"/>
+                </a:solidFill>
+                <a:latin typeface="Arial" panose="020B0604020202020204" pitchFamily="34" charset="0"/>
+                <a:ea typeface="Tahoma" panose="020B0604030504040204"/>
+                <a:cs typeface="Arial" panose="020B0604020202020204" pitchFamily="34" charset="0"/>
+                <a:sym typeface="+mn-ea"/>
+                <a:hlinkClick r:id="rId6" action="ppaction://hlinksldjump" tooltip="НАЖМИ НА МЕНЯ!"/>
+              </a:rPr>
+              <a:t>&gt;Слайд 5&lt;</a:t>
+            </a:r>
+            <a:endParaRPr lang="en-US" altLang="en-US" sz="2800" dirty="0" smtClean="0">
+              <a:solidFill>
+                <a:srgbClr val="A6E3A1"/>
+              </a:solidFill>
+              <a:latin typeface="Arial" panose="020B0604020202020204" pitchFamily="34" charset="0"/>
+              <a:ea typeface="Tahoma" panose="020B0604030504040204"/>
+              <a:cs typeface="Arial" panose="020B0604020202020204" pitchFamily="34" charset="0"/>
+              <a:sym typeface="+mn-ea"/>
+            </a:endParaRPr>
+          </a:p>
+          <a:p>
+            <a:pPr marL="0" marR="0" lvl="0" indent="0" algn="ctr" defTabSz="914400">
+              <a:lnSpc>
+                <a:spcPct val="100000"/>
+              </a:lnSpc>
+              <a:spcBef>
+                <a:spcPts val="0"/>
+              </a:spcBef>
+              <a:spcAft>
+                <a:spcPts val="0"/>
+              </a:spcAft>
+              <a:defRPr lang="ru-RU" sz="1800" b="0" i="0" u="none" strike="noStrike" cap="none" spc="0">
+                <a:solidFill>
+                  <a:srgbClr val="000000"/>
+                </a:solidFill>
+                <a:latin typeface="Arial" panose="020B0604020202020204"/>
+                <a:ea typeface="Arial" panose="020B0604020202020204"/>
+                <a:cs typeface="Arial" panose="020B0604020202020204"/>
+              </a:defRPr>
+            </a:pPr>
+            <a:r>
+              <a:rPr lang="ru-RU" altLang="en-US" sz="2800" dirty="0" smtClean="0">
+                <a:solidFill>
+                  <a:srgbClr val="CDD6F4"/>
+                </a:solidFill>
+                <a:latin typeface="Arial" panose="020B0604020202020204" pitchFamily="34" charset="0"/>
+                <a:cs typeface="Arial" panose="020B0604020202020204" pitchFamily="34" charset="0"/>
+              </a:rPr>
+              <a:t>Дополнение</a:t>
+            </a:r>
+            <a:r>
+              <a:rPr lang="en-US" altLang="en-US" sz="2800" dirty="0" smtClean="0">
+                <a:solidFill>
+                  <a:srgbClr val="CDD6F4"/>
+                </a:solidFill>
+                <a:latin typeface="Arial" panose="020B0604020202020204" pitchFamily="34" charset="0"/>
+                <a:cs typeface="Arial" panose="020B0604020202020204" pitchFamily="34" charset="0"/>
+              </a:rPr>
+              <a:t>: </a:t>
+            </a:r>
+            <a:r>
+              <a:rPr lang="ru-RU" altLang="en-US" sz="2800" dirty="0" smtClean="0">
+                <a:solidFill>
+                  <a:srgbClr val="CDD6F4"/>
+                </a:solidFill>
+                <a:latin typeface="Arial" panose="020B0604020202020204" pitchFamily="34" charset="0"/>
+                <a:cs typeface="Arial" panose="020B0604020202020204" pitchFamily="34" charset="0"/>
+                <a:hlinkClick r:id="rId7" action="ppaction://hlinksldjump" tooltip="НАЖМИ НА МЕНЯ!"/>
+              </a:rPr>
+              <a:t>&gt;Слайд 6&lt;</a:t>
+            </a:r>
+            <a:endParaRPr lang="ru-RU" altLang="en-US" sz="2800" dirty="0">
+              <a:solidFill>
+                <a:srgbClr val="CDD6F4"/>
+              </a:solidFill>
+              <a:latin typeface="Arial" panose="020B0604020202020204" pitchFamily="34" charset="0"/>
+              <a:cs typeface="Arial" panose="020B0604020202020204" pitchFamily="34" charset="0"/>
+            </a:endParaRPr>
+          </a:p>
+        </p:txBody>
+      </p:sp>
+      <p:sp>
+        <p:nvSpPr>
+          <p:cNvPr id="1305066412" name="Скругленный прямоугольник 1305066411"/>
+          <p:cNvSpPr/>
+          <p:nvPr/>
+        </p:nvSpPr>
+        <p:spPr bwMode="auto">
+          <a:xfrm>
+            <a:off x="250159" y="5212078"/>
+            <a:ext cx="2575115" cy="768731"/>
           </a:xfrm>
           <a:prstGeom prst="roundRect">
             <a:avLst>
@@ -3892,218 +4793,33 @@
         </p:style>
         <p:txBody>
           <a:bodyPr/>
-          <a:p>
-            <a:pPr algn="ctr">
-              <a:defRPr/>
-            </a:pPr>
-            <a:r>
-              <a:rPr lang="en-NZ" sz="6000">
-                <a:solidFill>
-                  <a:srgbClr val="CDD6F4"/>
-                </a:solidFill>
-                <a:latin typeface="Arial" panose="020B0604020202020204" pitchFamily="34" charset="0"/>
-                <a:ea typeface="Tahoma" panose="020B0604030504040204"/>
-                <a:cs typeface="Arial" panose="020B0604020202020204" pitchFamily="34" charset="0"/>
-                <a:sym typeface="+mn-ea"/>
-              </a:rPr>
-              <a:t>PING_COIN_GAME</a:t>
-            </a:r>
-            <a:endParaRPr sz="6000">
-              <a:latin typeface="Arial" panose="020B0604020202020204" pitchFamily="34" charset="0"/>
-              <a:cs typeface="Arial" panose="020B0604020202020204" pitchFamily="34" charset="0"/>
-            </a:endParaRPr>
-          </a:p>
-        </p:txBody>
-      </p:sp>
-      <p:sp>
-        <p:nvSpPr>
-          <p:cNvPr id="473151992" name="Скругленный прямоугольник 473151991"/>
-          <p:cNvSpPr/>
-          <p:nvPr/>
-        </p:nvSpPr>
-        <p:spPr bwMode="auto">
-          <a:xfrm>
-            <a:off x="3665855" y="3245485"/>
-            <a:ext cx="8174355" cy="800100"/>
-          </a:xfrm>
-          <a:prstGeom prst="roundRect">
-            <a:avLst>
-              <a:gd name="adj" fmla="val 50000"/>
-            </a:avLst>
-          </a:prstGeom>
-          <a:solidFill>
-            <a:srgbClr val="313244"/>
-          </a:solidFill>
-          <a:ln w="12700" cap="flat" cmpd="sng" algn="ctr">
-            <a:noFill/>
-            <a:prstDash val="solid"/>
-            <a:miter lim="800000"/>
-          </a:ln>
-        </p:spPr>
-        <p:style>
-          <a:lnRef idx="2">
-            <a:schemeClr val="accent1">
-              <a:shade val="50000"/>
-            </a:schemeClr>
-          </a:lnRef>
-          <a:fillRef idx="1">
-            <a:schemeClr val="accent1"/>
-          </a:fillRef>
-          <a:effectRef idx="0">
-            <a:schemeClr val="accent1"/>
-          </a:effectRef>
-          <a:fontRef idx="minor">
-            <a:schemeClr val="lt1"/>
-          </a:fontRef>
-        </p:style>
-        <p:txBody>
-          <a:bodyPr/>
-          <a:p>
-            <a:pPr marL="0" marR="0" lvl="0" indent="0" algn="ctr" defTabSz="914400">
-              <a:lnSpc>
-                <a:spcPct val="100000"/>
-              </a:lnSpc>
-              <a:spcBef>
-                <a:spcPts val="0"/>
-              </a:spcBef>
-              <a:spcAft>
-                <a:spcPts val="0"/>
-              </a:spcAft>
-              <a:defRPr lang="ru-RU" sz="1800" b="0" i="0" u="none" strike="noStrike" cap="none" spc="0">
-                <a:solidFill>
-                  <a:srgbClr val="000000"/>
-                </a:solidFill>
-                <a:latin typeface="Arial" panose="020B0604020202020204"/>
-                <a:ea typeface="Arial" panose="020B0604020202020204"/>
-                <a:cs typeface="Arial" panose="020B0604020202020204"/>
-              </a:defRPr>
-            </a:pPr>
-            <a:r>
-              <a:rPr lang="ru-RU" sz="3200">
-                <a:solidFill>
-                  <a:srgbClr val="CDD6F4"/>
-                </a:solidFill>
-                <a:latin typeface="Arial" panose="020B0604020202020204" pitchFamily="34" charset="0"/>
-                <a:ea typeface="Tahoma" panose="020B0604030504040204"/>
-                <a:cs typeface="Arial" panose="020B0604020202020204" pitchFamily="34" charset="0"/>
-                <a:sym typeface="+mn-ea"/>
-              </a:rPr>
-              <a:t>КРАТКОЕ ОПИСАНИЕ</a:t>
-            </a:r>
-            <a:r>
-              <a:rPr lang="en-NZ" sz="3200">
-                <a:solidFill>
-                  <a:srgbClr val="CDD6F4"/>
-                </a:solidFill>
-                <a:latin typeface="Arial" panose="020B0604020202020204" pitchFamily="34" charset="0"/>
-                <a:ea typeface="Tahoma" panose="020B0604030504040204"/>
-                <a:cs typeface="Arial" panose="020B0604020202020204" pitchFamily="34" charset="0"/>
-                <a:sym typeface="+mn-ea"/>
+          <a:lstStyle/>
+          <a:p>
+            <a:pPr algn="ctr"/>
+            <a:r>
+              <a:rPr lang="ru-RU" altLang="ru-RU" sz="2800" dirty="0">
+                <a:solidFill>
+                  <a:srgbClr val="B4BEFE"/>
+                </a:solidFill>
+              </a:rPr>
+              <a:t>ТЕМА</a:t>
+            </a:r>
+            <a:r>
+              <a:rPr lang="en-US" altLang="ru-RU" sz="2800" dirty="0">
+                <a:solidFill>
+                  <a:srgbClr val="B4BEFE"/>
+                </a:solidFill>
               </a:rPr>
               <a:t>: </a:t>
             </a:r>
             <a:r>
-              <a:rPr lang="en-US" sz="3200">
-                <a:solidFill>
-                  <a:srgbClr val="CDD6F4"/>
-                </a:solidFill>
-                <a:latin typeface="Arial" panose="020B0604020202020204" pitchFamily="34" charset="0"/>
-                <a:ea typeface="Tahoma" panose="020B0604030504040204"/>
-                <a:cs typeface="Arial" panose="020B0604020202020204" pitchFamily="34" charset="0"/>
-                <a:sym typeface="+mn-ea"/>
-                <a:hlinkClick r:id="rId1" tooltip="" action="ppaction://hlinksldjump">
-                  <a:extLst>
-                    <a:ext uri="{DAF060AB-1E55-43B9-8AAB-6FB025537F2F}">
-                      <wpsdc:hlinkClr xmlns:wpsdc="http://www.wps.cn/officeDocument/2017/drawingmlCustomData" val="F5E0DC"/>
-                      <wpsdc:folHlinkClr xmlns:wpsdc="http://www.wps.cn/officeDocument/2017/drawingmlCustomData" val="F5E0DC"/>
-                      <wpsdc:hlinkUnderline xmlns:wpsdc="http://www.wps.cn/officeDocument/2017/drawingmlCustomData" val="0"/>
-                    </a:ext>
-                  </a:extLst>
-                </a:hlinkClick>
-              </a:rPr>
-              <a:t>&gt;Слайд 2&lt;</a:t>
-            </a:r>
-            <a:endParaRPr lang="ru-RU" altLang="en-US" sz="3200">
-              <a:latin typeface="Arial" panose="020B0604020202020204" pitchFamily="34" charset="0"/>
-              <a:cs typeface="Arial" panose="020B0604020202020204" pitchFamily="34" charset="0"/>
-            </a:endParaRPr>
-          </a:p>
-        </p:txBody>
-      </p:sp>
-      <p:sp>
-        <p:nvSpPr>
-          <p:cNvPr id="1305066412" name="Скругленный прямоугольник 1305066411"/>
-          <p:cNvSpPr/>
-          <p:nvPr/>
-        </p:nvSpPr>
-        <p:spPr bwMode="auto">
-          <a:xfrm>
-            <a:off x="295910" y="3245485"/>
-            <a:ext cx="3255010" cy="798830"/>
-          </a:xfrm>
-          <a:prstGeom prst="roundRect">
-            <a:avLst>
-              <a:gd name="adj" fmla="val 50000"/>
-            </a:avLst>
-          </a:prstGeom>
-          <a:solidFill>
-            <a:srgbClr val="313244"/>
-          </a:solidFill>
-          <a:ln w="12700" cap="flat" cmpd="sng" algn="ctr">
-            <a:noFill/>
-            <a:prstDash val="solid"/>
-            <a:miter lim="800000"/>
-          </a:ln>
-        </p:spPr>
-        <p:style>
-          <a:lnRef idx="2">
-            <a:schemeClr val="accent1">
-              <a:shade val="50000"/>
-            </a:schemeClr>
-          </a:lnRef>
-          <a:fillRef idx="1">
-            <a:schemeClr val="accent1"/>
-          </a:fillRef>
-          <a:effectRef idx="0">
-            <a:schemeClr val="accent1"/>
-          </a:effectRef>
-          <a:fontRef idx="minor">
-            <a:schemeClr val="lt1"/>
-          </a:fontRef>
-        </p:style>
-        <p:txBody>
-          <a:bodyPr/>
-          <a:p>
-            <a:pPr algn="ctr"/>
-            <a:r>
-              <a:rPr lang="ru-RU" altLang="ru-RU" sz="3200">
-                <a:solidFill>
-                  <a:srgbClr val="CDD6F4"/>
-                </a:solidFill>
-              </a:rPr>
-              <a:t>ТЕМА</a:t>
-            </a:r>
-            <a:r>
-              <a:rPr lang="en-US" altLang="ru-RU" sz="3200">
-                <a:solidFill>
-                  <a:srgbClr val="CDD6F4"/>
-                </a:solidFill>
-              </a:rPr>
-              <a:t>: </a:t>
-            </a:r>
-            <a:r>
-              <a:rPr lang="ru-RU" altLang="ru-RU" sz="3200">
-                <a:solidFill>
-                  <a:srgbClr val="CDD6F4"/>
+              <a:rPr lang="ru-RU" altLang="ru-RU" sz="2800" dirty="0">
+                <a:solidFill>
+                  <a:srgbClr val="B4BEFE"/>
                 </a:solidFill>
               </a:rPr>
               <a:t>ИГРА</a:t>
             </a:r>
-            <a:endParaRPr lang="ru-RU" altLang="ru-RU" sz="3200">
-              <a:solidFill>
-                <a:srgbClr val="CDD6F4"/>
-              </a:solidFill>
-            </a:endParaRPr>
           </a:p>
         </p:txBody>
       </p:sp>
@@ -4115,8 +4831,8 @@
         </p:nvSpPr>
         <p:spPr bwMode="auto">
           <a:xfrm>
-            <a:off x="295275" y="4271010"/>
-            <a:ext cx="11544935" cy="798195"/>
+            <a:off x="2825274" y="5182614"/>
+            <a:ext cx="9116568" cy="798195"/>
           </a:xfrm>
           <a:prstGeom prst="roundRect">
             <a:avLst>
@@ -4150,14 +4866,15 @@
         </p:style>
         <p:txBody>
           <a:bodyPr/>
+          <a:lstStyle/>
           <a:p>
             <a:pPr algn="ctr">
               <a:defRPr/>
             </a:pPr>
             <a:r>
-              <a:rPr lang="ru-RU" sz="3200">
-                <a:solidFill>
-                  <a:srgbClr val="CDD6F4"/>
+              <a:rPr lang="ru-RU" sz="2800" dirty="0">
+                <a:solidFill>
+                  <a:srgbClr val="A6E3A1"/>
                 </a:solidFill>
                 <a:latin typeface="Arial" panose="020B0604020202020204" pitchFamily="34" charset="0"/>
                 <a:ea typeface="Tahoma" panose="020B0604030504040204"/>
@@ -4167,9 +4884,9 @@
               <a:t>АВТОР</a:t>
             </a:r>
             <a:r>
-              <a:rPr lang="en-NZ" sz="3200">
-                <a:solidFill>
-                  <a:srgbClr val="CDD6F4"/>
+              <a:rPr lang="en-NZ" sz="2800" dirty="0">
+                <a:solidFill>
+                  <a:srgbClr val="A6E3A1"/>
                 </a:solidFill>
                 <a:latin typeface="Arial" panose="020B0604020202020204" pitchFamily="34" charset="0"/>
                 <a:ea typeface="Tahoma" panose="020B0604030504040204"/>
@@ -4179,9 +4896,9 @@
               <a:t>: </a:t>
             </a:r>
             <a:r>
-              <a:rPr lang="ru-RU" sz="3200">
-                <a:solidFill>
-                  <a:srgbClr val="CDD6F4"/>
+              <a:rPr lang="ru-RU" sz="2800" dirty="0">
+                <a:solidFill>
+                  <a:srgbClr val="A6E3A1"/>
                 </a:solidFill>
                 <a:latin typeface="Arial" panose="020B0604020202020204" pitchFamily="34" charset="0"/>
                 <a:ea typeface="Tahoma" panose="020B0604030504040204"/>
@@ -4190,7 +4907,10 @@
               </a:rPr>
               <a:t>МЕХОНОШИН ЛЕОНИД АЛЕКСАНДРОВИЧ</a:t>
             </a:r>
-            <a:endParaRPr sz="3200">
+            <a:endParaRPr sz="2800" dirty="0">
+              <a:solidFill>
+                <a:srgbClr val="A6E3A1"/>
+              </a:solidFill>
               <a:latin typeface="Arial" panose="020B0604020202020204" pitchFamily="34" charset="0"/>
               <a:cs typeface="Arial" panose="020B0604020202020204" pitchFamily="34" charset="0"/>
             </a:endParaRPr>
@@ -4202,14 +4922,16 @@
   <p:clrMapOvr>
     <a:masterClrMapping/>
   </p:clrMapOvr>
-  <mc:AlternateContent xmlns:mc="http://schemas.openxmlformats.org/markup-compatibility/2006">
-    <mc:Choice xmlns:p14="http://schemas.microsoft.com/office/powerpoint/2010/main" Requires="p14">
-      <p:transition p14:dur="2000"/>
-    </mc:Choice>
-    <mc:Fallback>
-      <p:transition/>
-    </mc:Fallback>
-  </mc:AlternateContent>
+  <p:transition>
+    <p:push dir="u"/>
+  </p:transition>
+  <p:timing>
+    <p:tnLst>
+      <p:par>
+        <p:cTn id="1" dur="indefinite" restart="never" nodeType="tmRoot"/>
+      </p:par>
+    </p:tnLst>
+  </p:timing>
 </p:sld>
 </file>
 
@@ -4246,7 +4968,7 @@
         </p:nvSpPr>
         <p:spPr bwMode="auto">
           <a:xfrm>
-            <a:off x="211455" y="241935"/>
+            <a:off x="245745" y="241935"/>
             <a:ext cx="11700510" cy="4653280"/>
           </a:xfrm>
           <a:prstGeom prst="roundRect">
@@ -4281,14 +5003,15 @@
         </p:style>
         <p:txBody>
           <a:bodyPr/>
+          <a:lstStyle/>
           <a:p>
             <a:pPr algn="just">
               <a:defRPr/>
             </a:pPr>
             <a:r>
-              <a:rPr lang="ru-RU" sz="2800">
-                <a:solidFill>
-                  <a:srgbClr val="F2CDCD"/>
+              <a:rPr lang="ru-RU" sz="2800" dirty="0">
+                <a:solidFill>
+                  <a:srgbClr val="FAB387"/>
                 </a:solidFill>
                 <a:latin typeface="Arial" panose="020B0604020202020204" pitchFamily="34" charset="0"/>
                 <a:ea typeface="Tahoma" panose="020B0604030504040204"/>
@@ -4298,9 +5021,9 @@
               <a:t>КРАТКОЕ ОПИСАНИЕ</a:t>
             </a:r>
             <a:r>
-              <a:rPr lang="en-NZ" sz="2800">
-                <a:solidFill>
-                  <a:srgbClr val="F2CDCD"/>
+              <a:rPr lang="en-NZ" sz="2800" dirty="0">
+                <a:solidFill>
+                  <a:srgbClr val="FAB387"/>
                 </a:solidFill>
                 <a:latin typeface="Arial" panose="020B0604020202020204" pitchFamily="34" charset="0"/>
                 <a:ea typeface="Tahoma" panose="020B0604030504040204"/>
@@ -4309,9 +5032,9 @@
               </a:rPr>
               <a:t>: </a:t>
             </a:r>
-            <a:endParaRPr sz="2800" cap="all">
+            <a:endParaRPr sz="2800" cap="all" dirty="0">
               <a:solidFill>
-                <a:srgbClr val="F2CDCD"/>
+                <a:srgbClr val="FAB387"/>
               </a:solidFill>
               <a:latin typeface="Arial" panose="020B0604020202020204" pitchFamily="34" charset="0"/>
               <a:ea typeface="Tahoma" panose="020B0604030504040204"/>
@@ -4323,9 +5046,9 @@
               <a:defRPr/>
             </a:pPr>
             <a:r>
-              <a:rPr lang="ru-RU" sz="2800" cap="all">
-                <a:solidFill>
-                  <a:srgbClr val="F2CDCD"/>
+              <a:rPr lang="ru-RU" sz="2800" cap="all" dirty="0">
+                <a:solidFill>
+                  <a:srgbClr val="FAB387"/>
                 </a:solidFill>
                 <a:latin typeface="Arial" panose="020B0604020202020204" pitchFamily="34" charset="0"/>
                 <a:ea typeface="Tahoma" panose="020B0604030504040204"/>
@@ -4335,9 +5058,9 @@
               <a:t>При запуске игра генерирует количество монет от 0 до значения</a:t>
             </a:r>
             <a:r>
-              <a:rPr lang="en-NZ" sz="2800" cap="all">
-                <a:solidFill>
-                  <a:srgbClr val="F2CDCD"/>
+              <a:rPr lang="en-NZ" sz="2800" cap="all" dirty="0">
+                <a:solidFill>
+                  <a:srgbClr val="FAB387"/>
                 </a:solidFill>
                 <a:latin typeface="Arial" panose="020B0604020202020204" pitchFamily="34" charset="0"/>
                 <a:ea typeface="Tahoma" panose="020B0604030504040204"/>
@@ -4347,44 +5070,80 @@
               <a:t>,</a:t>
             </a:r>
             <a:r>
-              <a:rPr lang="ru-RU" sz="2800" cap="all">
-                <a:solidFill>
-                  <a:srgbClr val="F2CDCD"/>
+              <a:rPr lang="ru-RU" sz="2800" cap="all" dirty="0">
+                <a:solidFill>
+                  <a:srgbClr val="FAB387"/>
                 </a:solidFill>
                 <a:latin typeface="Arial" panose="020B0604020202020204" pitchFamily="34" charset="0"/>
                 <a:ea typeface="Tahoma" panose="020B0604030504040204"/>
                 <a:cs typeface="Arial" panose="020B0604020202020204" pitchFamily="34" charset="0"/>
                 <a:sym typeface="+mn-ea"/>
               </a:rPr>
-              <a:t> введёное пользователем</a:t>
-            </a:r>
-            <a:r>
-              <a:rPr lang="en-NZ" sz="2800" cap="all">
-                <a:solidFill>
-                  <a:srgbClr val="F2CDCD"/>
+              <a:t> </a:t>
+            </a:r>
+            <a:r>
+              <a:rPr lang="ru-RU" sz="2800" cap="all" dirty="0" err="1" smtClean="0">
+                <a:solidFill>
+                  <a:srgbClr val="FAB387"/>
                 </a:solidFill>
                 <a:latin typeface="Arial" panose="020B0604020202020204" pitchFamily="34" charset="0"/>
                 <a:ea typeface="Tahoma" panose="020B0604030504040204"/>
                 <a:cs typeface="Arial" panose="020B0604020202020204" pitchFamily="34" charset="0"/>
                 <a:sym typeface="+mn-ea"/>
               </a:rPr>
-              <a:t>, </a:t>
-            </a:r>
-            <a:r>
-              <a:rPr lang="ru-RU" sz="2800" cap="all">
-                <a:solidFill>
-                  <a:srgbClr val="F2CDCD"/>
+              <a:t>введёноГО</a:t>
+            </a:r>
+            <a:r>
+              <a:rPr lang="ru-RU" sz="2800" cap="all" dirty="0" smtClean="0">
+                <a:solidFill>
+                  <a:srgbClr val="FAB387"/>
                 </a:solidFill>
                 <a:latin typeface="Arial" panose="020B0604020202020204" pitchFamily="34" charset="0"/>
                 <a:ea typeface="Tahoma" panose="020B0604030504040204"/>
                 <a:cs typeface="Arial" panose="020B0604020202020204" pitchFamily="34" charset="0"/>
                 <a:sym typeface="+mn-ea"/>
               </a:rPr>
+              <a:t> </a:t>
+            </a:r>
+            <a:r>
+              <a:rPr lang="ru-RU" sz="2800" cap="all" dirty="0">
+                <a:solidFill>
+                  <a:srgbClr val="FAB387"/>
+                </a:solidFill>
+                <a:latin typeface="Arial" panose="020B0604020202020204" pitchFamily="34" charset="0"/>
+                <a:ea typeface="Tahoma" panose="020B0604030504040204"/>
+                <a:cs typeface="Arial" panose="020B0604020202020204" pitchFamily="34" charset="0"/>
+                <a:sym typeface="+mn-ea"/>
+              </a:rPr>
+              <a:t>пользователем</a:t>
+            </a:r>
+            <a:r>
+              <a:rPr lang="en-NZ" sz="2800" cap="all" dirty="0">
+                <a:solidFill>
+                  <a:srgbClr val="FAB387"/>
+                </a:solidFill>
+                <a:latin typeface="Arial" panose="020B0604020202020204" pitchFamily="34" charset="0"/>
+                <a:ea typeface="Tahoma" panose="020B0604030504040204"/>
+                <a:cs typeface="Arial" panose="020B0604020202020204" pitchFamily="34" charset="0"/>
+                <a:sym typeface="+mn-ea"/>
+              </a:rPr>
+              <a:t>, </a:t>
+            </a:r>
+            <a:r>
+              <a:rPr lang="ru-RU" sz="2800" cap="all" dirty="0">
+                <a:solidFill>
+                  <a:srgbClr val="FAB387"/>
+                </a:solidFill>
+                <a:latin typeface="Arial" panose="020B0604020202020204" pitchFamily="34" charset="0"/>
+                <a:ea typeface="Tahoma" panose="020B0604030504040204"/>
+                <a:cs typeface="Arial" panose="020B0604020202020204" pitchFamily="34" charset="0"/>
+                <a:sym typeface="+mn-ea"/>
+              </a:rPr>
               <a:t>потом игра просит ввести Скорость мяча и ускорение мяча при сборе монеты. </a:t>
             </a:r>
-            <a:endParaRPr sz="2800" cap="all">
+            <a:endParaRPr sz="2800" cap="all" dirty="0">
               <a:solidFill>
-                <a:srgbClr val="F2CDCD"/>
+                <a:srgbClr val="FAB387"/>
               </a:solidFill>
               <a:latin typeface="Arial" panose="020B0604020202020204" pitchFamily="34" charset="0"/>
               <a:ea typeface="Tahoma" panose="020B0604030504040204"/>
@@ -4396,7 +5155,7 @@
               <a:defRPr/>
             </a:pPr>
             <a:r>
-              <a:rPr lang="ru-RU" sz="2800" cap="all">
+              <a:rPr lang="ru-RU" sz="2800" cap="all" dirty="0">
                 <a:solidFill>
                   <a:srgbClr val="F2CDCD"/>
                 </a:solidFill>
@@ -4405,10 +5164,10 @@
                 <a:cs typeface="Arial" panose="020B0604020202020204" pitchFamily="34" charset="0"/>
                 <a:sym typeface="+mn-ea"/>
               </a:rPr>
-              <a:t>Мяч двигается по диагонали и собирает рандомное количество монет. Направление мяча по </a:t>
-            </a:r>
-            <a:r>
-              <a:rPr lang="en-NZ" sz="2800" cap="all">
+              <a:t>Мяч двигается по диагонали и собирает </a:t>
+            </a:r>
+            <a:r>
+              <a:rPr lang="ru-RU" sz="2800" cap="all" dirty="0" err="1">
                 <a:solidFill>
                   <a:srgbClr val="F2CDCD"/>
                 </a:solidFill>
@@ -4417,10 +5176,10 @@
                 <a:cs typeface="Arial" panose="020B0604020202020204" pitchFamily="34" charset="0"/>
                 <a:sym typeface="+mn-ea"/>
               </a:rPr>
-              <a:t>x </a:t>
-            </a:r>
-            <a:r>
-              <a:rPr lang="ru-RU" sz="2800" cap="all">
+              <a:t>рандомное</a:t>
+            </a:r>
+            <a:r>
+              <a:rPr lang="ru-RU" sz="2800" cap="all" dirty="0">
                 <a:solidFill>
                   <a:srgbClr val="F2CDCD"/>
                 </a:solidFill>
@@ -4429,10 +5188,10 @@
                 <a:cs typeface="Arial" panose="020B0604020202020204" pitchFamily="34" charset="0"/>
                 <a:sym typeface="+mn-ea"/>
               </a:rPr>
-              <a:t>и </a:t>
-            </a:r>
-            <a:r>
-              <a:rPr lang="en-NZ" sz="2800" cap="all">
+              <a:t> количество монет. Направление мяча по </a:t>
+            </a:r>
+            <a:r>
+              <a:rPr lang="en-NZ" sz="2800" cap="all" dirty="0">
                 <a:solidFill>
                   <a:srgbClr val="F2CDCD"/>
                 </a:solidFill>
@@ -4441,10 +5200,10 @@
                 <a:cs typeface="Arial" panose="020B0604020202020204" pitchFamily="34" charset="0"/>
                 <a:sym typeface="+mn-ea"/>
               </a:rPr>
-              <a:t>y </a:t>
-            </a:r>
-            <a:r>
-              <a:rPr lang="ru-RU" sz="2800" cap="all">
+              <a:t>x </a:t>
+            </a:r>
+            <a:r>
+              <a:rPr lang="ru-RU" sz="2800" cap="all" dirty="0">
                 <a:solidFill>
                   <a:srgbClr val="F2CDCD"/>
                 </a:solidFill>
@@ -4453,10 +5212,10 @@
                 <a:cs typeface="Arial" panose="020B0604020202020204" pitchFamily="34" charset="0"/>
                 <a:sym typeface="+mn-ea"/>
               </a:rPr>
-              <a:t>можно изменять при помощи клавиш </a:t>
-            </a:r>
-            <a:r>
-              <a:rPr lang="en-NZ" sz="2800" cap="all">
+              <a:t>и </a:t>
+            </a:r>
+            <a:r>
+              <a:rPr lang="en-NZ" sz="2800" cap="all" dirty="0">
                 <a:solidFill>
                   <a:srgbClr val="F2CDCD"/>
                 </a:solidFill>
@@ -4465,10 +5224,10 @@
                 <a:cs typeface="Arial" panose="020B0604020202020204" pitchFamily="34" charset="0"/>
                 <a:sym typeface="+mn-ea"/>
               </a:rPr>
-              <a:t>UP, Down, left, right. </a:t>
-            </a:r>
-            <a:r>
-              <a:rPr lang="ru-RU" sz="2800" cap="all">
+              <a:t>y </a:t>
+            </a:r>
+            <a:r>
+              <a:rPr lang="ru-RU" sz="2800" cap="all" dirty="0">
                 <a:solidFill>
                   <a:srgbClr val="F2CDCD"/>
                 </a:solidFill>
@@ -4477,10 +5236,10 @@
                 <a:cs typeface="Arial" panose="020B0604020202020204" pitchFamily="34" charset="0"/>
                 <a:sym typeface="+mn-ea"/>
               </a:rPr>
-              <a:t>Если мяч залетит за пределы окна,</a:t>
-            </a:r>
-            <a:r>
-              <a:rPr lang="en-NZ" sz="2800" cap="all">
+              <a:t>можно изменять при помощи клавиш </a:t>
+            </a:r>
+            <a:r>
+              <a:rPr lang="en-NZ" sz="2800" cap="all" dirty="0">
                 <a:solidFill>
                   <a:srgbClr val="F2CDCD"/>
                 </a:solidFill>
@@ -4489,10 +5248,10 @@
                 <a:cs typeface="Arial" panose="020B0604020202020204" pitchFamily="34" charset="0"/>
                 <a:sym typeface="+mn-ea"/>
               </a:rPr>
-              <a:t> </a:t>
-            </a:r>
-            <a:r>
-              <a:rPr lang="ru-RU" sz="2800" cap="all">
+              <a:t>UP, Down, left, right. </a:t>
+            </a:r>
+            <a:r>
+              <a:rPr lang="ru-RU" sz="2800" cap="all" dirty="0">
                 <a:solidFill>
                   <a:srgbClr val="F2CDCD"/>
                 </a:solidFill>
@@ -4501,10 +5260,10 @@
                 <a:cs typeface="Arial" panose="020B0604020202020204" pitchFamily="34" charset="0"/>
                 <a:sym typeface="+mn-ea"/>
               </a:rPr>
-              <a:t>то вы проиграли. Если все монеты собраны</a:t>
-            </a:r>
-            <a:r>
-              <a:rPr lang="en-NZ" sz="2800" cap="all">
+              <a:t>Если мяч залетит за пределы окна,</a:t>
+            </a:r>
+            <a:r>
+              <a:rPr lang="en-NZ" sz="2800" cap="all" dirty="0">
                 <a:solidFill>
                   <a:srgbClr val="F2CDCD"/>
                 </a:solidFill>
@@ -4513,10 +5272,10 @@
                 <a:cs typeface="Arial" panose="020B0604020202020204" pitchFamily="34" charset="0"/>
                 <a:sym typeface="+mn-ea"/>
               </a:rPr>
-              <a:t>, т</a:t>
-            </a:r>
-            <a:r>
-              <a:rPr lang="ru-RU" sz="2800" cap="all">
+              <a:t> </a:t>
+            </a:r>
+            <a:r>
+              <a:rPr lang="ru-RU" sz="2800" cap="all" dirty="0">
                 <a:solidFill>
                   <a:srgbClr val="F2CDCD"/>
                 </a:solidFill>
@@ -4525,21 +5284,45 @@
                 <a:cs typeface="Arial" panose="020B0604020202020204" pitchFamily="34" charset="0"/>
                 <a:sym typeface="+mn-ea"/>
               </a:rPr>
-              <a:t>о вы выиграли.</a:t>
-            </a:r>
-            <a:r>
-              <a:rPr lang="ru-RU" sz="2800" cap="all">
-                <a:solidFill>
-                  <a:srgbClr val="CDD6F4"/>
+              <a:t>то вы проиграли. Если все монеты собраны</a:t>
+            </a:r>
+            <a:r>
+              <a:rPr lang="en-NZ" sz="2800" cap="all" dirty="0">
+                <a:solidFill>
+                  <a:srgbClr val="F2CDCD"/>
                 </a:solidFill>
                 <a:latin typeface="Arial" panose="020B0604020202020204" pitchFamily="34" charset="0"/>
                 <a:ea typeface="Tahoma" panose="020B0604030504040204"/>
                 <a:cs typeface="Arial" panose="020B0604020202020204" pitchFamily="34" charset="0"/>
                 <a:sym typeface="+mn-ea"/>
               </a:rPr>
+              <a:t>, т</a:t>
+            </a:r>
+            <a:r>
+              <a:rPr lang="ru-RU" sz="2800" cap="all" dirty="0">
+                <a:solidFill>
+                  <a:srgbClr val="F2CDCD"/>
+                </a:solidFill>
+                <a:latin typeface="Arial" panose="020B0604020202020204" pitchFamily="34" charset="0"/>
+                <a:ea typeface="Tahoma" panose="020B0604030504040204"/>
+                <a:cs typeface="Arial" panose="020B0604020202020204" pitchFamily="34" charset="0"/>
+                <a:sym typeface="+mn-ea"/>
+              </a:rPr>
+              <a:t>о вы выиграли.</a:t>
+            </a:r>
+            <a:r>
+              <a:rPr lang="ru-RU" sz="2800" cap="all" dirty="0">
+                <a:solidFill>
+                  <a:srgbClr val="CDD6F4"/>
+                </a:solidFill>
+                <a:latin typeface="Arial" panose="020B0604020202020204" pitchFamily="34" charset="0"/>
+                <a:ea typeface="Tahoma" panose="020B0604030504040204"/>
+                <a:cs typeface="Arial" panose="020B0604020202020204" pitchFamily="34" charset="0"/>
+                <a:sym typeface="+mn-ea"/>
+              </a:rPr>
               <a:t> </a:t>
             </a:r>
-            <a:endParaRPr lang="ru-RU" altLang="en-US" sz="2800">
+            <a:endParaRPr lang="ru-RU" altLang="en-US" sz="2800" dirty="0">
               <a:latin typeface="Arial" panose="020B0604020202020204" pitchFamily="34" charset="0"/>
               <a:cs typeface="Arial" panose="020B0604020202020204" pitchFamily="34" charset="0"/>
             </a:endParaRPr>
@@ -4554,7 +5337,7 @@
         </p:nvSpPr>
         <p:spPr>
           <a:xfrm>
-            <a:off x="258445" y="5116195"/>
+            <a:off x="291783" y="5116195"/>
             <a:ext cx="11608435" cy="1449070"/>
           </a:xfrm>
           <a:prstGeom prst="roundRect">
@@ -4587,10 +5370,11 @@
         </p:style>
         <p:txBody>
           <a:bodyPr rtlCol="0" anchor="ctr"/>
+          <a:lstStyle/>
           <a:p>
             <a:pPr algn="ctr"/>
             <a:r>
-              <a:rPr lang="en-US" altLang="en-US" sz="3600">
+              <a:rPr lang="en-US" altLang="en-US" sz="3600" dirty="0" err="1">
                 <a:solidFill>
                   <a:srgbClr val="F2C5E7"/>
                 </a:solidFill>
@@ -4598,7 +5382,7 @@
               <a:t>Какие</a:t>
             </a:r>
             <a:r>
-              <a:rPr lang="en-US" altLang="ru-RU" sz="3600">
+              <a:rPr lang="en-US" altLang="ru-RU" sz="3600" dirty="0">
                 <a:solidFill>
                   <a:srgbClr val="F2C5E7"/>
                 </a:solidFill>
@@ -4606,7 +5390,7 @@
               <a:t> </a:t>
             </a:r>
             <a:r>
-              <a:rPr lang="en-US" altLang="en-US" sz="3600">
+              <a:rPr lang="en-US" altLang="en-US" sz="3600" dirty="0" err="1">
                 <a:solidFill>
                   <a:srgbClr val="F2C5E7"/>
                 </a:solidFill>
@@ -4614,7 +5398,7 @@
               <a:t>темы</a:t>
             </a:r>
             <a:r>
-              <a:rPr lang="en-US" altLang="ru-RU" sz="3600">
+              <a:rPr lang="en-US" altLang="ru-RU" sz="3600" dirty="0">
                 <a:solidFill>
                   <a:srgbClr val="F2C5E7"/>
                 </a:solidFill>
@@ -4622,7 +5406,7 @@
               <a:t> </a:t>
             </a:r>
             <a:r>
-              <a:rPr lang="en-US" altLang="en-US" sz="3600">
+              <a:rPr lang="en-US" altLang="en-US" sz="3600" dirty="0" err="1">
                 <a:solidFill>
                   <a:srgbClr val="F2C5E7"/>
                 </a:solidFill>
@@ -4630,7 +5414,7 @@
               <a:t>необходимы</a:t>
             </a:r>
             <a:r>
-              <a:rPr lang="en-US" altLang="ru-RU" sz="3600">
+              <a:rPr lang="en-US" altLang="ru-RU" sz="3600" dirty="0">
                 <a:solidFill>
                   <a:srgbClr val="F2C5E7"/>
                 </a:solidFill>
@@ -4638,7 +5422,7 @@
               <a:t> </a:t>
             </a:r>
             <a:r>
-              <a:rPr lang="en-US" altLang="en-US" sz="3600">
+              <a:rPr lang="en-US" altLang="en-US" sz="3600" dirty="0" err="1">
                 <a:solidFill>
                   <a:srgbClr val="F2C5E7"/>
                 </a:solidFill>
@@ -4646,7 +5430,7 @@
               <a:t>для</a:t>
             </a:r>
             <a:r>
-              <a:rPr lang="en-US" altLang="ru-RU" sz="3600">
+              <a:rPr lang="en-US" altLang="ru-RU" sz="3600" dirty="0">
                 <a:solidFill>
                   <a:srgbClr val="F2C5E7"/>
                 </a:solidFill>
@@ -4654,7 +5438,7 @@
               <a:t> </a:t>
             </a:r>
             <a:r>
-              <a:rPr lang="en-US" altLang="en-US" sz="3600">
+              <a:rPr lang="en-US" altLang="en-US" sz="3600" dirty="0" err="1">
                 <a:solidFill>
                   <a:srgbClr val="F2C5E7"/>
                 </a:solidFill>
@@ -4662,7 +5446,7 @@
               <a:t>реализации</a:t>
             </a:r>
             <a:r>
-              <a:rPr lang="en-US" altLang="ru-RU" sz="3600">
+              <a:rPr lang="en-US" altLang="ru-RU" sz="3600" dirty="0">
                 <a:solidFill>
                   <a:srgbClr val="F2C5E7"/>
                 </a:solidFill>
@@ -4670,23 +5454,39 @@
               <a:t>: </a:t>
             </a:r>
             <a:r>
-              <a:rPr lang="ru-RU" altLang="en-US" sz="3600">
+              <a:rPr lang="ru-RU" altLang="en-US" sz="3600" dirty="0">
                 <a:solidFill>
                   <a:srgbClr val="F2C5E7"/>
                 </a:solidFill>
               </a:rPr>
-              <a:t>язык програмирования </a:t>
-            </a:r>
-            <a:r>
-              <a:rPr lang="en-US" altLang="en-US" sz="3600">
+              <a:t>язык </a:t>
+            </a:r>
+            <a:r>
+              <a:rPr lang="ru-RU" altLang="en-US" sz="3600" dirty="0" err="1">
                 <a:solidFill>
                   <a:srgbClr val="F2C5E7"/>
                 </a:solidFill>
               </a:rPr>
+              <a:t>програмирования</a:t>
+            </a:r>
+            <a:r>
+              <a:rPr lang="ru-RU" altLang="en-US" sz="3600" dirty="0">
+                <a:solidFill>
+                  <a:srgbClr val="F2C5E7"/>
+                </a:solidFill>
+              </a:rPr>
+              <a:t> </a:t>
+            </a:r>
+            <a:r>
+              <a:rPr lang="en-US" altLang="en-US" sz="3600" dirty="0">
+                <a:solidFill>
+                  <a:srgbClr val="F2C5E7"/>
+                </a:solidFill>
+              </a:rPr>
               <a:t>“Python</a:t>
             </a:r>
             <a:r>
-              <a:rPr lang="en-US" altLang="ru-RU" sz="3600">
+              <a:rPr lang="en-US" altLang="ru-RU" sz="3600" dirty="0">
                 <a:solidFill>
                   <a:srgbClr val="F2C5E7"/>
                 </a:solidFill>
@@ -4694,7 +5494,7 @@
               <a:t>”; </a:t>
             </a:r>
             <a:r>
-              <a:rPr lang="ru-RU" altLang="ru-RU" sz="3600">
+              <a:rPr lang="ru-RU" altLang="ru-RU" sz="3600" dirty="0">
                 <a:solidFill>
                   <a:srgbClr val="F2C5E7"/>
                 </a:solidFill>
@@ -4702,18 +5502,29 @@
               <a:t>библиотека </a:t>
             </a:r>
             <a:r>
-              <a:rPr lang="en-US" altLang="ru-RU" sz="3600">
+              <a:rPr lang="en-US" altLang="ru-RU" sz="3600" dirty="0">
                 <a:solidFill>
                   <a:srgbClr val="F2C5E7"/>
                 </a:solidFill>
               </a:rPr>
-              <a:t>“Pygame”.</a:t>
-            </a:r>
-            <a:endParaRPr lang="en-US" altLang="ru-RU" sz="3600">
-              <a:solidFill>
-                <a:srgbClr val="F2C5E7"/>
-              </a:solidFill>
-            </a:endParaRPr>
+              <a:t>“</a:t>
+            </a:r>
+            <a:r>
+              <a:rPr lang="en-US" altLang="ru-RU" sz="3600" dirty="0" err="1">
+                <a:solidFill>
+                  <a:srgbClr val="F2C5E7"/>
+                </a:solidFill>
+              </a:rPr>
+              <a:t>Pygame</a:t>
+            </a:r>
+            <a:r>
+              <a:rPr lang="en-US" altLang="ru-RU" sz="3600" dirty="0">
+                <a:solidFill>
+                  <a:srgbClr val="F2C5E7"/>
+                </a:solidFill>
+              </a:rPr>
+              <a:t>”.</a:t>
+            </a:r>
           </a:p>
         </p:txBody>
       </p:sp>
@@ -4722,14 +5533,16 @@
   <p:clrMapOvr>
     <a:masterClrMapping/>
   </p:clrMapOvr>
-  <mc:AlternateContent xmlns:mc="http://schemas.openxmlformats.org/markup-compatibility/2006">
-    <mc:Choice xmlns:p14="http://schemas.microsoft.com/office/powerpoint/2010/main" Requires="p14">
-      <p:transition p14:dur="2000"/>
-    </mc:Choice>
-    <mc:Fallback>
-      <p:transition/>
-    </mc:Fallback>
-  </mc:AlternateContent>
+  <p:transition>
+    <p:push dir="u"/>
+  </p:transition>
+  <p:timing>
+    <p:tnLst>
+      <p:par>
+        <p:cTn id="1" dur="indefinite" restart="never" nodeType="tmRoot"/>
+      </p:par>
+    </p:tnLst>
+  </p:timing>
 </p:sld>
 </file>
 
@@ -4766,12 +5579,12 @@
         </p:nvSpPr>
         <p:spPr bwMode="auto">
           <a:xfrm>
-            <a:off x="211455" y="241935"/>
+            <a:off x="245745" y="303848"/>
             <a:ext cx="11700510" cy="6250305"/>
           </a:xfrm>
           <a:prstGeom prst="roundRect">
             <a:avLst>
-              <a:gd name="adj" fmla="val 4216"/>
+              <a:gd name="adj" fmla="val 9702"/>
             </a:avLst>
           </a:prstGeom>
           <a:solidFill>
@@ -4801,37 +5614,51 @@
         </p:style>
         <p:txBody>
           <a:bodyPr/>
+          <a:lstStyle/>
           <a:p>
             <a:pPr algn="just">
               <a:defRPr/>
             </a:pPr>
             <a:r>
-              <a:rPr lang="ru-RU" altLang="en-US" sz="2800">
+              <a:rPr lang="ru-RU" altLang="en-US" sz="2800" dirty="0">
                 <a:solidFill>
                   <a:srgbClr val="B4BEFE"/>
                 </a:solidFill>
                 <a:latin typeface="Arial" panose="020B0604020202020204" pitchFamily="34" charset="0"/>
                 <a:cs typeface="Arial" panose="020B0604020202020204" pitchFamily="34" charset="0"/>
               </a:rPr>
-              <a:t>Что примерно хотелось получить</a:t>
-            </a:r>
-            <a:r>
-              <a:rPr lang="en-US" altLang="en-US" sz="2800">
+              <a:t>Что </a:t>
+            </a:r>
+            <a:r>
+              <a:rPr lang="ru-RU" altLang="en-US" sz="2800" dirty="0" smtClean="0">
                 <a:solidFill>
                   <a:srgbClr val="B4BEFE"/>
                 </a:solidFill>
                 <a:latin typeface="Arial" panose="020B0604020202020204" pitchFamily="34" charset="0"/>
                 <a:cs typeface="Arial" panose="020B0604020202020204" pitchFamily="34" charset="0"/>
               </a:rPr>
+              <a:t>хотелось </a:t>
+            </a:r>
+            <a:r>
+              <a:rPr lang="ru-RU" altLang="en-US" sz="2800" dirty="0">
+                <a:solidFill>
+                  <a:srgbClr val="B4BEFE"/>
+                </a:solidFill>
+                <a:latin typeface="Arial" panose="020B0604020202020204" pitchFamily="34" charset="0"/>
+                <a:cs typeface="Arial" panose="020B0604020202020204" pitchFamily="34" charset="0"/>
+              </a:rPr>
+              <a:t>получить</a:t>
+            </a:r>
+            <a:r>
+              <a:rPr lang="en-US" altLang="en-US" sz="2800" dirty="0">
+                <a:solidFill>
+                  <a:srgbClr val="B4BEFE"/>
+                </a:solidFill>
+                <a:latin typeface="Arial" panose="020B0604020202020204" pitchFamily="34" charset="0"/>
+                <a:cs typeface="Arial" panose="020B0604020202020204" pitchFamily="34" charset="0"/>
+              </a:rPr>
               <a:t>:</a:t>
             </a:r>
-            <a:endParaRPr lang="en-US" altLang="en-US" sz="2800">
-              <a:solidFill>
-                <a:srgbClr val="B4BEFE"/>
-              </a:solidFill>
-              <a:latin typeface="Arial" panose="020B0604020202020204" pitchFamily="34" charset="0"/>
-              <a:cs typeface="Arial" panose="020B0604020202020204" pitchFamily="34" charset="0"/>
-            </a:endParaRPr>
           </a:p>
         </p:txBody>
       </p:sp>
@@ -4844,7 +5671,7 @@
           <p:nvPr/>
         </p:nvPicPr>
         <p:blipFill>
-          <a:blip r:embed="rId1"/>
+          <a:blip r:embed="rId3"/>
           <a:stretch>
             <a:fillRect/>
           </a:stretch>
@@ -4858,7 +5685,7 @@
             <a:avLst/>
           </a:prstGeom>
           <a:effectLst>
-            <a:glow rad="228600">
+            <a:glow rad="698500">
               <a:srgbClr val="F2CDCD">
                 <a:alpha val="40000"/>
               </a:srgbClr>
@@ -4871,14 +5698,1217 @@
   <p:clrMapOvr>
     <a:masterClrMapping/>
   </p:clrMapOvr>
-  <mc:AlternateContent xmlns:mc="http://schemas.openxmlformats.org/markup-compatibility/2006">
-    <mc:Choice xmlns:p14="http://schemas.microsoft.com/office/powerpoint/2010/main" Requires="p14">
-      <p:transition p14:dur="2000"/>
-    </mc:Choice>
-    <mc:Fallback>
-      <p:transition/>
-    </mc:Fallback>
-  </mc:AlternateContent>
+  <p:transition>
+    <p:push dir="u"/>
+  </p:transition>
+  <p:timing>
+    <p:tnLst>
+      <p:par>
+        <p:cTn id="1" dur="indefinite" restart="never" nodeType="tmRoot"/>
+      </p:par>
+    </p:tnLst>
+  </p:timing>
+</p:sld>
+</file>
+
+<file path=ppt/slides/slide4.xml><?xml version="1.0" encoding="utf-8"?>
+<p:sld xmlns:a="http://schemas.openxmlformats.org/drawingml/2006/main" xmlns:r="http://schemas.openxmlformats.org/officeDocument/2006/relationships" xmlns:p="http://schemas.openxmlformats.org/presentationml/2006/main" showMasterPhAnim="0">
+  <p:cSld>
+    <p:bg>
+      <p:bgPr>
+        <a:solidFill>
+          <a:srgbClr val="11111B"/>
+        </a:solidFill>
+        <a:effectLst/>
+      </p:bgPr>
+    </p:bg>
+    <p:spTree>
+      <p:nvGrpSpPr>
+        <p:cNvPr id="1" name=""/>
+        <p:cNvGrpSpPr/>
+        <p:nvPr/>
+      </p:nvGrpSpPr>
+      <p:grpSpPr bwMode="auto">
+        <a:xfrm>
+          <a:off x="0" y="0"/>
+          <a:ext cx="0" cy="0"/>
+          <a:chOff x="0" y="0"/>
+          <a:chExt cx="0" cy="0"/>
+        </a:xfrm>
+      </p:grpSpPr>
+      <p:sp>
+        <p:nvSpPr>
+          <p:cNvPr id="2017496384" name="Скругленный прямоугольник 2017496383"/>
+          <p:cNvSpPr/>
+          <p:nvPr/>
+        </p:nvSpPr>
+        <p:spPr bwMode="auto">
+          <a:xfrm>
+            <a:off x="245745" y="303848"/>
+            <a:ext cx="11700510" cy="6250305"/>
+          </a:xfrm>
+          <a:prstGeom prst="roundRect">
+            <a:avLst>
+              <a:gd name="adj" fmla="val 10464"/>
+            </a:avLst>
+          </a:prstGeom>
+          <a:solidFill>
+            <a:srgbClr val="313244"/>
+          </a:solidFill>
+          <a:ln w="12700" cap="flat" cmpd="sng" algn="ctr">
+            <a:noFill/>
+            <a:prstDash val="solid"/>
+            <a:miter lim="800000"/>
+          </a:ln>
+        </p:spPr>
+        <p:style>
+          <a:lnRef idx="2">
+            <a:schemeClr val="accent1">
+              <a:shade val="50000"/>
+            </a:schemeClr>
+          </a:lnRef>
+          <a:fillRef idx="1">
+            <a:schemeClr val="accent1"/>
+          </a:fillRef>
+          <a:effectRef idx="0">
+            <a:schemeClr val="accent1"/>
+          </a:effectRef>
+          <a:fontRef idx="minor">
+            <a:schemeClr val="lt1"/>
+          </a:fontRef>
+        </p:style>
+        <p:txBody>
+          <a:bodyPr/>
+          <a:lstStyle/>
+          <a:p>
+            <a:pPr algn="just">
+              <a:defRPr/>
+            </a:pPr>
+            <a:r>
+              <a:rPr lang="ru-RU" altLang="en-US" sz="2800" dirty="0">
+                <a:solidFill>
+                  <a:srgbClr val="F38BA8"/>
+                </a:solidFill>
+                <a:latin typeface="Arial" panose="020B0604020202020204" pitchFamily="34" charset="0"/>
+                <a:cs typeface="Arial" panose="020B0604020202020204" pitchFamily="34" charset="0"/>
+              </a:rPr>
+              <a:t>Что </a:t>
+            </a:r>
+            <a:r>
+              <a:rPr lang="ru-RU" altLang="en-US" sz="2800" dirty="0" smtClean="0">
+                <a:solidFill>
+                  <a:srgbClr val="F38BA8"/>
+                </a:solidFill>
+                <a:latin typeface="Arial" panose="020B0604020202020204" pitchFamily="34" charset="0"/>
+                <a:cs typeface="Arial" panose="020B0604020202020204" pitchFamily="34" charset="0"/>
+              </a:rPr>
+              <a:t>получилось</a:t>
+            </a:r>
+            <a:r>
+              <a:rPr lang="en-US" altLang="en-US" sz="2800" dirty="0" smtClean="0">
+                <a:solidFill>
+                  <a:srgbClr val="F38BA8"/>
+                </a:solidFill>
+                <a:latin typeface="Arial" panose="020B0604020202020204" pitchFamily="34" charset="0"/>
+                <a:cs typeface="Arial" panose="020B0604020202020204" pitchFamily="34" charset="0"/>
+              </a:rPr>
+              <a:t>:</a:t>
+            </a:r>
+            <a:endParaRPr lang="en-US" altLang="en-US" sz="2800" dirty="0">
+              <a:solidFill>
+                <a:srgbClr val="F38BA8"/>
+              </a:solidFill>
+              <a:latin typeface="Arial" panose="020B0604020202020204" pitchFamily="34" charset="0"/>
+              <a:cs typeface="Arial" panose="020B0604020202020204" pitchFamily="34" charset="0"/>
+            </a:endParaRPr>
+          </a:p>
+        </p:txBody>
+      </p:sp>
+      <p:pic>
+        <p:nvPicPr>
+          <p:cNvPr id="3" name="Изображение 2"/>
+          <p:cNvPicPr>
+            <a:picLocks noChangeAspect="1"/>
+          </p:cNvPicPr>
+          <p:nvPr/>
+        </p:nvPicPr>
+        <p:blipFill>
+          <a:blip r:embed="rId3">
+            <a:extLst>
+              <a:ext uri="{28A0092B-C50C-407E-A947-70E740481C1C}">
+                <a14:useLocalDpi xmlns:a14="http://schemas.microsoft.com/office/drawing/2010/main" val="0"/>
+              </a:ext>
+            </a:extLst>
+          </a:blip>
+          <a:stretch>
+            <a:fillRect/>
+          </a:stretch>
+        </p:blipFill>
+        <p:spPr>
+          <a:xfrm>
+            <a:off x="245745" y="1168124"/>
+            <a:ext cx="9575165" cy="5386029"/>
+          </a:xfrm>
+          <a:prstGeom prst="rect">
+            <a:avLst/>
+          </a:prstGeom>
+          <a:effectLst>
+            <a:glow rad="698500">
+              <a:srgbClr val="F2CDCD">
+                <a:alpha val="40000"/>
+              </a:srgbClr>
+            </a:glow>
+          </a:effectLst>
+        </p:spPr>
+      </p:pic>
+      <p:pic>
+        <p:nvPicPr>
+          <p:cNvPr id="2" name="Рисунок 1"/>
+          <p:cNvPicPr>
+            <a:picLocks noChangeAspect="1"/>
+          </p:cNvPicPr>
+          <p:nvPr/>
+        </p:nvPicPr>
+        <p:blipFill>
+          <a:blip r:embed="rId4">
+            <a:extLst>
+              <a:ext uri="{28A0092B-C50C-407E-A947-70E740481C1C}">
+                <a14:useLocalDpi xmlns:a14="http://schemas.microsoft.com/office/drawing/2010/main" val="0"/>
+              </a:ext>
+            </a:extLst>
+          </a:blip>
+          <a:stretch>
+            <a:fillRect/>
+          </a:stretch>
+        </p:blipFill>
+        <p:spPr>
+          <a:xfrm>
+            <a:off x="4144097" y="303848"/>
+            <a:ext cx="7819303" cy="3929824"/>
+          </a:xfrm>
+          <a:prstGeom prst="rect">
+            <a:avLst/>
+          </a:prstGeom>
+          <a:ln>
+            <a:noFill/>
+          </a:ln>
+          <a:effectLst>
+            <a:glow rad="698500">
+              <a:srgbClr val="F2CDCD">
+                <a:alpha val="40000"/>
+              </a:srgbClr>
+            </a:glow>
+            <a:outerShdw blurRad="190500" algn="tl" rotWithShape="0">
+              <a:srgbClr val="000000">
+                <a:alpha val="70000"/>
+              </a:srgbClr>
+            </a:outerShdw>
+          </a:effectLst>
+        </p:spPr>
+      </p:pic>
+    </p:spTree>
+    <p:extLst>
+      <p:ext uri="{BB962C8B-B14F-4D97-AF65-F5344CB8AC3E}">
+        <p14:creationId xmlns:p14="http://schemas.microsoft.com/office/powerpoint/2010/main" val="2205433408"/>
+      </p:ext>
+    </p:extLst>
+  </p:cSld>
+  <p:clrMapOvr>
+    <a:masterClrMapping/>
+  </p:clrMapOvr>
+  <p:transition>
+    <p:push dir="u"/>
+  </p:transition>
+  <p:timing>
+    <p:tnLst>
+      <p:par>
+        <p:cTn id="1" dur="indefinite" restart="never" nodeType="tmRoot">
+          <p:childTnLst>
+            <p:seq concurrent="1" nextAc="seek">
+              <p:cTn id="2" dur="indefinite" nodeType="mainSeq">
+                <p:childTnLst>
+                  <p:par>
+                    <p:cTn id="3" fill="hold">
+                      <p:stCondLst>
+                        <p:cond delay="indefinite"/>
+                        <p:cond evt="onBegin" delay="0">
+                          <p:tn val="2"/>
+                        </p:cond>
+                      </p:stCondLst>
+                      <p:childTnLst>
+                        <p:par>
+                          <p:cTn id="4" fill="hold">
+                            <p:stCondLst>
+                              <p:cond delay="0"/>
+                            </p:stCondLst>
+                            <p:childTnLst>
+                              <p:par>
+                                <p:cTn id="5" presetID="22" presetClass="entr" presetSubtype="4" fill="hold" nodeType="afterEffect">
+                                  <p:stCondLst>
+                                    <p:cond delay="0"/>
+                                  </p:stCondLst>
+                                  <p:childTnLst>
+                                    <p:set>
+                                      <p:cBhvr>
+                                        <p:cTn id="6" dur="1" fill="hold">
+                                          <p:stCondLst>
+                                            <p:cond delay="0"/>
+                                          </p:stCondLst>
+                                        </p:cTn>
+                                        <p:tgtEl>
+                                          <p:spTgt spid="2"/>
+                                        </p:tgtEl>
+                                        <p:attrNameLst>
+                                          <p:attrName>style.visibility</p:attrName>
+                                        </p:attrNameLst>
+                                      </p:cBhvr>
+                                      <p:to>
+                                        <p:strVal val="visible"/>
+                                      </p:to>
+                                    </p:set>
+                                    <p:animEffect transition="in" filter="wipe(down)">
+                                      <p:cBhvr>
+                                        <p:cTn id="7" dur="500"/>
+                                        <p:tgtEl>
+                                          <p:spTgt spid="2"/>
+                                        </p:tgtEl>
+                                      </p:cBhvr>
+                                    </p:animEffect>
+                                  </p:childTnLst>
+                                </p:cTn>
+                              </p:par>
+                            </p:childTnLst>
+                          </p:cTn>
+                        </p:par>
+                      </p:childTnLst>
+                    </p:cTn>
+                  </p:par>
+                </p:childTnLst>
+              </p:cTn>
+              <p:prevCondLst>
+                <p:cond evt="onPrev" delay="0">
+                  <p:tgtEl>
+                    <p:sldTgt/>
+                  </p:tgtEl>
+                </p:cond>
+              </p:prevCondLst>
+              <p:nextCondLst>
+                <p:cond evt="onNext" delay="0">
+                  <p:tgtEl>
+                    <p:sldTgt/>
+                  </p:tgtEl>
+                </p:cond>
+              </p:nextCondLst>
+            </p:seq>
+          </p:childTnLst>
+        </p:cTn>
+      </p:par>
+    </p:tnLst>
+  </p:timing>
+</p:sld>
+</file>
+
+<file path=ppt/slides/slide5.xml><?xml version="1.0" encoding="utf-8"?>
+<p:sld xmlns:a="http://schemas.openxmlformats.org/drawingml/2006/main" xmlns:r="http://schemas.openxmlformats.org/officeDocument/2006/relationships" xmlns:p="http://schemas.openxmlformats.org/presentationml/2006/main" showMasterPhAnim="0">
+  <p:cSld>
+    <p:bg>
+      <p:bgPr>
+        <a:solidFill>
+          <a:srgbClr val="11111B"/>
+        </a:solidFill>
+        <a:effectLst/>
+      </p:bgPr>
+    </p:bg>
+    <p:spTree>
+      <p:nvGrpSpPr>
+        <p:cNvPr id="1" name=""/>
+        <p:cNvGrpSpPr/>
+        <p:nvPr/>
+      </p:nvGrpSpPr>
+      <p:grpSpPr bwMode="auto">
+        <a:xfrm>
+          <a:off x="0" y="0"/>
+          <a:ext cx="0" cy="0"/>
+          <a:chOff x="0" y="0"/>
+          <a:chExt cx="0" cy="0"/>
+        </a:xfrm>
+      </p:grpSpPr>
+      <p:pic>
+        <p:nvPicPr>
+          <p:cNvPr id="3" name="Изображение 2"/>
+          <p:cNvPicPr>
+            <a:picLocks noChangeAspect="1"/>
+          </p:cNvPicPr>
+          <p:nvPr/>
+        </p:nvPicPr>
+        <p:blipFill>
+          <a:blip r:embed="rId3">
+            <a:extLst>
+              <a:ext uri="{28A0092B-C50C-407E-A947-70E740481C1C}">
+                <a14:useLocalDpi xmlns:a14="http://schemas.microsoft.com/office/drawing/2010/main" val="0"/>
+              </a:ext>
+            </a:extLst>
+          </a:blip>
+          <a:stretch>
+            <a:fillRect/>
+          </a:stretch>
+        </p:blipFill>
+        <p:spPr>
+          <a:xfrm>
+            <a:off x="3657600" y="0"/>
+            <a:ext cx="8534400" cy="6858000"/>
+          </a:xfrm>
+          <a:prstGeom prst="rect">
+            <a:avLst/>
+          </a:prstGeom>
+          <a:effectLst>
+            <a:glow rad="1905000">
+              <a:schemeClr val="bg2">
+                <a:lumMod val="50000"/>
+              </a:schemeClr>
+            </a:glow>
+          </a:effectLst>
+        </p:spPr>
+      </p:pic>
+      <p:sp>
+        <p:nvSpPr>
+          <p:cNvPr id="2017496384" name="Скругленный прямоугольник 2017496383"/>
+          <p:cNvSpPr/>
+          <p:nvPr/>
+        </p:nvSpPr>
+        <p:spPr bwMode="auto">
+          <a:xfrm>
+            <a:off x="193040" y="172720"/>
+            <a:ext cx="3180080" cy="1554480"/>
+          </a:xfrm>
+          <a:prstGeom prst="roundRect">
+            <a:avLst>
+              <a:gd name="adj" fmla="val 28195"/>
+            </a:avLst>
+          </a:prstGeom>
+          <a:solidFill>
+            <a:srgbClr val="313244"/>
+          </a:solidFill>
+          <a:ln w="12700" cap="flat" cmpd="sng" algn="ctr">
+            <a:noFill/>
+            <a:prstDash val="solid"/>
+            <a:miter lim="800000"/>
+          </a:ln>
+          <a:effectLst>
+            <a:reflection blurRad="76200" dir="5400000" sy="-100000" algn="bl" rotWithShape="0"/>
+          </a:effectLst>
+        </p:spPr>
+        <p:style>
+          <a:lnRef idx="2">
+            <a:schemeClr val="accent1">
+              <a:shade val="50000"/>
+            </a:schemeClr>
+          </a:lnRef>
+          <a:fillRef idx="1">
+            <a:schemeClr val="accent1"/>
+          </a:fillRef>
+          <a:effectRef idx="0">
+            <a:schemeClr val="accent1"/>
+          </a:effectRef>
+          <a:fontRef idx="minor">
+            <a:schemeClr val="lt1"/>
+          </a:fontRef>
+        </p:style>
+        <p:txBody>
+          <a:bodyPr/>
+          <a:lstStyle/>
+          <a:p>
+            <a:pPr algn="ctr">
+              <a:defRPr/>
+            </a:pPr>
+            <a:r>
+              <a:rPr lang="ru-RU" altLang="en-US" sz="4000" dirty="0" smtClean="0">
+                <a:solidFill>
+                  <a:srgbClr val="FAB387"/>
+                </a:solidFill>
+                <a:latin typeface="Arial" panose="020B0604020202020204" pitchFamily="34" charset="0"/>
+                <a:cs typeface="Arial" panose="020B0604020202020204" pitchFamily="34" charset="0"/>
+              </a:rPr>
+              <a:t>БЛОК</a:t>
+            </a:r>
+          </a:p>
+          <a:p>
+            <a:pPr algn="ctr">
+              <a:defRPr/>
+            </a:pPr>
+            <a:r>
+              <a:rPr lang="ru-RU" altLang="en-US" sz="4000" dirty="0" smtClean="0">
+                <a:solidFill>
+                  <a:srgbClr val="FAB387"/>
+                </a:solidFill>
+                <a:latin typeface="Arial" panose="020B0604020202020204" pitchFamily="34" charset="0"/>
+                <a:cs typeface="Arial" panose="020B0604020202020204" pitchFamily="34" charset="0"/>
+              </a:rPr>
+              <a:t>СХЕМА</a:t>
+            </a:r>
+            <a:endParaRPr lang="en-US" altLang="en-US" sz="4000" dirty="0">
+              <a:solidFill>
+                <a:srgbClr val="FAB387"/>
+              </a:solidFill>
+              <a:latin typeface="Arial" panose="020B0604020202020204" pitchFamily="34" charset="0"/>
+              <a:cs typeface="Arial" panose="020B0604020202020204" pitchFamily="34" charset="0"/>
+            </a:endParaRPr>
+          </a:p>
+        </p:txBody>
+      </p:sp>
+    </p:spTree>
+    <p:extLst>
+      <p:ext uri="{BB962C8B-B14F-4D97-AF65-F5344CB8AC3E}">
+        <p14:creationId xmlns:p14="http://schemas.microsoft.com/office/powerpoint/2010/main" val="805087272"/>
+      </p:ext>
+    </p:extLst>
+  </p:cSld>
+  <p:clrMapOvr>
+    <a:masterClrMapping/>
+  </p:clrMapOvr>
+  <p:transition>
+    <p:push dir="u"/>
+  </p:transition>
+  <p:timing>
+    <p:tnLst>
+      <p:par>
+        <p:cTn id="1" dur="indefinite" restart="never" nodeType="tmRoot">
+          <p:childTnLst>
+            <p:seq concurrent="1" nextAc="seek">
+              <p:cTn id="2" dur="indefinite" nodeType="mainSeq">
+                <p:childTnLst>
+                  <p:par>
+                    <p:cTn id="3" fill="hold">
+                      <p:stCondLst>
+                        <p:cond delay="indefinite"/>
+                        <p:cond evt="onBegin" delay="0">
+                          <p:tn val="2"/>
+                        </p:cond>
+                      </p:stCondLst>
+                      <p:childTnLst>
+                        <p:par>
+                          <p:cTn id="4" fill="hold">
+                            <p:stCondLst>
+                              <p:cond delay="0"/>
+                            </p:stCondLst>
+                            <p:childTnLst>
+                              <p:par>
+                                <p:cTn id="5" presetID="42" presetClass="entr" presetSubtype="0" fill="hold" grpId="0" nodeType="afterEffect">
+                                  <p:stCondLst>
+                                    <p:cond delay="0"/>
+                                  </p:stCondLst>
+                                  <p:childTnLst>
+                                    <p:set>
+                                      <p:cBhvr>
+                                        <p:cTn id="6" dur="1" fill="hold">
+                                          <p:stCondLst>
+                                            <p:cond delay="0"/>
+                                          </p:stCondLst>
+                                        </p:cTn>
+                                        <p:tgtEl>
+                                          <p:spTgt spid="2017496384"/>
+                                        </p:tgtEl>
+                                        <p:attrNameLst>
+                                          <p:attrName>style.visibility</p:attrName>
+                                        </p:attrNameLst>
+                                      </p:cBhvr>
+                                      <p:to>
+                                        <p:strVal val="visible"/>
+                                      </p:to>
+                                    </p:set>
+                                    <p:animEffect transition="in" filter="fade">
+                                      <p:cBhvr>
+                                        <p:cTn id="7" dur="500"/>
+                                        <p:tgtEl>
+                                          <p:spTgt spid="2017496384"/>
+                                        </p:tgtEl>
+                                      </p:cBhvr>
+                                    </p:animEffect>
+                                    <p:anim calcmode="lin" valueType="num">
+                                      <p:cBhvr>
+                                        <p:cTn id="8" dur="500" fill="hold"/>
+                                        <p:tgtEl>
+                                          <p:spTgt spid="2017496384"/>
+                                        </p:tgtEl>
+                                        <p:attrNameLst>
+                                          <p:attrName>ppt_x</p:attrName>
+                                        </p:attrNameLst>
+                                      </p:cBhvr>
+                                      <p:tavLst>
+                                        <p:tav tm="0">
+                                          <p:val>
+                                            <p:strVal val="#ppt_x"/>
+                                          </p:val>
+                                        </p:tav>
+                                        <p:tav tm="100000">
+                                          <p:val>
+                                            <p:strVal val="#ppt_x"/>
+                                          </p:val>
+                                        </p:tav>
+                                      </p:tavLst>
+                                    </p:anim>
+                                    <p:anim calcmode="lin" valueType="num">
+                                      <p:cBhvr>
+                                        <p:cTn id="9" dur="500" fill="hold"/>
+                                        <p:tgtEl>
+                                          <p:spTgt spid="2017496384"/>
+                                        </p:tgtEl>
+                                        <p:attrNameLst>
+                                          <p:attrName>ppt_y</p:attrName>
+                                        </p:attrNameLst>
+                                      </p:cBhvr>
+                                      <p:tavLst>
+                                        <p:tav tm="0">
+                                          <p:val>
+                                            <p:strVal val="#ppt_y+.1"/>
+                                          </p:val>
+                                        </p:tav>
+                                        <p:tav tm="100000">
+                                          <p:val>
+                                            <p:strVal val="#ppt_y"/>
+                                          </p:val>
+                                        </p:tav>
+                                      </p:tavLst>
+                                    </p:anim>
+                                  </p:childTnLst>
+                                </p:cTn>
+                              </p:par>
+                            </p:childTnLst>
+                          </p:cTn>
+                        </p:par>
+                        <p:par>
+                          <p:cTn id="10" fill="hold">
+                            <p:stCondLst>
+                              <p:cond delay="500"/>
+                            </p:stCondLst>
+                            <p:childTnLst>
+                              <p:par>
+                                <p:cTn id="11" presetID="22" presetClass="entr" presetSubtype="4" fill="hold" nodeType="afterEffect">
+                                  <p:stCondLst>
+                                    <p:cond delay="0"/>
+                                  </p:stCondLst>
+                                  <p:childTnLst>
+                                    <p:set>
+                                      <p:cBhvr>
+                                        <p:cTn id="12" dur="1" fill="hold">
+                                          <p:stCondLst>
+                                            <p:cond delay="0"/>
+                                          </p:stCondLst>
+                                        </p:cTn>
+                                        <p:tgtEl>
+                                          <p:spTgt spid="3"/>
+                                        </p:tgtEl>
+                                        <p:attrNameLst>
+                                          <p:attrName>style.visibility</p:attrName>
+                                        </p:attrNameLst>
+                                      </p:cBhvr>
+                                      <p:to>
+                                        <p:strVal val="visible"/>
+                                      </p:to>
+                                    </p:set>
+                                    <p:animEffect transition="in" filter="wipe(down)">
+                                      <p:cBhvr>
+                                        <p:cTn id="13" dur="500"/>
+                                        <p:tgtEl>
+                                          <p:spTgt spid="3"/>
+                                        </p:tgtEl>
+                                      </p:cBhvr>
+                                    </p:animEffect>
+                                  </p:childTnLst>
+                                </p:cTn>
+                              </p:par>
+                            </p:childTnLst>
+                          </p:cTn>
+                        </p:par>
+                      </p:childTnLst>
+                    </p:cTn>
+                  </p:par>
+                </p:childTnLst>
+              </p:cTn>
+              <p:prevCondLst>
+                <p:cond evt="onPrev" delay="0">
+                  <p:tgtEl>
+                    <p:sldTgt/>
+                  </p:tgtEl>
+                </p:cond>
+              </p:prevCondLst>
+              <p:nextCondLst>
+                <p:cond evt="onNext" delay="0">
+                  <p:tgtEl>
+                    <p:sldTgt/>
+                  </p:tgtEl>
+                </p:cond>
+              </p:nextCondLst>
+            </p:seq>
+          </p:childTnLst>
+        </p:cTn>
+      </p:par>
+    </p:tnLst>
+    <p:bldLst>
+      <p:bldP spid="2017496384" grpId="0" animBg="1"/>
+    </p:bldLst>
+  </p:timing>
+</p:sld>
+</file>
+
+<file path=ppt/slides/slide6.xml><?xml version="1.0" encoding="utf-8"?>
+<p:sld xmlns:a="http://schemas.openxmlformats.org/drawingml/2006/main" xmlns:r="http://schemas.openxmlformats.org/officeDocument/2006/relationships" xmlns:p="http://schemas.openxmlformats.org/presentationml/2006/main" showMasterPhAnim="0">
+  <p:cSld>
+    <p:bg>
+      <p:bgPr>
+        <a:solidFill>
+          <a:srgbClr val="11111B"/>
+        </a:solidFill>
+        <a:effectLst/>
+      </p:bgPr>
+    </p:bg>
+    <p:spTree>
+      <p:nvGrpSpPr>
+        <p:cNvPr id="1" name=""/>
+        <p:cNvGrpSpPr/>
+        <p:nvPr/>
+      </p:nvGrpSpPr>
+      <p:grpSpPr bwMode="auto">
+        <a:xfrm>
+          <a:off x="0" y="0"/>
+          <a:ext cx="0" cy="0"/>
+          <a:chOff x="0" y="0"/>
+          <a:chExt cx="0" cy="0"/>
+        </a:xfrm>
+      </p:grpSpPr>
+      <p:sp>
+        <p:nvSpPr>
+          <p:cNvPr id="2017496384" name="Скругленный прямоугольник 2017496383"/>
+          <p:cNvSpPr/>
+          <p:nvPr/>
+        </p:nvSpPr>
+        <p:spPr bwMode="auto">
+          <a:xfrm>
+            <a:off x="2095500" y="2358390"/>
+            <a:ext cx="8001000" cy="2141220"/>
+          </a:xfrm>
+          <a:prstGeom prst="roundRect">
+            <a:avLst>
+              <a:gd name="adj" fmla="val 11857"/>
+            </a:avLst>
+          </a:prstGeom>
+          <a:solidFill>
+            <a:srgbClr val="313244"/>
+          </a:solidFill>
+          <a:ln w="12700" cap="flat" cmpd="sng" algn="ctr">
+            <a:noFill/>
+            <a:prstDash val="solid"/>
+            <a:miter lim="800000"/>
+          </a:ln>
+          <a:effectLst>
+            <a:glow rad="1905000">
+              <a:srgbClr val="F9E2AF">
+                <a:alpha val="50000"/>
+              </a:srgbClr>
+            </a:glow>
+            <a:reflection blurRad="50800" stA="45000" dir="5400000" sy="-100000" algn="bl" rotWithShape="0"/>
+          </a:effectLst>
+        </p:spPr>
+        <p:style>
+          <a:lnRef idx="2">
+            <a:schemeClr val="accent1">
+              <a:shade val="50000"/>
+            </a:schemeClr>
+          </a:lnRef>
+          <a:fillRef idx="1">
+            <a:schemeClr val="accent1"/>
+          </a:fillRef>
+          <a:effectRef idx="0">
+            <a:schemeClr val="accent1"/>
+          </a:effectRef>
+          <a:fontRef idx="minor">
+            <a:schemeClr val="lt1"/>
+          </a:fontRef>
+        </p:style>
+        <p:txBody>
+          <a:bodyPr/>
+          <a:lstStyle/>
+          <a:p>
+            <a:pPr algn="just">
+              <a:defRPr/>
+            </a:pPr>
+            <a:r>
+              <a:rPr lang="ru-RU" altLang="en-US" sz="2800" dirty="0" smtClean="0">
+                <a:solidFill>
+                  <a:srgbClr val="F9E2AF"/>
+                </a:solidFill>
+                <a:latin typeface="Arial" panose="020B0604020202020204" pitchFamily="34" charset="0"/>
+                <a:cs typeface="Arial" panose="020B0604020202020204" pitchFamily="34" charset="0"/>
+              </a:rPr>
+              <a:t>ДОПОЛНЕНИЕ</a:t>
+            </a:r>
+            <a:r>
+              <a:rPr lang="en-US" altLang="en-US" sz="2800" dirty="0" smtClean="0">
+                <a:solidFill>
+                  <a:srgbClr val="F9E2AF"/>
+                </a:solidFill>
+                <a:latin typeface="Arial" panose="020B0604020202020204" pitchFamily="34" charset="0"/>
+                <a:cs typeface="Arial" panose="020B0604020202020204" pitchFamily="34" charset="0"/>
+              </a:rPr>
+              <a:t>: </a:t>
+            </a:r>
+            <a:r>
+              <a:rPr lang="ru-RU" altLang="en-US" sz="2800" dirty="0" smtClean="0">
+                <a:solidFill>
+                  <a:srgbClr val="F9E2AF"/>
+                </a:solidFill>
+                <a:latin typeface="Arial" panose="020B0604020202020204" pitchFamily="34" charset="0"/>
+                <a:cs typeface="Arial" panose="020B0604020202020204" pitchFamily="34" charset="0"/>
+              </a:rPr>
+              <a:t>Я планирую продолжать разработку игр с использованием библиотеки </a:t>
+            </a:r>
+            <a:r>
+              <a:rPr lang="en-US" altLang="en-US" sz="2800" dirty="0" smtClean="0">
+                <a:solidFill>
+                  <a:srgbClr val="F9E2AF"/>
+                </a:solidFill>
+                <a:latin typeface="Arial" panose="020B0604020202020204" pitchFamily="34" charset="0"/>
+                <a:cs typeface="Arial" panose="020B0604020202020204" pitchFamily="34" charset="0"/>
+              </a:rPr>
+              <a:t>“</a:t>
+            </a:r>
+            <a:r>
+              <a:rPr lang="en-US" altLang="en-US" sz="2800" dirty="0" err="1" smtClean="0">
+                <a:solidFill>
+                  <a:srgbClr val="F9E2AF"/>
+                </a:solidFill>
+                <a:latin typeface="Arial" panose="020B0604020202020204" pitchFamily="34" charset="0"/>
+                <a:cs typeface="Arial" panose="020B0604020202020204" pitchFamily="34" charset="0"/>
+              </a:rPr>
+              <a:t>Pygame</a:t>
+            </a:r>
+            <a:r>
+              <a:rPr lang="en-US" altLang="en-US" sz="2800" dirty="0" smtClean="0">
+                <a:solidFill>
+                  <a:srgbClr val="F9E2AF"/>
+                </a:solidFill>
+                <a:latin typeface="Arial" panose="020B0604020202020204" pitchFamily="34" charset="0"/>
+                <a:cs typeface="Arial" panose="020B0604020202020204" pitchFamily="34" charset="0"/>
+              </a:rPr>
+              <a:t>”</a:t>
+            </a:r>
+            <a:r>
+              <a:rPr lang="ru-RU" altLang="en-US" sz="2800" dirty="0" smtClean="0">
+                <a:solidFill>
+                  <a:srgbClr val="F9E2AF"/>
+                </a:solidFill>
+                <a:latin typeface="Arial" panose="020B0604020202020204" pitchFamily="34" charset="0"/>
+                <a:cs typeface="Arial" panose="020B0604020202020204" pitchFamily="34" charset="0"/>
+              </a:rPr>
+              <a:t>. Я хочу написать </a:t>
+            </a:r>
+            <a:r>
+              <a:rPr lang="en-US" altLang="en-US" sz="2800" dirty="0" smtClean="0">
+                <a:solidFill>
+                  <a:srgbClr val="F9E2AF"/>
+                </a:solidFill>
+                <a:latin typeface="Arial" panose="020B0604020202020204" pitchFamily="34" charset="0"/>
+                <a:cs typeface="Arial" panose="020B0604020202020204" pitchFamily="34" charset="0"/>
+              </a:rPr>
+              <a:t>RPG </a:t>
+            </a:r>
+            <a:r>
+              <a:rPr lang="ru-RU" altLang="en-US" sz="2800" dirty="0" smtClean="0">
+                <a:solidFill>
+                  <a:srgbClr val="F9E2AF"/>
+                </a:solidFill>
+                <a:latin typeface="Arial" panose="020B0604020202020204" pitchFamily="34" charset="0"/>
+                <a:cs typeface="Arial" panose="020B0604020202020204" pitchFamily="34" charset="0"/>
+              </a:rPr>
+              <a:t>с использованием этой библиотеки.</a:t>
+            </a:r>
+            <a:endParaRPr lang="ru-RU" altLang="en-US" sz="2800" dirty="0">
+              <a:solidFill>
+                <a:srgbClr val="F9E2AF"/>
+              </a:solidFill>
+              <a:latin typeface="Arial" panose="020B0604020202020204" pitchFamily="34" charset="0"/>
+              <a:cs typeface="Arial" panose="020B0604020202020204" pitchFamily="34" charset="0"/>
+            </a:endParaRPr>
+          </a:p>
+        </p:txBody>
+      </p:sp>
+    </p:spTree>
+    <p:extLst>
+      <p:ext uri="{BB962C8B-B14F-4D97-AF65-F5344CB8AC3E}">
+        <p14:creationId xmlns:p14="http://schemas.microsoft.com/office/powerpoint/2010/main" val="1827265345"/>
+      </p:ext>
+    </p:extLst>
+  </p:cSld>
+  <p:clrMapOvr>
+    <a:masterClrMapping/>
+  </p:clrMapOvr>
+  <p:transition>
+    <p:push dir="u"/>
+  </p:transition>
+  <p:timing>
+    <p:tnLst>
+      <p:par>
+        <p:cTn id="1" dur="indefinite" restart="never" nodeType="tmRoot">
+          <p:childTnLst>
+            <p:seq concurrent="1" nextAc="seek">
+              <p:cTn id="2" dur="indefinite" nodeType="mainSeq">
+                <p:childTnLst>
+                  <p:par>
+                    <p:cTn id="3" fill="hold">
+                      <p:stCondLst>
+                        <p:cond delay="indefinite"/>
+                        <p:cond evt="onBegin" delay="0">
+                          <p:tn val="2"/>
+                        </p:cond>
+                      </p:stCondLst>
+                      <p:childTnLst>
+                        <p:par>
+                          <p:cTn id="4" fill="hold">
+                            <p:stCondLst>
+                              <p:cond delay="0"/>
+                            </p:stCondLst>
+                            <p:childTnLst>
+                              <p:par>
+                                <p:cTn id="5" presetID="14" presetClass="entr" presetSubtype="10" fill="hold" grpId="0" nodeType="afterEffect">
+                                  <p:stCondLst>
+                                    <p:cond delay="0"/>
+                                  </p:stCondLst>
+                                  <p:childTnLst>
+                                    <p:set>
+                                      <p:cBhvr>
+                                        <p:cTn id="6" dur="1" fill="hold">
+                                          <p:stCondLst>
+                                            <p:cond delay="0"/>
+                                          </p:stCondLst>
+                                        </p:cTn>
+                                        <p:tgtEl>
+                                          <p:spTgt spid="2017496384"/>
+                                        </p:tgtEl>
+                                        <p:attrNameLst>
+                                          <p:attrName>style.visibility</p:attrName>
+                                        </p:attrNameLst>
+                                      </p:cBhvr>
+                                      <p:to>
+                                        <p:strVal val="visible"/>
+                                      </p:to>
+                                    </p:set>
+                                    <p:animEffect transition="in" filter="randombar(horizontal)">
+                                      <p:cBhvr>
+                                        <p:cTn id="7" dur="500"/>
+                                        <p:tgtEl>
+                                          <p:spTgt spid="2017496384"/>
+                                        </p:tgtEl>
+                                      </p:cBhvr>
+                                    </p:animEffect>
+                                  </p:childTnLst>
+                                </p:cTn>
+                              </p:par>
+                            </p:childTnLst>
+                          </p:cTn>
+                        </p:par>
+                      </p:childTnLst>
+                    </p:cTn>
+                  </p:par>
+                </p:childTnLst>
+              </p:cTn>
+              <p:prevCondLst>
+                <p:cond evt="onPrev" delay="0">
+                  <p:tgtEl>
+                    <p:sldTgt/>
+                  </p:tgtEl>
+                </p:cond>
+              </p:prevCondLst>
+              <p:nextCondLst>
+                <p:cond evt="onNext" delay="0">
+                  <p:tgtEl>
+                    <p:sldTgt/>
+                  </p:tgtEl>
+                </p:cond>
+              </p:nextCondLst>
+            </p:seq>
+          </p:childTnLst>
+        </p:cTn>
+      </p:par>
+    </p:tnLst>
+    <p:bldLst>
+      <p:bldP spid="2017496384" grpId="0" animBg="1"/>
+    </p:bldLst>
+  </p:timing>
+</p:sld>
+</file>
+
+<file path=ppt/slides/slide7.xml><?xml version="1.0" encoding="utf-8"?>
+<p:sld xmlns:a="http://schemas.openxmlformats.org/drawingml/2006/main" xmlns:r="http://schemas.openxmlformats.org/officeDocument/2006/relationships" xmlns:p="http://schemas.openxmlformats.org/presentationml/2006/main" showMasterPhAnim="0">
+  <p:cSld>
+    <p:bg>
+      <p:bgPr>
+        <a:solidFill>
+          <a:srgbClr val="11111B"/>
+        </a:solidFill>
+        <a:effectLst/>
+      </p:bgPr>
+    </p:bg>
+    <p:spTree>
+      <p:nvGrpSpPr>
+        <p:cNvPr id="1" name=""/>
+        <p:cNvGrpSpPr/>
+        <p:nvPr/>
+      </p:nvGrpSpPr>
+      <p:grpSpPr bwMode="auto">
+        <a:xfrm>
+          <a:off x="0" y="0"/>
+          <a:ext cx="0" cy="0"/>
+          <a:chOff x="0" y="0"/>
+          <a:chExt cx="0" cy="0"/>
+        </a:xfrm>
+      </p:grpSpPr>
+      <p:sp>
+        <p:nvSpPr>
+          <p:cNvPr id="2017496384" name="Скругленный прямоугольник 2017496383"/>
+          <p:cNvSpPr/>
+          <p:nvPr/>
+        </p:nvSpPr>
+        <p:spPr bwMode="auto">
+          <a:xfrm>
+            <a:off x="2638426" y="2224087"/>
+            <a:ext cx="6915149" cy="2162175"/>
+          </a:xfrm>
+          <a:prstGeom prst="roundRect">
+            <a:avLst>
+              <a:gd name="adj" fmla="val 27032"/>
+            </a:avLst>
+          </a:prstGeom>
+          <a:solidFill>
+            <a:srgbClr val="313244"/>
+          </a:solidFill>
+          <a:ln w="12700" cap="flat" cmpd="sng" algn="ctr">
+            <a:noFill/>
+            <a:prstDash val="solid"/>
+            <a:miter lim="800000"/>
+          </a:ln>
+          <a:effectLst>
+            <a:glow rad="1905000">
+              <a:srgbClr val="A6E3A1">
+                <a:alpha val="50000"/>
+              </a:srgbClr>
+            </a:glow>
+            <a:reflection blurRad="76200" dist="203200" dir="5400000" sy="-100000" algn="bl" rotWithShape="0"/>
+          </a:effectLst>
+        </p:spPr>
+        <p:style>
+          <a:lnRef idx="2">
+            <a:schemeClr val="accent1">
+              <a:shade val="50000"/>
+            </a:schemeClr>
+          </a:lnRef>
+          <a:fillRef idx="1">
+            <a:schemeClr val="accent1"/>
+          </a:fillRef>
+          <a:effectRef idx="0">
+            <a:schemeClr val="accent1"/>
+          </a:effectRef>
+          <a:fontRef idx="minor">
+            <a:schemeClr val="lt1"/>
+          </a:fontRef>
+        </p:style>
+        <p:txBody>
+          <a:bodyPr/>
+          <a:lstStyle/>
+          <a:p>
+            <a:pPr algn="ctr">
+              <a:defRPr/>
+            </a:pPr>
+            <a:r>
+              <a:rPr lang="ru-RU" altLang="en-US" sz="4000" dirty="0" smtClean="0">
+                <a:solidFill>
+                  <a:srgbClr val="A6E3A1"/>
+                </a:solidFill>
+                <a:latin typeface="Arial" panose="020B0604020202020204" pitchFamily="34" charset="0"/>
+                <a:cs typeface="Arial" panose="020B0604020202020204" pitchFamily="34" charset="0"/>
+              </a:rPr>
+              <a:t>СПАСИБО ЗА</a:t>
+            </a:r>
+          </a:p>
+          <a:p>
+            <a:pPr algn="ctr">
+              <a:defRPr/>
+            </a:pPr>
+            <a:r>
+              <a:rPr lang="ru-RU" altLang="en-US" sz="4000" dirty="0" smtClean="0">
+                <a:solidFill>
+                  <a:srgbClr val="A6E3A1"/>
+                </a:solidFill>
+                <a:latin typeface="Arial" panose="020B0604020202020204" pitchFamily="34" charset="0"/>
+                <a:cs typeface="Arial" panose="020B0604020202020204" pitchFamily="34" charset="0"/>
+              </a:rPr>
+              <a:t>ВНИМАНИЕ</a:t>
+            </a:r>
+          </a:p>
+          <a:p>
+            <a:pPr algn="ctr">
+              <a:defRPr/>
+            </a:pPr>
+            <a:r>
+              <a:rPr lang="ru-RU" altLang="en-US" sz="4000" dirty="0" smtClean="0">
+                <a:solidFill>
+                  <a:srgbClr val="A6E3A1"/>
+                </a:solidFill>
+                <a:latin typeface="Arial" panose="020B0604020202020204" pitchFamily="34" charset="0"/>
+                <a:cs typeface="Arial" panose="020B0604020202020204" pitchFamily="34" charset="0"/>
+              </a:rPr>
+              <a:t>(ЕСЛИ ОНО БЫЛО)!</a:t>
+            </a:r>
+          </a:p>
+        </p:txBody>
+      </p:sp>
+    </p:spTree>
+    <p:extLst>
+      <p:ext uri="{BB962C8B-B14F-4D97-AF65-F5344CB8AC3E}">
+        <p14:creationId xmlns:p14="http://schemas.microsoft.com/office/powerpoint/2010/main" val="380470668"/>
+      </p:ext>
+    </p:extLst>
+  </p:cSld>
+  <p:clrMapOvr>
+    <a:masterClrMapping/>
+  </p:clrMapOvr>
+  <p:transition>
+    <p:push dir="u"/>
+  </p:transition>
+  <p:timing>
+    <p:tnLst>
+      <p:par>
+        <p:cTn id="1" dur="indefinite" restart="never" nodeType="tmRoot">
+          <p:childTnLst>
+            <p:seq concurrent="1" nextAc="seek">
+              <p:cTn id="2" dur="indefinite" nodeType="mainSeq">
+                <p:childTnLst>
+                  <p:par>
+                    <p:cTn id="3" fill="hold">
+                      <p:stCondLst>
+                        <p:cond delay="indefinite"/>
+                        <p:cond evt="onBegin" delay="0">
+                          <p:tn val="2"/>
+                        </p:cond>
+                      </p:stCondLst>
+                      <p:childTnLst>
+                        <p:par>
+                          <p:cTn id="4" fill="hold">
+                            <p:stCondLst>
+                              <p:cond delay="0"/>
+                            </p:stCondLst>
+                            <p:childTnLst>
+                              <p:par>
+                                <p:cTn id="5" presetID="42" presetClass="entr" presetSubtype="0" fill="hold" grpId="0" nodeType="afterEffect">
+                                  <p:stCondLst>
+                                    <p:cond delay="0"/>
+                                  </p:stCondLst>
+                                  <p:childTnLst>
+                                    <p:set>
+                                      <p:cBhvr>
+                                        <p:cTn id="6" dur="1" fill="hold">
+                                          <p:stCondLst>
+                                            <p:cond delay="0"/>
+                                          </p:stCondLst>
+                                        </p:cTn>
+                                        <p:tgtEl>
+                                          <p:spTgt spid="2017496384"/>
+                                        </p:tgtEl>
+                                        <p:attrNameLst>
+                                          <p:attrName>style.visibility</p:attrName>
+                                        </p:attrNameLst>
+                                      </p:cBhvr>
+                                      <p:to>
+                                        <p:strVal val="visible"/>
+                                      </p:to>
+                                    </p:set>
+                                    <p:animEffect transition="in" filter="fade">
+                                      <p:cBhvr>
+                                        <p:cTn id="7" dur="500"/>
+                                        <p:tgtEl>
+                                          <p:spTgt spid="2017496384"/>
+                                        </p:tgtEl>
+                                      </p:cBhvr>
+                                    </p:animEffect>
+                                    <p:anim calcmode="lin" valueType="num">
+                                      <p:cBhvr>
+                                        <p:cTn id="8" dur="500" fill="hold"/>
+                                        <p:tgtEl>
+                                          <p:spTgt spid="2017496384"/>
+                                        </p:tgtEl>
+                                        <p:attrNameLst>
+                                          <p:attrName>ppt_x</p:attrName>
+                                        </p:attrNameLst>
+                                      </p:cBhvr>
+                                      <p:tavLst>
+                                        <p:tav tm="0">
+                                          <p:val>
+                                            <p:strVal val="#ppt_x"/>
+                                          </p:val>
+                                        </p:tav>
+                                        <p:tav tm="100000">
+                                          <p:val>
+                                            <p:strVal val="#ppt_x"/>
+                                          </p:val>
+                                        </p:tav>
+                                      </p:tavLst>
+                                    </p:anim>
+                                    <p:anim calcmode="lin" valueType="num">
+                                      <p:cBhvr>
+                                        <p:cTn id="9" dur="500" fill="hold"/>
+                                        <p:tgtEl>
+                                          <p:spTgt spid="2017496384"/>
+                                        </p:tgtEl>
+                                        <p:attrNameLst>
+                                          <p:attrName>ppt_y</p:attrName>
+                                        </p:attrNameLst>
+                                      </p:cBhvr>
+                                      <p:tavLst>
+                                        <p:tav tm="0">
+                                          <p:val>
+                                            <p:strVal val="#ppt_y+.1"/>
+                                          </p:val>
+                                        </p:tav>
+                                        <p:tav tm="100000">
+                                          <p:val>
+                                            <p:strVal val="#ppt_y"/>
+                                          </p:val>
+                                        </p:tav>
+                                      </p:tavLst>
+                                    </p:anim>
+                                  </p:childTnLst>
+                                </p:cTn>
+                              </p:par>
+                            </p:childTnLst>
+                          </p:cTn>
+                        </p:par>
+                      </p:childTnLst>
+                    </p:cTn>
+                  </p:par>
+                </p:childTnLst>
+              </p:cTn>
+              <p:prevCondLst>
+                <p:cond evt="onPrev" delay="0">
+                  <p:tgtEl>
+                    <p:sldTgt/>
+                  </p:tgtEl>
+                </p:cond>
+              </p:prevCondLst>
+              <p:nextCondLst>
+                <p:cond evt="onNext" delay="0">
+                  <p:tgtEl>
+                    <p:sldTgt/>
+                  </p:tgtEl>
+                </p:cond>
+              </p:nextCondLst>
+            </p:seq>
+          </p:childTnLst>
+        </p:cTn>
+      </p:par>
+    </p:tnLst>
+    <p:bldLst>
+      <p:bldP spid="2017496384" grpId="0" animBg="1"/>
+    </p:bldLst>
+  </p:timing>
 </p:sld>
 </file>
 
@@ -5085,6 +7115,8 @@
       </a:bgFillStyleLst>
     </a:fmtScheme>
   </a:themeElements>
+  <a:objectDefaults/>
+  <a:extraClrSchemeLst/>
   <a:extLst>
     <a:ext uri="{05A4C25C-085E-4340-85A3-A5531E510DB2}">
       <thm15:themeFamily xmlns:thm15="http://schemas.microsoft.com/office/thememl/2012/main" name="Office Theme" id="{62F939B6-93AF-4DB8-9C6B-D6C7DFDC589F}" vid="{4A3C46E8-61CC-4603-A589-7422A47A8E4A}"/>
@@ -5296,6 +7328,8 @@
       </a:bgFillStyleLst>
     </a:fmtScheme>
   </a:themeElements>
+  <a:objectDefaults/>
+  <a:extraClrSchemeLst/>
   <a:extLst>
     <a:ext uri="{05A4C25C-085E-4340-85A3-A5531E510DB2}">
       <thm15:themeFamily xmlns:thm15="http://schemas.microsoft.com/office/thememl/2012/main" name="Office Theme" id="{62F939B6-93AF-4DB8-9C6B-D6C7DFDC589F}" vid="{4A3C46E8-61CC-4603-A589-7422A47A8E4A}"/>

--- a/Preza.pptx
+++ b/Preza.pptx
@@ -5,16 +5,16 @@
     <p:sldMasterId id="2147483648" r:id="rId1"/>
   </p:sldMasterIdLst>
   <p:notesMasterIdLst>
-    <p:notesMasterId r:id="rId9"/>
+    <p:notesMasterId r:id="rId4"/>
   </p:notesMasterIdLst>
   <p:sldIdLst>
-    <p:sldId id="256" r:id="rId2"/>
-    <p:sldId id="257" r:id="rId3"/>
-    <p:sldId id="259" r:id="rId4"/>
-    <p:sldId id="260" r:id="rId5"/>
-    <p:sldId id="261" r:id="rId6"/>
-    <p:sldId id="263" r:id="rId7"/>
-    <p:sldId id="262" r:id="rId8"/>
+    <p:sldId id="256" r:id="rId3"/>
+    <p:sldId id="257" r:id="rId5"/>
+    <p:sldId id="259" r:id="rId6"/>
+    <p:sldId id="260" r:id="rId7"/>
+    <p:sldId id="261" r:id="rId8"/>
+    <p:sldId id="263" r:id="rId9"/>
+    <p:sldId id="262" r:id="rId10"/>
   </p:sldIdLst>
   <p:sldSz cx="12192000" cy="6858000"/>
   <p:notesSz cx="6858000" cy="9144000"/>
@@ -220,7 +220,6 @@
             </a:pPr>
             <a:fld id="{3632E96E-41F7-40C5-8419-297958CC00FA}" type="datetimeFigureOut">
               <a:rPr lang="ru-RU"/>
-              <a:t>11.05.2025</a:t>
             </a:fld>
             <a:endParaRPr lang="ru-RU"/>
           </a:p>
@@ -292,6 +291,7 @@
               <a:rPr lang="ru-RU"/>
               <a:t>Click to edit Master text styles</a:t>
             </a:r>
+            <a:endParaRPr lang="ru-RU"/>
           </a:p>
           <a:p>
             <a:pPr lvl="1">
@@ -301,6 +301,7 @@
               <a:rPr lang="ru-RU"/>
               <a:t>Second level</a:t>
             </a:r>
+            <a:endParaRPr lang="ru-RU"/>
           </a:p>
           <a:p>
             <a:pPr lvl="2">
@@ -310,6 +311,7 @@
               <a:rPr lang="ru-RU"/>
               <a:t>Third level</a:t>
             </a:r>
+            <a:endParaRPr lang="ru-RU"/>
           </a:p>
           <a:p>
             <a:pPr lvl="3">
@@ -319,6 +321,7 @@
               <a:rPr lang="ru-RU"/>
               <a:t>Fourth level</a:t>
             </a:r>
+            <a:endParaRPr lang="ru-RU"/>
           </a:p>
           <a:p>
             <a:pPr lvl="4">
@@ -328,6 +331,7 @@
               <a:rPr lang="ru-RU"/>
               <a:t>Fifth level</a:t>
             </a:r>
+            <a:endParaRPr lang="ru-RU"/>
           </a:p>
         </p:txBody>
       </p:sp>
@@ -397,7 +401,6 @@
             </a:pPr>
             <a:fld id="{2E6999B8-B6B4-4561-A3CD-BBCDAB9FC9D9}" type="slidenum">
               <a:rPr lang="ru-RU"/>
-              <a:t>‹#›</a:t>
             </a:fld>
             <a:endParaRPr lang="ru-RU"/>
           </a:p>
@@ -580,7 +583,6 @@
             </a:pPr>
             <a:fld id="{2E6999B8-B6B4-4561-A3CD-BBCDAB9FC9D9}" type="slidenum">
               <a:rPr lang="ru-RU"/>
-              <a:t>1</a:t>
             </a:fld>
             <a:endParaRPr lang="ru-RU"/>
           </a:p>
@@ -673,7 +675,6 @@
             </a:pPr>
             <a:fld id="{3F7FFB97-62D1-014B-7648-87230457C168}" type="slidenum">
               <a:rPr lang="ru-RU"/>
-              <a:t>2</a:t>
             </a:fld>
             <a:endParaRPr lang="ru-RU"/>
           </a:p>
@@ -766,7 +767,6 @@
             </a:pPr>
             <a:fld id="{3F7FFB97-62D1-014B-7648-87230457C168}" type="slidenum">
               <a:rPr lang="ru-RU"/>
-              <a:t>3</a:t>
             </a:fld>
             <a:endParaRPr lang="ru-RU"/>
           </a:p>
@@ -859,18 +859,12 @@
             </a:pPr>
             <a:fld id="{3F7FFB97-62D1-014B-7648-87230457C168}" type="slidenum">
               <a:rPr lang="ru-RU"/>
-              <a:t>4</a:t>
             </a:fld>
             <a:endParaRPr lang="ru-RU"/>
           </a:p>
         </p:txBody>
       </p:sp>
     </p:spTree>
-    <p:extLst>
-      <p:ext uri="{BB962C8B-B14F-4D97-AF65-F5344CB8AC3E}">
-        <p14:creationId xmlns:p14="http://schemas.microsoft.com/office/powerpoint/2010/main" val="1517439740"/>
-      </p:ext>
-    </p:extLst>
   </p:cSld>
   <p:clrMapOvr>
     <a:masterClrMapping/>
@@ -957,18 +951,12 @@
             </a:pPr>
             <a:fld id="{3F7FFB97-62D1-014B-7648-87230457C168}" type="slidenum">
               <a:rPr lang="ru-RU"/>
-              <a:t>5</a:t>
             </a:fld>
             <a:endParaRPr lang="ru-RU"/>
           </a:p>
         </p:txBody>
       </p:sp>
     </p:spTree>
-    <p:extLst>
-      <p:ext uri="{BB962C8B-B14F-4D97-AF65-F5344CB8AC3E}">
-        <p14:creationId xmlns:p14="http://schemas.microsoft.com/office/powerpoint/2010/main" val="1893515562"/>
-      </p:ext>
-    </p:extLst>
   </p:cSld>
   <p:clrMapOvr>
     <a:masterClrMapping/>
@@ -1055,18 +1043,12 @@
             </a:pPr>
             <a:fld id="{3F7FFB97-62D1-014B-7648-87230457C168}" type="slidenum">
               <a:rPr lang="ru-RU"/>
-              <a:t>6</a:t>
             </a:fld>
             <a:endParaRPr lang="ru-RU"/>
           </a:p>
         </p:txBody>
       </p:sp>
     </p:spTree>
-    <p:extLst>
-      <p:ext uri="{BB962C8B-B14F-4D97-AF65-F5344CB8AC3E}">
-        <p14:creationId xmlns:p14="http://schemas.microsoft.com/office/powerpoint/2010/main" val="3805549084"/>
-      </p:ext>
-    </p:extLst>
   </p:cSld>
   <p:clrMapOvr>
     <a:masterClrMapping/>
@@ -1153,18 +1135,12 @@
             </a:pPr>
             <a:fld id="{3F7FFB97-62D1-014B-7648-87230457C168}" type="slidenum">
               <a:rPr lang="ru-RU"/>
-              <a:t>7</a:t>
             </a:fld>
             <a:endParaRPr lang="ru-RU"/>
           </a:p>
         </p:txBody>
       </p:sp>
     </p:spTree>
-    <p:extLst>
-      <p:ext uri="{BB962C8B-B14F-4D97-AF65-F5344CB8AC3E}">
-        <p14:creationId xmlns:p14="http://schemas.microsoft.com/office/powerpoint/2010/main" val="1687252378"/>
-      </p:ext>
-    </p:extLst>
   </p:cSld>
   <p:clrMapOvr>
     <a:masterClrMapping/>
@@ -1173,7 +1149,7 @@
 </file>
 
 <file path=ppt/slideLayouts/slideLayout1.xml><?xml version="1.0" encoding="utf-8"?>
-<p:sldLayout xmlns:a="http://schemas.openxmlformats.org/drawingml/2006/main" xmlns:r="http://schemas.openxmlformats.org/officeDocument/2006/relationships" xmlns:p="http://schemas.openxmlformats.org/presentationml/2006/main" showMasterPhAnim="0" type="title" preserve="1" userDrawn="1">
+<p:sldLayout xmlns:a="http://schemas.openxmlformats.org/drawingml/2006/main" xmlns:r="http://schemas.openxmlformats.org/officeDocument/2006/relationships" xmlns:p="http://schemas.openxmlformats.org/presentationml/2006/main" type="title" preserve="1" showMasterPhAnim="0" userDrawn="1">
   <p:cSld name="Титульный слайд">
     <p:spTree>
       <p:nvGrpSpPr>
@@ -1220,6 +1196,7 @@
               <a:rPr lang="ru-RU"/>
               <a:t>Образец заголовка</a:t>
             </a:r>
+            <a:endParaRPr lang="ru-RU"/>
           </a:p>
         </p:txBody>
       </p:sp>
@@ -1287,6 +1264,7 @@
               <a:rPr lang="ru-RU"/>
               <a:t>Образец подзаголовка</a:t>
             </a:r>
+            <a:endParaRPr lang="ru-RU"/>
           </a:p>
         </p:txBody>
       </p:sp>
@@ -1310,7 +1288,6 @@
             </a:pPr>
             <a:fld id="{BCC18F51-09EC-435C-A3BA-64A766E099C0}" type="datetimeFigureOut">
               <a:rPr lang="ru-RU"/>
-              <a:t>11.05.2025</a:t>
             </a:fld>
             <a:endParaRPr lang="ru-RU"/>
           </a:p>
@@ -1358,7 +1335,6 @@
             </a:pPr>
             <a:fld id="{08395586-F03A-48D1-94DF-16B239DF4FB5}" type="slidenum">
               <a:rPr lang="ru-RU"/>
-              <a:t>‹#›</a:t>
             </a:fld>
             <a:endParaRPr lang="ru-RU"/>
           </a:p>
@@ -1376,7 +1352,7 @@
 </file>
 
 <file path=ppt/slideLayouts/slideLayout10.xml><?xml version="1.0" encoding="utf-8"?>
-<p:sldLayout xmlns:a="http://schemas.openxmlformats.org/drawingml/2006/main" xmlns:r="http://schemas.openxmlformats.org/officeDocument/2006/relationships" xmlns:p="http://schemas.openxmlformats.org/presentationml/2006/main" showMasterPhAnim="0" type="vertTx" preserve="1" userDrawn="1">
+<p:sldLayout xmlns:a="http://schemas.openxmlformats.org/drawingml/2006/main" xmlns:r="http://schemas.openxmlformats.org/officeDocument/2006/relationships" xmlns:p="http://schemas.openxmlformats.org/presentationml/2006/main" type="vertTx" preserve="1" showMasterPhAnim="0" userDrawn="1">
   <p:cSld name="Заголовок и вертикальный текст">
     <p:spTree>
       <p:nvGrpSpPr>
@@ -1414,6 +1390,7 @@
               <a:rPr lang="ru-RU"/>
               <a:t>Образец заголовка</a:t>
             </a:r>
+            <a:endParaRPr lang="ru-RU"/>
           </a:p>
         </p:txBody>
       </p:sp>
@@ -1439,6 +1416,7 @@
               <a:rPr lang="ru-RU"/>
               <a:t>Образец текста</a:t>
             </a:r>
+            <a:endParaRPr lang="ru-RU"/>
           </a:p>
           <a:p>
             <a:pPr lvl="1">
@@ -1448,6 +1426,7 @@
               <a:rPr lang="ru-RU"/>
               <a:t>Второй уровень</a:t>
             </a:r>
+            <a:endParaRPr lang="ru-RU"/>
           </a:p>
           <a:p>
             <a:pPr lvl="2">
@@ -1457,6 +1436,7 @@
               <a:rPr lang="ru-RU"/>
               <a:t>Третий уровень</a:t>
             </a:r>
+            <a:endParaRPr lang="ru-RU"/>
           </a:p>
           <a:p>
             <a:pPr lvl="3">
@@ -1466,6 +1446,7 @@
               <a:rPr lang="ru-RU"/>
               <a:t>Четвертый уровень</a:t>
             </a:r>
+            <a:endParaRPr lang="ru-RU"/>
           </a:p>
           <a:p>
             <a:pPr lvl="4">
@@ -1475,6 +1456,7 @@
               <a:rPr lang="ru-RU"/>
               <a:t>Пятый уровень</a:t>
             </a:r>
+            <a:endParaRPr lang="ru-RU"/>
           </a:p>
         </p:txBody>
       </p:sp>
@@ -1498,7 +1480,6 @@
             </a:pPr>
             <a:fld id="{BCC18F51-09EC-435C-A3BA-64A766E099C0}" type="datetimeFigureOut">
               <a:rPr lang="ru-RU"/>
-              <a:t>11.05.2025</a:t>
             </a:fld>
             <a:endParaRPr lang="ru-RU"/>
           </a:p>
@@ -1546,7 +1527,6 @@
             </a:pPr>
             <a:fld id="{08395586-F03A-48D1-94DF-16B239DF4FB5}" type="slidenum">
               <a:rPr lang="ru-RU"/>
-              <a:t>‹#›</a:t>
             </a:fld>
             <a:endParaRPr lang="ru-RU"/>
           </a:p>
@@ -1564,7 +1544,7 @@
 </file>
 
 <file path=ppt/slideLayouts/slideLayout11.xml><?xml version="1.0" encoding="utf-8"?>
-<p:sldLayout xmlns:a="http://schemas.openxmlformats.org/drawingml/2006/main" xmlns:r="http://schemas.openxmlformats.org/officeDocument/2006/relationships" xmlns:p="http://schemas.openxmlformats.org/presentationml/2006/main" showMasterPhAnim="0" type="vertTitleAndTx" preserve="1" userDrawn="1">
+<p:sldLayout xmlns:a="http://schemas.openxmlformats.org/drawingml/2006/main" xmlns:r="http://schemas.openxmlformats.org/officeDocument/2006/relationships" xmlns:p="http://schemas.openxmlformats.org/presentationml/2006/main" type="vertTitleAndTx" preserve="1" showMasterPhAnim="0" userDrawn="1">
   <p:cSld name="Вертикальный заголовок и текст">
     <p:spTree>
       <p:nvGrpSpPr>
@@ -1607,6 +1587,7 @@
               <a:rPr lang="ru-RU"/>
               <a:t>Образец заголовка</a:t>
             </a:r>
+            <a:endParaRPr lang="ru-RU"/>
           </a:p>
         </p:txBody>
       </p:sp>
@@ -1637,6 +1618,7 @@
               <a:rPr lang="ru-RU"/>
               <a:t>Образец текста</a:t>
             </a:r>
+            <a:endParaRPr lang="ru-RU"/>
           </a:p>
           <a:p>
             <a:pPr lvl="1">
@@ -1646,6 +1628,7 @@
               <a:rPr lang="ru-RU"/>
               <a:t>Второй уровень</a:t>
             </a:r>
+            <a:endParaRPr lang="ru-RU"/>
           </a:p>
           <a:p>
             <a:pPr lvl="2">
@@ -1655,6 +1638,7 @@
               <a:rPr lang="ru-RU"/>
               <a:t>Третий уровень</a:t>
             </a:r>
+            <a:endParaRPr lang="ru-RU"/>
           </a:p>
           <a:p>
             <a:pPr lvl="3">
@@ -1664,6 +1648,7 @@
               <a:rPr lang="ru-RU"/>
               <a:t>Четвертый уровень</a:t>
             </a:r>
+            <a:endParaRPr lang="ru-RU"/>
           </a:p>
           <a:p>
             <a:pPr lvl="4">
@@ -1673,6 +1658,7 @@
               <a:rPr lang="ru-RU"/>
               <a:t>Fifth level</a:t>
             </a:r>
+            <a:endParaRPr lang="ru-RU"/>
           </a:p>
         </p:txBody>
       </p:sp>
@@ -1696,7 +1682,6 @@
             </a:pPr>
             <a:fld id="{BCC18F51-09EC-435C-A3BA-64A766E099C0}" type="datetimeFigureOut">
               <a:rPr lang="ru-RU"/>
-              <a:t>11.05.2025</a:t>
             </a:fld>
             <a:endParaRPr lang="ru-RU"/>
           </a:p>
@@ -1744,7 +1729,6 @@
             </a:pPr>
             <a:fld id="{08395586-F03A-48D1-94DF-16B239DF4FB5}" type="slidenum">
               <a:rPr lang="ru-RU"/>
-              <a:t>‹#›</a:t>
             </a:fld>
             <a:endParaRPr lang="ru-RU"/>
           </a:p>
@@ -1762,7 +1746,7 @@
 </file>
 
 <file path=ppt/slideLayouts/slideLayout2.xml><?xml version="1.0" encoding="utf-8"?>
-<p:sldLayout xmlns:a="http://schemas.openxmlformats.org/drawingml/2006/main" xmlns:r="http://schemas.openxmlformats.org/officeDocument/2006/relationships" xmlns:p="http://schemas.openxmlformats.org/presentationml/2006/main" showMasterPhAnim="0" type="obj" preserve="1" userDrawn="1">
+<p:sldLayout xmlns:a="http://schemas.openxmlformats.org/drawingml/2006/main" xmlns:r="http://schemas.openxmlformats.org/officeDocument/2006/relationships" xmlns:p="http://schemas.openxmlformats.org/presentationml/2006/main" type="obj" preserve="1" showMasterPhAnim="0" userDrawn="1">
   <p:cSld name="Заголовок и объект">
     <p:spTree>
       <p:nvGrpSpPr>
@@ -1800,6 +1784,7 @@
               <a:rPr lang="ru-RU"/>
               <a:t>Образец заголовка</a:t>
             </a:r>
+            <a:endParaRPr lang="ru-RU"/>
           </a:p>
         </p:txBody>
       </p:sp>
@@ -1825,6 +1810,7 @@
               <a:rPr lang="ru-RU"/>
               <a:t>Образец текста</a:t>
             </a:r>
+            <a:endParaRPr lang="ru-RU"/>
           </a:p>
           <a:p>
             <a:pPr lvl="1">
@@ -1834,6 +1820,7 @@
               <a:rPr lang="ru-RU"/>
               <a:t>Второй уровень</a:t>
             </a:r>
+            <a:endParaRPr lang="ru-RU"/>
           </a:p>
           <a:p>
             <a:pPr lvl="2">
@@ -1843,6 +1830,7 @@
               <a:rPr lang="ru-RU"/>
               <a:t>Третий уровень</a:t>
             </a:r>
+            <a:endParaRPr lang="ru-RU"/>
           </a:p>
           <a:p>
             <a:pPr lvl="3">
@@ -1852,6 +1840,7 @@
               <a:rPr lang="ru-RU"/>
               <a:t>Четвертый уровень</a:t>
             </a:r>
+            <a:endParaRPr lang="ru-RU"/>
           </a:p>
           <a:p>
             <a:pPr lvl="4">
@@ -1861,6 +1850,7 @@
               <a:rPr lang="ru-RU"/>
               <a:t>Fifth level</a:t>
             </a:r>
+            <a:endParaRPr lang="ru-RU"/>
           </a:p>
         </p:txBody>
       </p:sp>
@@ -1884,7 +1874,6 @@
             </a:pPr>
             <a:fld id="{BCC18F51-09EC-435C-A3BA-64A766E099C0}" type="datetimeFigureOut">
               <a:rPr lang="ru-RU"/>
-              <a:t>11.05.2025</a:t>
             </a:fld>
             <a:endParaRPr lang="ru-RU"/>
           </a:p>
@@ -1932,7 +1921,6 @@
             </a:pPr>
             <a:fld id="{08395586-F03A-48D1-94DF-16B239DF4FB5}" type="slidenum">
               <a:rPr lang="ru-RU"/>
-              <a:t>‹#›</a:t>
             </a:fld>
             <a:endParaRPr lang="ru-RU"/>
           </a:p>
@@ -1950,7 +1938,7 @@
 </file>
 
 <file path=ppt/slideLayouts/slideLayout3.xml><?xml version="1.0" encoding="utf-8"?>
-<p:sldLayout xmlns:a="http://schemas.openxmlformats.org/drawingml/2006/main" xmlns:r="http://schemas.openxmlformats.org/officeDocument/2006/relationships" xmlns:p="http://schemas.openxmlformats.org/presentationml/2006/main" showMasterPhAnim="0" type="secHead" preserve="1" userDrawn="1">
+<p:sldLayout xmlns:a="http://schemas.openxmlformats.org/drawingml/2006/main" xmlns:r="http://schemas.openxmlformats.org/officeDocument/2006/relationships" xmlns:p="http://schemas.openxmlformats.org/presentationml/2006/main" type="secHead" preserve="1" showMasterPhAnim="0" userDrawn="1">
   <p:cSld name="Заголовок раздела">
     <p:spTree>
       <p:nvGrpSpPr>
@@ -1997,6 +1985,7 @@
               <a:rPr lang="ru-RU"/>
               <a:t>Образец заголовка</a:t>
             </a:r>
+            <a:endParaRPr lang="ru-RU"/>
           </a:p>
         </p:txBody>
       </p:sp>
@@ -2118,6 +2107,7 @@
               <a:rPr lang="ru-RU"/>
               <a:t>Образец текста</a:t>
             </a:r>
+            <a:endParaRPr lang="ru-RU"/>
           </a:p>
         </p:txBody>
       </p:sp>
@@ -2141,7 +2131,6 @@
             </a:pPr>
             <a:fld id="{BCC18F51-09EC-435C-A3BA-64A766E099C0}" type="datetimeFigureOut">
               <a:rPr lang="ru-RU"/>
-              <a:t>11.05.2025</a:t>
             </a:fld>
             <a:endParaRPr lang="ru-RU"/>
           </a:p>
@@ -2189,7 +2178,6 @@
             </a:pPr>
             <a:fld id="{08395586-F03A-48D1-94DF-16B239DF4FB5}" type="slidenum">
               <a:rPr lang="ru-RU"/>
-              <a:t>‹#›</a:t>
             </a:fld>
             <a:endParaRPr lang="ru-RU"/>
           </a:p>
@@ -2207,7 +2195,7 @@
 </file>
 
 <file path=ppt/slideLayouts/slideLayout4.xml><?xml version="1.0" encoding="utf-8"?>
-<p:sldLayout xmlns:a="http://schemas.openxmlformats.org/drawingml/2006/main" xmlns:r="http://schemas.openxmlformats.org/officeDocument/2006/relationships" xmlns:p="http://schemas.openxmlformats.org/presentationml/2006/main" showMasterPhAnim="0" type="twoObj" preserve="1" userDrawn="1">
+<p:sldLayout xmlns:a="http://schemas.openxmlformats.org/drawingml/2006/main" xmlns:r="http://schemas.openxmlformats.org/officeDocument/2006/relationships" xmlns:p="http://schemas.openxmlformats.org/presentationml/2006/main" type="twoObj" preserve="1" showMasterPhAnim="0" userDrawn="1">
   <p:cSld name="Два объекта">
     <p:spTree>
       <p:nvGrpSpPr>
@@ -2245,6 +2233,7 @@
               <a:rPr lang="ru-RU"/>
               <a:t>Образец заголовка</a:t>
             </a:r>
+            <a:endParaRPr lang="ru-RU"/>
           </a:p>
         </p:txBody>
       </p:sp>
@@ -2275,6 +2264,7 @@
               <a:rPr lang="ru-RU"/>
               <a:t>Образец текста</a:t>
             </a:r>
+            <a:endParaRPr lang="ru-RU"/>
           </a:p>
           <a:p>
             <a:pPr lvl="1">
@@ -2284,6 +2274,7 @@
               <a:rPr lang="ru-RU"/>
               <a:t>Второй уровень</a:t>
             </a:r>
+            <a:endParaRPr lang="ru-RU"/>
           </a:p>
           <a:p>
             <a:pPr lvl="2">
@@ -2293,6 +2284,7 @@
               <a:rPr lang="ru-RU"/>
               <a:t>Третий уровень</a:t>
             </a:r>
+            <a:endParaRPr lang="ru-RU"/>
           </a:p>
           <a:p>
             <a:pPr lvl="3">
@@ -2302,6 +2294,7 @@
               <a:rPr lang="ru-RU"/>
               <a:t>Четвертый уровень</a:t>
             </a:r>
+            <a:endParaRPr lang="ru-RU"/>
           </a:p>
           <a:p>
             <a:pPr lvl="4">
@@ -2311,6 +2304,7 @@
               <a:rPr lang="ru-RU"/>
               <a:t>Пятый уровень</a:t>
             </a:r>
+            <a:endParaRPr lang="ru-RU"/>
           </a:p>
         </p:txBody>
       </p:sp>
@@ -2341,6 +2335,7 @@
               <a:rPr lang="ru-RU"/>
               <a:t>Образец текста</a:t>
             </a:r>
+            <a:endParaRPr lang="ru-RU"/>
           </a:p>
           <a:p>
             <a:pPr lvl="1">
@@ -2350,6 +2345,7 @@
               <a:rPr lang="ru-RU"/>
               <a:t>Второй уровень</a:t>
             </a:r>
+            <a:endParaRPr lang="ru-RU"/>
           </a:p>
           <a:p>
             <a:pPr lvl="2">
@@ -2359,6 +2355,7 @@
               <a:rPr lang="ru-RU"/>
               <a:t>Третий уровень</a:t>
             </a:r>
+            <a:endParaRPr lang="ru-RU"/>
           </a:p>
           <a:p>
             <a:pPr lvl="3">
@@ -2368,6 +2365,7 @@
               <a:rPr lang="ru-RU"/>
               <a:t>Четвертый уровень</a:t>
             </a:r>
+            <a:endParaRPr lang="ru-RU"/>
           </a:p>
           <a:p>
             <a:pPr lvl="4">
@@ -2377,6 +2375,7 @@
               <a:rPr lang="ru-RU"/>
               <a:t>Пятый уровень</a:t>
             </a:r>
+            <a:endParaRPr lang="ru-RU"/>
           </a:p>
         </p:txBody>
       </p:sp>
@@ -2400,7 +2399,6 @@
             </a:pPr>
             <a:fld id="{BCC18F51-09EC-435C-A3BA-64A766E099C0}" type="datetimeFigureOut">
               <a:rPr lang="ru-RU"/>
-              <a:t>11.05.2025</a:t>
             </a:fld>
             <a:endParaRPr lang="ru-RU"/>
           </a:p>
@@ -2448,7 +2446,6 @@
             </a:pPr>
             <a:fld id="{08395586-F03A-48D1-94DF-16B239DF4FB5}" type="slidenum">
               <a:rPr lang="ru-RU"/>
-              <a:t>‹#›</a:t>
             </a:fld>
             <a:endParaRPr lang="ru-RU"/>
           </a:p>
@@ -2466,7 +2463,7 @@
 </file>
 
 <file path=ppt/slideLayouts/slideLayout5.xml><?xml version="1.0" encoding="utf-8"?>
-<p:sldLayout xmlns:a="http://schemas.openxmlformats.org/drawingml/2006/main" xmlns:r="http://schemas.openxmlformats.org/officeDocument/2006/relationships" xmlns:p="http://schemas.openxmlformats.org/presentationml/2006/main" showMasterPhAnim="0" type="twoTxTwoObj" preserve="1" userDrawn="1">
+<p:sldLayout xmlns:a="http://schemas.openxmlformats.org/drawingml/2006/main" xmlns:r="http://schemas.openxmlformats.org/officeDocument/2006/relationships" xmlns:p="http://schemas.openxmlformats.org/presentationml/2006/main" type="twoTxTwoObj" preserve="1" showMasterPhAnim="0" userDrawn="1">
   <p:cSld name="Сравнение">
     <p:spTree>
       <p:nvGrpSpPr>
@@ -2509,6 +2506,7 @@
               <a:rPr lang="ru-RU"/>
               <a:t>Образец заголовка</a:t>
             </a:r>
+            <a:endParaRPr lang="ru-RU"/>
           </a:p>
         </p:txBody>
       </p:sp>
@@ -2576,6 +2574,7 @@
               <a:rPr lang="ru-RU"/>
               <a:t>Образец текста</a:t>
             </a:r>
+            <a:endParaRPr lang="ru-RU"/>
           </a:p>
         </p:txBody>
       </p:sp>
@@ -2606,6 +2605,7 @@
               <a:rPr lang="ru-RU"/>
               <a:t>Click to edit Master text styles</a:t>
             </a:r>
+            <a:endParaRPr lang="ru-RU"/>
           </a:p>
           <a:p>
             <a:pPr lvl="1">
@@ -2615,6 +2615,7 @@
               <a:rPr lang="ru-RU"/>
               <a:t>Второй уровень</a:t>
             </a:r>
+            <a:endParaRPr lang="ru-RU"/>
           </a:p>
           <a:p>
             <a:pPr lvl="2">
@@ -2624,6 +2625,7 @@
               <a:rPr lang="ru-RU"/>
               <a:t>Третий уровень</a:t>
             </a:r>
+            <a:endParaRPr lang="ru-RU"/>
           </a:p>
           <a:p>
             <a:pPr lvl="3">
@@ -2633,6 +2635,7 @@
               <a:rPr lang="ru-RU"/>
               <a:t>Четвертый уровень</a:t>
             </a:r>
+            <a:endParaRPr lang="ru-RU"/>
           </a:p>
           <a:p>
             <a:pPr lvl="4">
@@ -2642,6 +2645,7 @@
               <a:rPr lang="ru-RU"/>
               <a:t>Пятый уровень</a:t>
             </a:r>
+            <a:endParaRPr lang="ru-RU"/>
           </a:p>
         </p:txBody>
       </p:sp>
@@ -2709,6 +2713,7 @@
               <a:rPr lang="ru-RU"/>
               <a:t>Образец текста</a:t>
             </a:r>
+            <a:endParaRPr lang="ru-RU"/>
           </a:p>
         </p:txBody>
       </p:sp>
@@ -2739,6 +2744,7 @@
               <a:rPr lang="ru-RU"/>
               <a:t>Образец текста</a:t>
             </a:r>
+            <a:endParaRPr lang="ru-RU"/>
           </a:p>
           <a:p>
             <a:pPr lvl="1">
@@ -2748,6 +2754,7 @@
               <a:rPr lang="ru-RU"/>
               <a:t>Второй уровень</a:t>
             </a:r>
+            <a:endParaRPr lang="ru-RU"/>
           </a:p>
           <a:p>
             <a:pPr lvl="2">
@@ -2757,6 +2764,7 @@
               <a:rPr lang="ru-RU"/>
               <a:t>Третий уровень</a:t>
             </a:r>
+            <a:endParaRPr lang="ru-RU"/>
           </a:p>
           <a:p>
             <a:pPr lvl="3">
@@ -2766,6 +2774,7 @@
               <a:rPr lang="ru-RU"/>
               <a:t>Четвертый уровень</a:t>
             </a:r>
+            <a:endParaRPr lang="ru-RU"/>
           </a:p>
           <a:p>
             <a:pPr lvl="4">
@@ -2775,6 +2784,7 @@
               <a:rPr lang="ru-RU"/>
               <a:t>Пятый уровень</a:t>
             </a:r>
+            <a:endParaRPr lang="ru-RU"/>
           </a:p>
         </p:txBody>
       </p:sp>
@@ -2798,7 +2808,6 @@
             </a:pPr>
             <a:fld id="{BCC18F51-09EC-435C-A3BA-64A766E099C0}" type="datetimeFigureOut">
               <a:rPr lang="ru-RU"/>
-              <a:t>11.05.2025</a:t>
             </a:fld>
             <a:endParaRPr lang="ru-RU"/>
           </a:p>
@@ -2846,7 +2855,6 @@
             </a:pPr>
             <a:fld id="{08395586-F03A-48D1-94DF-16B239DF4FB5}" type="slidenum">
               <a:rPr lang="ru-RU"/>
-              <a:t>‹#›</a:t>
             </a:fld>
             <a:endParaRPr lang="ru-RU"/>
           </a:p>
@@ -2864,7 +2872,7 @@
 </file>
 
 <file path=ppt/slideLayouts/slideLayout6.xml><?xml version="1.0" encoding="utf-8"?>
-<p:sldLayout xmlns:a="http://schemas.openxmlformats.org/drawingml/2006/main" xmlns:r="http://schemas.openxmlformats.org/officeDocument/2006/relationships" xmlns:p="http://schemas.openxmlformats.org/presentationml/2006/main" showMasterPhAnim="0" type="titleOnly" preserve="1" userDrawn="1">
+<p:sldLayout xmlns:a="http://schemas.openxmlformats.org/drawingml/2006/main" xmlns:r="http://schemas.openxmlformats.org/officeDocument/2006/relationships" xmlns:p="http://schemas.openxmlformats.org/presentationml/2006/main" type="titleOnly" preserve="1" showMasterPhAnim="0" userDrawn="1">
   <p:cSld name="Только заголовок">
     <p:spTree>
       <p:nvGrpSpPr>
@@ -2902,6 +2910,7 @@
               <a:rPr lang="ru-RU"/>
               <a:t>Образец заголовка</a:t>
             </a:r>
+            <a:endParaRPr lang="ru-RU"/>
           </a:p>
         </p:txBody>
       </p:sp>
@@ -2925,7 +2934,6 @@
             </a:pPr>
             <a:fld id="{BCC18F51-09EC-435C-A3BA-64A766E099C0}" type="datetimeFigureOut">
               <a:rPr lang="ru-RU"/>
-              <a:t>11.05.2025</a:t>
             </a:fld>
             <a:endParaRPr lang="ru-RU"/>
           </a:p>
@@ -2973,7 +2981,6 @@
             </a:pPr>
             <a:fld id="{08395586-F03A-48D1-94DF-16B239DF4FB5}" type="slidenum">
               <a:rPr lang="ru-RU"/>
-              <a:t>‹#›</a:t>
             </a:fld>
             <a:endParaRPr lang="ru-RU"/>
           </a:p>
@@ -2991,7 +2998,7 @@
 </file>
 
 <file path=ppt/slideLayouts/slideLayout7.xml><?xml version="1.0" encoding="utf-8"?>
-<p:sldLayout xmlns:a="http://schemas.openxmlformats.org/drawingml/2006/main" xmlns:r="http://schemas.openxmlformats.org/officeDocument/2006/relationships" xmlns:p="http://schemas.openxmlformats.org/presentationml/2006/main" showMasterPhAnim="0" type="blank" preserve="1" userDrawn="1">
+<p:sldLayout xmlns:a="http://schemas.openxmlformats.org/drawingml/2006/main" xmlns:r="http://schemas.openxmlformats.org/officeDocument/2006/relationships" xmlns:p="http://schemas.openxmlformats.org/presentationml/2006/main" type="blank" preserve="1" showMasterPhAnim="0" userDrawn="1">
   <p:cSld name="Пустой слайд">
     <p:spTree>
       <p:nvGrpSpPr>
@@ -3027,7 +3034,6 @@
             </a:pPr>
             <a:fld id="{BCC18F51-09EC-435C-A3BA-64A766E099C0}" type="datetimeFigureOut">
               <a:rPr lang="ru-RU"/>
-              <a:t>11.05.2025</a:t>
             </a:fld>
             <a:endParaRPr lang="ru-RU"/>
           </a:p>
@@ -3075,7 +3081,6 @@
             </a:pPr>
             <a:fld id="{08395586-F03A-48D1-94DF-16B239DF4FB5}" type="slidenum">
               <a:rPr lang="ru-RU"/>
-              <a:t>‹#›</a:t>
             </a:fld>
             <a:endParaRPr lang="ru-RU"/>
           </a:p>
@@ -3093,7 +3098,7 @@
 </file>
 
 <file path=ppt/slideLayouts/slideLayout8.xml><?xml version="1.0" encoding="utf-8"?>
-<p:sldLayout xmlns:a="http://schemas.openxmlformats.org/drawingml/2006/main" xmlns:r="http://schemas.openxmlformats.org/officeDocument/2006/relationships" xmlns:p="http://schemas.openxmlformats.org/presentationml/2006/main" showMasterPhAnim="0" type="objTx" preserve="1" userDrawn="1">
+<p:sldLayout xmlns:a="http://schemas.openxmlformats.org/drawingml/2006/main" xmlns:r="http://schemas.openxmlformats.org/officeDocument/2006/relationships" xmlns:p="http://schemas.openxmlformats.org/presentationml/2006/main" type="objTx" preserve="1" showMasterPhAnim="0" userDrawn="1">
   <p:cSld name="Объект с подписью">
     <p:spTree>
       <p:nvGrpSpPr>
@@ -3140,6 +3145,7 @@
               <a:rPr lang="ru-RU"/>
               <a:t>Образец заголовка</a:t>
             </a:r>
+            <a:endParaRPr lang="ru-RU"/>
           </a:p>
         </p:txBody>
       </p:sp>
@@ -3198,6 +3204,7 @@
               <a:rPr lang="ru-RU"/>
               <a:t>Образец текста</a:t>
             </a:r>
+            <a:endParaRPr lang="ru-RU"/>
           </a:p>
           <a:p>
             <a:pPr lvl="1">
@@ -3207,6 +3214,7 @@
               <a:rPr lang="ru-RU"/>
               <a:t>Второй уровень</a:t>
             </a:r>
+            <a:endParaRPr lang="ru-RU"/>
           </a:p>
           <a:p>
             <a:pPr lvl="2">
@@ -3216,6 +3224,7 @@
               <a:rPr lang="ru-RU"/>
               <a:t>Третий уровень</a:t>
             </a:r>
+            <a:endParaRPr lang="ru-RU"/>
           </a:p>
           <a:p>
             <a:pPr lvl="3">
@@ -3225,6 +3234,7 @@
               <a:rPr lang="ru-RU"/>
               <a:t>Четвертый уровень</a:t>
             </a:r>
+            <a:endParaRPr lang="ru-RU"/>
           </a:p>
           <a:p>
             <a:pPr lvl="4">
@@ -3234,6 +3244,7 @@
               <a:rPr lang="ru-RU"/>
               <a:t>Пятый уровень</a:t>
             </a:r>
+            <a:endParaRPr lang="ru-RU"/>
           </a:p>
         </p:txBody>
       </p:sp>
@@ -3301,6 +3312,7 @@
               <a:rPr lang="ru-RU"/>
               <a:t>Образец текста</a:t>
             </a:r>
+            <a:endParaRPr lang="ru-RU"/>
           </a:p>
         </p:txBody>
       </p:sp>
@@ -3324,7 +3336,6 @@
             </a:pPr>
             <a:fld id="{BCC18F51-09EC-435C-A3BA-64A766E099C0}" type="datetimeFigureOut">
               <a:rPr lang="ru-RU"/>
-              <a:t>11.05.2025</a:t>
             </a:fld>
             <a:endParaRPr lang="ru-RU"/>
           </a:p>
@@ -3372,7 +3383,6 @@
             </a:pPr>
             <a:fld id="{08395586-F03A-48D1-94DF-16B239DF4FB5}" type="slidenum">
               <a:rPr lang="ru-RU"/>
-              <a:t>‹#›</a:t>
             </a:fld>
             <a:endParaRPr lang="ru-RU"/>
           </a:p>
@@ -3390,7 +3400,7 @@
 </file>
 
 <file path=ppt/slideLayouts/slideLayout9.xml><?xml version="1.0" encoding="utf-8"?>
-<p:sldLayout xmlns:a="http://schemas.openxmlformats.org/drawingml/2006/main" xmlns:r="http://schemas.openxmlformats.org/officeDocument/2006/relationships" xmlns:p="http://schemas.openxmlformats.org/presentationml/2006/main" showMasterPhAnim="0" type="picTx" preserve="1" userDrawn="1">
+<p:sldLayout xmlns:a="http://schemas.openxmlformats.org/drawingml/2006/main" xmlns:r="http://schemas.openxmlformats.org/officeDocument/2006/relationships" xmlns:p="http://schemas.openxmlformats.org/presentationml/2006/main" type="picTx" preserve="1" showMasterPhAnim="0" userDrawn="1">
   <p:cSld name="Рисунок с подписью">
     <p:spTree>
       <p:nvGrpSpPr>
@@ -3437,6 +3447,7 @@
               <a:rPr lang="ru-RU"/>
               <a:t>Образец заголовка</a:t>
             </a:r>
+            <a:endParaRPr lang="ru-RU"/>
           </a:p>
         </p:txBody>
       </p:sp>
@@ -3504,6 +3515,7 @@
               <a:rPr lang="ru-RU"/>
               <a:t>Click icon to add picture</a:t>
             </a:r>
+            <a:endParaRPr lang="ru-RU"/>
           </a:p>
         </p:txBody>
       </p:sp>
@@ -3571,6 +3583,7 @@
               <a:rPr lang="ru-RU"/>
               <a:t>Образец текста</a:t>
             </a:r>
+            <a:endParaRPr lang="ru-RU"/>
           </a:p>
         </p:txBody>
       </p:sp>
@@ -3594,7 +3607,6 @@
             </a:pPr>
             <a:fld id="{BCC18F51-09EC-435C-A3BA-64A766E099C0}" type="datetimeFigureOut">
               <a:rPr lang="ru-RU"/>
-              <a:t>11.05.2025</a:t>
             </a:fld>
             <a:endParaRPr lang="ru-RU"/>
           </a:p>
@@ -3642,7 +3654,6 @@
             </a:pPr>
             <a:fld id="{08395586-F03A-48D1-94DF-16B239DF4FB5}" type="slidenum">
               <a:rPr lang="ru-RU"/>
-              <a:t>‹#›</a:t>
             </a:fld>
             <a:endParaRPr lang="ru-RU"/>
           </a:p>
@@ -3713,6 +3724,7 @@
               <a:rPr lang="ru-RU"/>
               <a:t>Click to edit Master title style</a:t>
             </a:r>
+            <a:endParaRPr lang="ru-RU"/>
           </a:p>
         </p:txBody>
       </p:sp>
@@ -3748,6 +3760,7 @@
               <a:rPr lang="ru-RU"/>
               <a:t>Click to edit Master text styles</a:t>
             </a:r>
+            <a:endParaRPr lang="ru-RU"/>
           </a:p>
           <a:p>
             <a:pPr lvl="1">
@@ -3757,6 +3770,7 @@
               <a:rPr lang="ru-RU"/>
               <a:t>Second level</a:t>
             </a:r>
+            <a:endParaRPr lang="ru-RU"/>
           </a:p>
           <a:p>
             <a:pPr lvl="2">
@@ -3766,6 +3780,7 @@
               <a:rPr lang="ru-RU"/>
               <a:t>Third level</a:t>
             </a:r>
+            <a:endParaRPr lang="ru-RU"/>
           </a:p>
           <a:p>
             <a:pPr lvl="3">
@@ -3775,6 +3790,7 @@
               <a:rPr lang="ru-RU"/>
               <a:t>Fourth level</a:t>
             </a:r>
+            <a:endParaRPr lang="ru-RU"/>
           </a:p>
           <a:p>
             <a:pPr lvl="4">
@@ -3784,6 +3800,7 @@
               <a:rPr lang="ru-RU"/>
               <a:t>Fifth level</a:t>
             </a:r>
+            <a:endParaRPr lang="ru-RU"/>
           </a:p>
         </p:txBody>
       </p:sp>
@@ -3825,7 +3842,6 @@
             </a:pPr>
             <a:fld id="{BCC18F51-09EC-435C-A3BA-64A766E099C0}" type="datetimeFigureOut">
               <a:rPr lang="ru-RU"/>
-              <a:t>11.05.2025</a:t>
             </a:fld>
             <a:endParaRPr lang="ru-RU"/>
           </a:p>
@@ -3909,7 +3925,6 @@
             </a:pPr>
             <a:fld id="{08395586-F03A-48D1-94DF-16B239DF4FB5}" type="slidenum">
               <a:rPr lang="ru-RU"/>
-              <a:t>‹#›</a:t>
             </a:fld>
             <a:endParaRPr lang="ru-RU"/>
           </a:p>
@@ -4302,6 +4317,15 @@
               </a:rPr>
               <a:t>B&amp;CG</a:t>
             </a:r>
+            <a:endParaRPr lang="en-US" sz="6000" dirty="0" smtClean="0">
+              <a:solidFill>
+                <a:srgbClr val="F9E2AF"/>
+              </a:solidFill>
+              <a:latin typeface="Arial" panose="020B0604020202020204" pitchFamily="34" charset="0"/>
+              <a:ea typeface="Tahoma" panose="020B0604030504040204"/>
+              <a:cs typeface="Arial" panose="020B0604020202020204" pitchFamily="34" charset="0"/>
+              <a:sym typeface="+mn-ea"/>
+            </a:endParaRPr>
           </a:p>
           <a:p>
             <a:pPr algn="ctr">
@@ -4435,7 +4459,7 @@
                 <a:ea typeface="Tahoma" panose="020B0604030504040204"/>
                 <a:cs typeface="Arial" panose="020B0604020202020204" pitchFamily="34" charset="0"/>
                 <a:sym typeface="+mn-ea"/>
-                <a:hlinkClick r:id="rId3" action="ppaction://hlinksldjump" tooltip="НАЖМИ НА МЕНЯ!"/>
+                <a:hlinkClick r:id="rId1" tooltip="НАЖМИ НА МЕНЯ!" action="ppaction://hlinksldjump"/>
               </a:rPr>
               <a:t>&gt;</a:t>
             </a:r>
@@ -4448,7 +4472,7 @@
                 <a:ea typeface="Tahoma" panose="020B0604030504040204"/>
                 <a:cs typeface="Arial" panose="020B0604020202020204" pitchFamily="34" charset="0"/>
                 <a:sym typeface="+mn-ea"/>
-                <a:hlinkClick r:id="rId3" action="ppaction://hlinksldjump" tooltip="НАЖМИ НА МЕНЯ!"/>
+                <a:hlinkClick r:id="rId1" tooltip="НАЖМИ НА МЕНЯ!" action="ppaction://hlinksldjump"/>
               </a:rPr>
               <a:t>Слайд</a:t>
             </a:r>
@@ -4461,7 +4485,7 @@
                 <a:ea typeface="Tahoma" panose="020B0604030504040204"/>
                 <a:cs typeface="Arial" panose="020B0604020202020204" pitchFamily="34" charset="0"/>
                 <a:sym typeface="+mn-ea"/>
-                <a:hlinkClick r:id="rId3" action="ppaction://hlinksldjump" tooltip="НАЖМИ НА МЕНЯ!"/>
+                <a:hlinkClick r:id="rId1" tooltip="НАЖМИ НА МЕНЯ!" action="ppaction://hlinksldjump"/>
               </a:rPr>
               <a:t> 2</a:t>
             </a:r>
@@ -4474,7 +4498,7 @@
                 <a:ea typeface="Tahoma" panose="020B0604030504040204"/>
                 <a:cs typeface="Arial" panose="020B0604020202020204" pitchFamily="34" charset="0"/>
                 <a:sym typeface="+mn-ea"/>
-                <a:hlinkClick r:id="rId3" action="ppaction://hlinksldjump" tooltip="НАЖМИ НА МЕНЯ!"/>
+                <a:hlinkClick r:id="rId1" tooltip="НАЖМИ НА МЕНЯ!" action="ppaction://hlinksldjump"/>
               </a:rPr>
               <a:t>&lt;</a:t>
             </a:r>
@@ -4541,7 +4565,7 @@
                 <a:ea typeface="Tahoma" panose="020B0604030504040204"/>
                 <a:cs typeface="Arial" panose="020B0604020202020204" pitchFamily="34" charset="0"/>
                 <a:sym typeface="+mn-ea"/>
-                <a:hlinkClick r:id="rId4" action="ppaction://hlinksldjump" tooltip="НАЖМИ НА МЕНЯ!"/>
+                <a:hlinkClick r:id="rId2" tooltip="НАЖМИ НА МЕНЯ!" action="ppaction://hlinksldjump"/>
               </a:rPr>
               <a:t>&gt;Слайд 3&lt;</a:t>
             </a:r>
@@ -4608,7 +4632,7 @@
                 <a:ea typeface="Tahoma" panose="020B0604030504040204"/>
                 <a:cs typeface="Arial" panose="020B0604020202020204" pitchFamily="34" charset="0"/>
                 <a:sym typeface="+mn-ea"/>
-                <a:hlinkClick r:id="rId5" action="ppaction://hlinksldjump" tooltip="НАЖМИ НА МЕНЯ!"/>
+                <a:hlinkClick r:id="rId3" tooltip="НАЖМИ НА МЕНЯ!" action="ppaction://hlinksldjump"/>
               </a:rPr>
               <a:t>&gt;Слайд 4&lt;</a:t>
             </a:r>
@@ -4675,7 +4699,7 @@
                 <a:ea typeface="Tahoma" panose="020B0604030504040204"/>
                 <a:cs typeface="Arial" panose="020B0604020202020204" pitchFamily="34" charset="0"/>
                 <a:sym typeface="+mn-ea"/>
-                <a:hlinkClick r:id="rId6" action="ppaction://hlinksldjump" tooltip="НАЖМИ НА МЕНЯ!"/>
+                <a:hlinkClick r:id="rId4" tooltip="НАЖМИ НА МЕНЯ!" action="ppaction://hlinksldjump"/>
               </a:rPr>
               <a:t>&gt;Слайд 5&lt;</a:t>
             </a:r>
@@ -4736,7 +4760,7 @@
                 </a:solidFill>
                 <a:latin typeface="Arial" panose="020B0604020202020204" pitchFamily="34" charset="0"/>
                 <a:cs typeface="Arial" panose="020B0604020202020204" pitchFamily="34" charset="0"/>
-                <a:hlinkClick r:id="rId7" action="ppaction://hlinksldjump" tooltip="НАЖМИ НА МЕНЯ!"/>
+                <a:hlinkClick r:id="rId5" tooltip="НАЖМИ НА МЕНЯ!" action="ppaction://hlinksldjump"/>
               </a:rPr>
               <a:t>&gt;Слайд 6&lt;</a:t>
             </a:r>
@@ -4820,6 +4844,11 @@
               </a:rPr>
               <a:t>ИГРА</a:t>
             </a:r>
+            <a:endParaRPr lang="ru-RU" altLang="ru-RU" sz="2800" dirty="0">
+              <a:solidFill>
+                <a:srgbClr val="B4BEFE"/>
+              </a:solidFill>
+            </a:endParaRPr>
           </a:p>
         </p:txBody>
       </p:sp>
@@ -4968,8 +4997,8 @@
         </p:nvSpPr>
         <p:spPr bwMode="auto">
           <a:xfrm>
-            <a:off x="245745" y="241935"/>
-            <a:ext cx="11700510" cy="4653280"/>
+            <a:off x="245745" y="157480"/>
+            <a:ext cx="11700510" cy="4547235"/>
           </a:xfrm>
           <a:prstGeom prst="roundRect">
             <a:avLst>
@@ -5337,8 +5366,8 @@
         </p:nvSpPr>
         <p:spPr>
           <a:xfrm>
-            <a:off x="291783" y="5116195"/>
-            <a:ext cx="11608435" cy="1449070"/>
+            <a:off x="245745" y="4851400"/>
+            <a:ext cx="11608435" cy="1756410"/>
           </a:xfrm>
           <a:prstGeom prst="roundRect">
             <a:avLst>
@@ -5491,7 +5520,7 @@
                   <a:srgbClr val="F2C5E7"/>
                 </a:solidFill>
               </a:rPr>
-              <a:t>”; </a:t>
+              <a:t>”, </a:t>
             </a:r>
             <a:r>
               <a:rPr lang="ru-RU" altLang="ru-RU" sz="3600" dirty="0">
@@ -5499,7 +5528,7 @@
                   <a:srgbClr val="F2C5E7"/>
                 </a:solidFill>
               </a:rPr>
-              <a:t>библиотека </a:t>
+              <a:t>а также библиотека </a:t>
             </a:r>
             <a:r>
               <a:rPr lang="en-US" altLang="ru-RU" sz="3600" dirty="0">
@@ -5525,6 +5554,11 @@
               </a:rPr>
               <a:t>”.</a:t>
             </a:r>
+            <a:endParaRPr lang="en-US" altLang="ru-RU" sz="3600" dirty="0">
+              <a:solidFill>
+                <a:srgbClr val="F2C5E7"/>
+              </a:solidFill>
+            </a:endParaRPr>
           </a:p>
         </p:txBody>
       </p:sp>
@@ -5659,6 +5693,13 @@
               </a:rPr>
               <a:t>:</a:t>
             </a:r>
+            <a:endParaRPr lang="en-US" altLang="en-US" sz="2800" dirty="0">
+              <a:solidFill>
+                <a:srgbClr val="B4BEFE"/>
+              </a:solidFill>
+              <a:latin typeface="Arial" panose="020B0604020202020204" pitchFamily="34" charset="0"/>
+              <a:cs typeface="Arial" panose="020B0604020202020204" pitchFamily="34" charset="0"/>
+            </a:endParaRPr>
           </a:p>
         </p:txBody>
       </p:sp>
@@ -5671,7 +5712,7 @@
           <p:nvPr/>
         </p:nvPicPr>
         <p:blipFill>
-          <a:blip r:embed="rId3"/>
+          <a:blip r:embed="rId1"/>
           <a:stretch>
             <a:fillRect/>
           </a:stretch>
@@ -5826,27 +5867,22 @@
       </p:sp>
       <p:pic>
         <p:nvPicPr>
-          <p:cNvPr id="3" name="Изображение 2"/>
+          <p:cNvPr id="3" name="Изображение 2" descr="C:\Users\Unicum_Student\Desktop\222.png222"/>
           <p:cNvPicPr>
             <a:picLocks noChangeAspect="1"/>
           </p:cNvPicPr>
           <p:nvPr/>
         </p:nvPicPr>
         <p:blipFill>
-          <a:blip r:embed="rId3">
-            <a:extLst>
-              <a:ext uri="{28A0092B-C50C-407E-A947-70E740481C1C}">
-                <a14:useLocalDpi xmlns:a14="http://schemas.microsoft.com/office/drawing/2010/main" val="0"/>
-              </a:ext>
-            </a:extLst>
-          </a:blip>
+          <a:blip r:embed="rId1"/>
+          <a:srcRect t="3" b="3"/>
           <a:stretch>
             <a:fillRect/>
           </a:stretch>
         </p:blipFill>
         <p:spPr>
           <a:xfrm>
-            <a:off x="245745" y="1168124"/>
+            <a:off x="1230630" y="1018264"/>
             <a:ext cx="9575165" cy="5386029"/>
           </a:xfrm>
           <a:prstGeom prst="rect">
@@ -5863,28 +5899,23 @@
       </p:pic>
       <p:pic>
         <p:nvPicPr>
-          <p:cNvPr id="2" name="Рисунок 1"/>
+          <p:cNvPr id="2" name="Рисунок 1" descr="C:\Users\Unicum_Student\Desktop\111.png111"/>
           <p:cNvPicPr>
             <a:picLocks noChangeAspect="1"/>
           </p:cNvPicPr>
           <p:nvPr/>
         </p:nvPicPr>
         <p:blipFill>
-          <a:blip r:embed="rId4">
-            <a:extLst>
-              <a:ext uri="{28A0092B-C50C-407E-A947-70E740481C1C}">
-                <a14:useLocalDpi xmlns:a14="http://schemas.microsoft.com/office/drawing/2010/main" val="0"/>
-              </a:ext>
-            </a:extLst>
-          </a:blip>
+          <a:blip r:embed="rId2"/>
+          <a:srcRect t="1128" b="1128"/>
           <a:stretch>
             <a:fillRect/>
           </a:stretch>
         </p:blipFill>
         <p:spPr>
           <a:xfrm>
-            <a:off x="4144097" y="303848"/>
-            <a:ext cx="7819303" cy="3929824"/>
+            <a:off x="1884680" y="1135380"/>
+            <a:ext cx="8422005" cy="4232910"/>
           </a:xfrm>
           <a:prstGeom prst="rect">
             <a:avLst/>
@@ -5907,11 +5938,6 @@
         </p:spPr>
       </p:pic>
     </p:spTree>
-    <p:extLst>
-      <p:ext uri="{BB962C8B-B14F-4D97-AF65-F5344CB8AC3E}">
-        <p14:creationId xmlns:p14="http://schemas.microsoft.com/office/powerpoint/2010/main" val="2205433408"/>
-      </p:ext>
-    </p:extLst>
   </p:cSld>
   <p:clrMapOvr>
     <a:masterClrMapping/>
@@ -5931,9 +5957,6 @@
                     <p:cTn id="3" fill="hold">
                       <p:stCondLst>
                         <p:cond delay="indefinite"/>
-                        <p:cond evt="onBegin" delay="0">
-                          <p:tn val="2"/>
-                        </p:cond>
                       </p:stCondLst>
                       <p:childTnLst>
                         <p:par>
@@ -5943,16 +5966,24 @@
                             </p:stCondLst>
                             <p:childTnLst>
                               <p:par>
-                                <p:cTn id="5" presetID="22" presetClass="entr" presetSubtype="4" fill="hold" nodeType="afterEffect">
+                                <p:cTn id="5" presetID="3" presetClass="exit" presetSubtype="10" fill="hold" nodeType="clickEffect">
                                   <p:stCondLst>
                                     <p:cond delay="0"/>
                                   </p:stCondLst>
                                   <p:childTnLst>
+                                    <p:animEffect transition="out" filter="blinds(horizontal)">
+                                      <p:cBhvr>
+                                        <p:cTn id="6" dur="500"/>
+                                        <p:tgtEl>
+                                          <p:spTgt spid="2"/>
+                                        </p:tgtEl>
+                                      </p:cBhvr>
+                                    </p:animEffect>
                                     <p:set>
                                       <p:cBhvr>
-                                        <p:cTn id="6" dur="1" fill="hold">
+                                        <p:cTn id="7" dur="1" fill="hold">
                                           <p:stCondLst>
-                                            <p:cond delay="0"/>
+                                            <p:cond delay="499"/>
                                           </p:stCondLst>
                                         </p:cTn>
                                         <p:tgtEl>
@@ -5963,17 +5994,9 @@
                                         </p:attrNameLst>
                                       </p:cBhvr>
                                       <p:to>
-                                        <p:strVal val="visible"/>
+                                        <p:strVal val="hidden"/>
                                       </p:to>
                                     </p:set>
-                                    <p:animEffect transition="in" filter="wipe(down)">
-                                      <p:cBhvr>
-                                        <p:cTn id="7" dur="500"/>
-                                        <p:tgtEl>
-                                          <p:spTgt spid="2"/>
-                                        </p:tgtEl>
-                                      </p:cBhvr>
-                                    </p:animEffect>
                                   </p:childTnLst>
                                 </p:cTn>
                               </p:par>
@@ -6042,7 +6065,7 @@
           <p:nvPr/>
         </p:nvPicPr>
         <p:blipFill>
-          <a:blip r:embed="rId3">
+          <a:blip r:embed="rId1">
             <a:extLst>
               <a:ext uri="{28A0092B-C50C-407E-A947-70E740481C1C}">
                 <a14:useLocalDpi xmlns:a14="http://schemas.microsoft.com/office/drawing/2010/main" val="0"/>
@@ -6131,6 +6154,13 @@
               </a:rPr>
               <a:t>БЛОК</a:t>
             </a:r>
+            <a:endParaRPr lang="ru-RU" altLang="en-US" sz="4000" dirty="0" smtClean="0">
+              <a:solidFill>
+                <a:srgbClr val="FAB387"/>
+              </a:solidFill>
+              <a:latin typeface="Arial" panose="020B0604020202020204" pitchFamily="34" charset="0"/>
+              <a:cs typeface="Arial" panose="020B0604020202020204" pitchFamily="34" charset="0"/>
+            </a:endParaRPr>
           </a:p>
           <a:p>
             <a:pPr algn="ctr">
@@ -6157,11 +6187,6 @@
         </p:txBody>
       </p:sp>
     </p:spTree>
-    <p:extLst>
-      <p:ext uri="{BB962C8B-B14F-4D97-AF65-F5344CB8AC3E}">
-        <p14:creationId xmlns:p14="http://schemas.microsoft.com/office/powerpoint/2010/main" val="805087272"/>
-      </p:ext>
-    </p:extLst>
   </p:cSld>
   <p:clrMapOvr>
     <a:masterClrMapping/>
@@ -6533,11 +6558,6 @@
         </p:txBody>
       </p:sp>
     </p:spTree>
-    <p:extLst>
-      <p:ext uri="{BB962C8B-B14F-4D97-AF65-F5344CB8AC3E}">
-        <p14:creationId xmlns:p14="http://schemas.microsoft.com/office/powerpoint/2010/main" val="1827265345"/>
-      </p:ext>
-    </p:extLst>
   </p:cSld>
   <p:clrMapOvr>
     <a:masterClrMapping/>
@@ -6728,6 +6748,13 @@
               </a:rPr>
               <a:t>СПАСИБО ЗА</a:t>
             </a:r>
+            <a:endParaRPr lang="ru-RU" altLang="en-US" sz="4000" dirty="0" smtClean="0">
+              <a:solidFill>
+                <a:srgbClr val="A6E3A1"/>
+              </a:solidFill>
+              <a:latin typeface="Arial" panose="020B0604020202020204" pitchFamily="34" charset="0"/>
+              <a:cs typeface="Arial" panose="020B0604020202020204" pitchFamily="34" charset="0"/>
+            </a:endParaRPr>
           </a:p>
           <a:p>
             <a:pPr algn="ctr">
@@ -6743,6 +6770,13 @@
               </a:rPr>
               <a:t>ВНИМАНИЕ</a:t>
             </a:r>
+            <a:endParaRPr lang="ru-RU" altLang="en-US" sz="4000" dirty="0" smtClean="0">
+              <a:solidFill>
+                <a:srgbClr val="A6E3A1"/>
+              </a:solidFill>
+              <a:latin typeface="Arial" panose="020B0604020202020204" pitchFamily="34" charset="0"/>
+              <a:cs typeface="Arial" panose="020B0604020202020204" pitchFamily="34" charset="0"/>
+            </a:endParaRPr>
           </a:p>
           <a:p>
             <a:pPr algn="ctr">
@@ -6758,15 +6792,17 @@
               </a:rPr>
               <a:t>(ЕСЛИ ОНО БЫЛО)!</a:t>
             </a:r>
+            <a:endParaRPr lang="ru-RU" altLang="en-US" sz="4000" dirty="0" smtClean="0">
+              <a:solidFill>
+                <a:srgbClr val="A6E3A1"/>
+              </a:solidFill>
+              <a:latin typeface="Arial" panose="020B0604020202020204" pitchFamily="34" charset="0"/>
+              <a:cs typeface="Arial" panose="020B0604020202020204" pitchFamily="34" charset="0"/>
+            </a:endParaRPr>
           </a:p>
         </p:txBody>
       </p:sp>
     </p:spTree>
-    <p:extLst>
-      <p:ext uri="{BB962C8B-B14F-4D97-AF65-F5344CB8AC3E}">
-        <p14:creationId xmlns:p14="http://schemas.microsoft.com/office/powerpoint/2010/main" val="380470668"/>
-      </p:ext>
-    </p:extLst>
   </p:cSld>
   <p:clrMapOvr>
     <a:masterClrMapping/>
@@ -7115,8 +7151,6 @@
       </a:bgFillStyleLst>
     </a:fmtScheme>
   </a:themeElements>
-  <a:objectDefaults/>
-  <a:extraClrSchemeLst/>
   <a:extLst>
     <a:ext uri="{05A4C25C-085E-4340-85A3-A5531E510DB2}">
       <thm15:themeFamily xmlns:thm15="http://schemas.microsoft.com/office/thememl/2012/main" name="Office Theme" id="{62F939B6-93AF-4DB8-9C6B-D6C7DFDC589F}" vid="{4A3C46E8-61CC-4603-A589-7422A47A8E4A}"/>
@@ -7328,8 +7362,6 @@
       </a:bgFillStyleLst>
     </a:fmtScheme>
   </a:themeElements>
-  <a:objectDefaults/>
-  <a:extraClrSchemeLst/>
   <a:extLst>
     <a:ext uri="{05A4C25C-085E-4340-85A3-A5531E510DB2}">
       <thm15:themeFamily xmlns:thm15="http://schemas.microsoft.com/office/thememl/2012/main" name="Office Theme" id="{62F939B6-93AF-4DB8-9C6B-D6C7DFDC589F}" vid="{4A3C46E8-61CC-4603-A589-7422A47A8E4A}"/>
